--- a/papers/DRCPA/docs/PerfTest - Setup (WSAS).pptx
+++ b/papers/DRCPA/docs/PerfTest - Setup (WSAS).pptx
@@ -32,23 +32,7 @@
     <p:sldId id="331" r:id="rId26"/>
     <p:sldId id="332" r:id="rId27"/>
     <p:sldId id="358" r:id="rId28"/>
-    <p:sldId id="334" r:id="rId29"/>
-    <p:sldId id="336" r:id="rId30"/>
-    <p:sldId id="279" r:id="rId31"/>
-    <p:sldId id="261" r:id="rId32"/>
-    <p:sldId id="262" r:id="rId33"/>
-    <p:sldId id="263" r:id="rId34"/>
-    <p:sldId id="351" r:id="rId35"/>
-    <p:sldId id="352" r:id="rId36"/>
-    <p:sldId id="350" r:id="rId37"/>
-    <p:sldId id="353" r:id="rId38"/>
-    <p:sldId id="354" r:id="rId39"/>
-    <p:sldId id="273" r:id="rId40"/>
-    <p:sldId id="274" r:id="rId41"/>
-    <p:sldId id="277" r:id="rId42"/>
-    <p:sldId id="272" r:id="rId43"/>
-    <p:sldId id="282" r:id="rId44"/>
-    <p:sldId id="276" r:id="rId45"/>
+    <p:sldId id="359" r:id="rId29"/>
   </p:sldIdLst>
   <p:sldSz cx="9144000" cy="6858000" type="screen4x3"/>
   <p:notesSz cx="6858000" cy="9144000"/>
@@ -337,7 +321,7 @@
             <a:fld id="{C60591B3-B4ED-4C31-8AEF-63EEC6A32F51}" type="datetimeFigureOut">
               <a:rPr lang="en-US" smtClean="0"/>
               <a:pPr/>
-              <a:t>9/16/2009</a:t>
+              <a:t>9/21/2009</a:t>
             </a:fld>
             <a:endParaRPr lang="en-US"/>
           </a:p>
@@ -504,7 +488,7 @@
             <a:fld id="{C60591B3-B4ED-4C31-8AEF-63EEC6A32F51}" type="datetimeFigureOut">
               <a:rPr lang="en-US" smtClean="0"/>
               <a:pPr/>
-              <a:t>9/16/2009</a:t>
+              <a:t>9/21/2009</a:t>
             </a:fld>
             <a:endParaRPr lang="en-US"/>
           </a:p>
@@ -681,7 +665,7 @@
             <a:fld id="{C60591B3-B4ED-4C31-8AEF-63EEC6A32F51}" type="datetimeFigureOut">
               <a:rPr lang="en-US" smtClean="0"/>
               <a:pPr/>
-              <a:t>9/16/2009</a:t>
+              <a:t>9/21/2009</a:t>
             </a:fld>
             <a:endParaRPr lang="en-US"/>
           </a:p>
@@ -848,7 +832,7 @@
             <a:fld id="{C60591B3-B4ED-4C31-8AEF-63EEC6A32F51}" type="datetimeFigureOut">
               <a:rPr lang="en-US" smtClean="0"/>
               <a:pPr/>
-              <a:t>9/16/2009</a:t>
+              <a:t>9/21/2009</a:t>
             </a:fld>
             <a:endParaRPr lang="en-US"/>
           </a:p>
@@ -1096,7 +1080,7 @@
             <a:fld id="{C60591B3-B4ED-4C31-8AEF-63EEC6A32F51}" type="datetimeFigureOut">
               <a:rPr lang="en-US" smtClean="0"/>
               <a:pPr/>
-              <a:t>9/16/2009</a:t>
+              <a:t>9/21/2009</a:t>
             </a:fld>
             <a:endParaRPr lang="en-US"/>
           </a:p>
@@ -1381,7 +1365,7 @@
             <a:fld id="{C60591B3-B4ED-4C31-8AEF-63EEC6A32F51}" type="datetimeFigureOut">
               <a:rPr lang="en-US" smtClean="0"/>
               <a:pPr/>
-              <a:t>9/16/2009</a:t>
+              <a:t>9/21/2009</a:t>
             </a:fld>
             <a:endParaRPr lang="en-US"/>
           </a:p>
@@ -1800,7 +1784,7 @@
             <a:fld id="{C60591B3-B4ED-4C31-8AEF-63EEC6A32F51}" type="datetimeFigureOut">
               <a:rPr lang="en-US" smtClean="0"/>
               <a:pPr/>
-              <a:t>9/16/2009</a:t>
+              <a:t>9/21/2009</a:t>
             </a:fld>
             <a:endParaRPr lang="en-US"/>
           </a:p>
@@ -1915,7 +1899,7 @@
             <a:fld id="{C60591B3-B4ED-4C31-8AEF-63EEC6A32F51}" type="datetimeFigureOut">
               <a:rPr lang="en-US" smtClean="0"/>
               <a:pPr/>
-              <a:t>9/16/2009</a:t>
+              <a:t>9/21/2009</a:t>
             </a:fld>
             <a:endParaRPr lang="en-US"/>
           </a:p>
@@ -2007,7 +1991,7 @@
             <a:fld id="{C60591B3-B4ED-4C31-8AEF-63EEC6A32F51}" type="datetimeFigureOut">
               <a:rPr lang="en-US" smtClean="0"/>
               <a:pPr/>
-              <a:t>9/16/2009</a:t>
+              <a:t>9/21/2009</a:t>
             </a:fld>
             <a:endParaRPr lang="en-US"/>
           </a:p>
@@ -2281,7 +2265,7 @@
             <a:fld id="{C60591B3-B4ED-4C31-8AEF-63EEC6A32F51}" type="datetimeFigureOut">
               <a:rPr lang="en-US" smtClean="0"/>
               <a:pPr/>
-              <a:t>9/16/2009</a:t>
+              <a:t>9/21/2009</a:t>
             </a:fld>
             <a:endParaRPr lang="en-US"/>
           </a:p>
@@ -2531,7 +2515,7 @@
             <a:fld id="{C60591B3-B4ED-4C31-8AEF-63EEC6A32F51}" type="datetimeFigureOut">
               <a:rPr lang="en-US" smtClean="0"/>
               <a:pPr/>
-              <a:t>9/16/2009</a:t>
+              <a:t>9/21/2009</a:t>
             </a:fld>
             <a:endParaRPr lang="en-US"/>
           </a:p>
@@ -2741,7 +2725,7 @@
             <a:fld id="{C60591B3-B4ED-4C31-8AEF-63EEC6A32F51}" type="datetimeFigureOut">
               <a:rPr lang="en-US" smtClean="0"/>
               <a:pPr/>
-              <a:t>9/16/2009</a:t>
+              <a:t>9/21/2009</a:t>
             </a:fld>
             <a:endParaRPr lang="en-US"/>
           </a:p>
@@ -3207,15 +3191,7 @@
           <a:p>
             <a:r>
               <a:rPr lang="en-US" dirty="0" smtClean="0"/>
-              <a:t>Last Updated: Sep. </a:t>
-            </a:r>
-            <a:r>
-              <a:rPr lang="en-US" dirty="0" smtClean="0"/>
-              <a:t>16</a:t>
-            </a:r>
-            <a:r>
-              <a:rPr lang="en-US" dirty="0" smtClean="0"/>
-              <a:t>, 2009</a:t>
+              <a:t>Last Updated: Sep. 16, 2009</a:t>
             </a:r>
             <a:endParaRPr lang="en-US" dirty="0"/>
           </a:p>
@@ -7155,7 +7131,7 @@
       </p:grpSpPr>
       <p:sp>
         <p:nvSpPr>
-          <p:cNvPr id="4" name="Title 3"/>
+          <p:cNvPr id="2" name="Title 1"/>
           <p:cNvSpPr>
             <a:spLocks noGrp="1"/>
           </p:cNvSpPr>
@@ -7168,196 +7144,36 @@
           <a:bodyPr/>
           <a:lstStyle/>
           <a:p>
+            <a:endParaRPr lang="en-US"/>
+          </a:p>
+        </p:txBody>
+      </p:sp>
+      <p:sp>
+        <p:nvSpPr>
+          <p:cNvPr id="3" name="Content Placeholder 2"/>
+          <p:cNvSpPr>
+            <a:spLocks noGrp="1"/>
+          </p:cNvSpPr>
+          <p:nvPr>
+            <p:ph idx="1"/>
+          </p:nvPr>
+        </p:nvSpPr>
+        <p:spPr/>
+        <p:txBody>
+          <a:bodyPr/>
+          <a:lstStyle/>
+          <a:p>
             <a:r>
               <a:rPr lang="en-US" dirty="0" smtClean="0"/>
-              <a:t>Agent Controller</a:t>
+              <a:t>After profiling, the server is down</a:t>
+            </a:r>
+          </a:p>
+          <a:p>
+            <a:r>
+              <a:rPr lang="en-US" dirty="0" smtClean="0"/>
+              <a:t>Trace data seems to be not enough</a:t>
             </a:r>
             <a:endParaRPr lang="en-US" dirty="0"/>
-          </a:p>
-        </p:txBody>
-      </p:sp>
-      <p:sp>
-        <p:nvSpPr>
-          <p:cNvPr id="5" name="Text Placeholder 4"/>
-          <p:cNvSpPr>
-            <a:spLocks noGrp="1"/>
-          </p:cNvSpPr>
-          <p:nvPr>
-            <p:ph type="body" idx="1"/>
-          </p:nvPr>
-        </p:nvSpPr>
-        <p:spPr/>
-        <p:txBody>
-          <a:bodyPr/>
-          <a:lstStyle/>
-          <a:p>
-            <a:r>
-              <a:rPr lang="en-US" dirty="0" smtClean="0"/>
-              <a:t>Installation and Configuration on the Server side</a:t>
-            </a:r>
-            <a:endParaRPr lang="en-US" dirty="0"/>
-          </a:p>
-        </p:txBody>
-      </p:sp>
-    </p:spTree>
-  </p:cSld>
-  <p:clrMapOvr>
-    <a:masterClrMapping/>
-  </p:clrMapOvr>
-</p:sld>
-</file>
-
-<file path=ppt/slides/slide29.xml><?xml version="1.0" encoding="utf-8"?>
-<p:sld xmlns:a="http://schemas.openxmlformats.org/drawingml/2006/main" xmlns:r="http://schemas.openxmlformats.org/officeDocument/2006/relationships" xmlns:p="http://schemas.openxmlformats.org/presentationml/2006/main">
-  <p:cSld>
-    <p:spTree>
-      <p:nvGrpSpPr>
-        <p:cNvPr id="1" name=""/>
-        <p:cNvGrpSpPr/>
-        <p:nvPr/>
-      </p:nvGrpSpPr>
-      <p:grpSpPr>
-        <a:xfrm>
-          <a:off x="0" y="0"/>
-          <a:ext cx="0" cy="0"/>
-          <a:chOff x="0" y="0"/>
-          <a:chExt cx="0" cy="0"/>
-        </a:xfrm>
-      </p:grpSpPr>
-      <p:sp>
-        <p:nvSpPr>
-          <p:cNvPr id="4" name="Title 3"/>
-          <p:cNvSpPr>
-            <a:spLocks noGrp="1"/>
-          </p:cNvSpPr>
-          <p:nvPr>
-            <p:ph type="title"/>
-          </p:nvPr>
-        </p:nvSpPr>
-        <p:spPr/>
-        <p:txBody>
-          <a:bodyPr/>
-          <a:lstStyle/>
-          <a:p>
-            <a:endParaRPr lang="en-US" dirty="0"/>
-          </a:p>
-        </p:txBody>
-      </p:sp>
-      <p:sp>
-        <p:nvSpPr>
-          <p:cNvPr id="5" name="Content Placeholder 4"/>
-          <p:cNvSpPr>
-            <a:spLocks noGrp="1"/>
-          </p:cNvSpPr>
-          <p:nvPr>
-            <p:ph idx="1"/>
-          </p:nvPr>
-        </p:nvSpPr>
-        <p:spPr/>
-        <p:txBody>
-          <a:bodyPr/>
-          <a:lstStyle/>
-          <a:p>
-            <a:r>
-              <a:rPr lang="en-US" dirty="0" smtClean="0"/>
-              <a:t>Repository</a:t>
-            </a:r>
-          </a:p>
-          <a:p>
-            <a:pPr lvl="1"/>
-            <a:r>
-              <a:rPr lang="en-US" dirty="0" smtClean="0">
-                <a:latin typeface="Courier New" pitchFamily="49" charset="0"/>
-                <a:cs typeface="Courier New" pitchFamily="49" charset="0"/>
-              </a:rPr>
-              <a:t>/</a:t>
-            </a:r>
-            <a:r>
-              <a:rPr lang="en-US" dirty="0" err="1" smtClean="0">
-                <a:latin typeface="Courier New" pitchFamily="49" charset="0"/>
-                <a:cs typeface="Courier New" pitchFamily="49" charset="0"/>
-              </a:rPr>
-              <a:t>usr</a:t>
-            </a:r>
-            <a:r>
-              <a:rPr lang="en-US" dirty="0" smtClean="0">
-                <a:latin typeface="Courier New" pitchFamily="49" charset="0"/>
-                <a:cs typeface="Courier New" pitchFamily="49" charset="0"/>
-              </a:rPr>
-              <a:t>/</a:t>
-            </a:r>
-            <a:r>
-              <a:rPr lang="en-US" dirty="0" err="1" smtClean="0">
-                <a:latin typeface="Courier New" pitchFamily="49" charset="0"/>
-                <a:cs typeface="Courier New" pitchFamily="49" charset="0"/>
-              </a:rPr>
-              <a:t>rptagent</a:t>
-            </a:r>
-            <a:endParaRPr lang="en-US" dirty="0" smtClean="0">
-              <a:latin typeface="Courier New" pitchFamily="49" charset="0"/>
-              <a:cs typeface="Courier New" pitchFamily="49" charset="0"/>
-            </a:endParaRPr>
-          </a:p>
-          <a:p>
-            <a:r>
-              <a:rPr lang="en-US" dirty="0" smtClean="0"/>
-              <a:t>Installation Directory</a:t>
-            </a:r>
-          </a:p>
-          <a:p>
-            <a:pPr lvl="1"/>
-            <a:r>
-              <a:rPr lang="en-US" dirty="0" smtClean="0">
-                <a:latin typeface="Courier New" pitchFamily="49" charset="0"/>
-                <a:cs typeface="Courier New" pitchFamily="49" charset="0"/>
-              </a:rPr>
-              <a:t>/opt/IBM/SDP/</a:t>
-            </a:r>
-            <a:r>
-              <a:rPr lang="en-US" dirty="0" err="1" smtClean="0">
-                <a:latin typeface="Courier New" pitchFamily="49" charset="0"/>
-                <a:cs typeface="Courier New" pitchFamily="49" charset="0"/>
-              </a:rPr>
-              <a:t>AgentController</a:t>
-            </a:r>
-            <a:endParaRPr lang="en-US" dirty="0" smtClean="0">
-              <a:latin typeface="Courier New" pitchFamily="49" charset="0"/>
-              <a:cs typeface="Courier New" pitchFamily="49" charset="0"/>
-            </a:endParaRPr>
-          </a:p>
-          <a:p>
-            <a:r>
-              <a:rPr lang="en-US" dirty="0" smtClean="0"/>
-              <a:t>Starting AC</a:t>
-            </a:r>
-          </a:p>
-          <a:p>
-            <a:pPr lvl="1"/>
-            <a:r>
-              <a:rPr lang="en-US" dirty="0" smtClean="0">
-                <a:latin typeface="Courier New" pitchFamily="49" charset="0"/>
-                <a:cs typeface="Courier New" pitchFamily="49" charset="0"/>
-              </a:rPr>
-              <a:t># /opt/IBM/SDP/</a:t>
-            </a:r>
-            <a:r>
-              <a:rPr lang="en-US" dirty="0" err="1" smtClean="0">
-                <a:latin typeface="Courier New" pitchFamily="49" charset="0"/>
-                <a:cs typeface="Courier New" pitchFamily="49" charset="0"/>
-              </a:rPr>
-              <a:t>AgentController</a:t>
-            </a:r>
-            <a:r>
-              <a:rPr lang="en-US" dirty="0" smtClean="0">
-                <a:latin typeface="Courier New" pitchFamily="49" charset="0"/>
-                <a:cs typeface="Courier New" pitchFamily="49" charset="0"/>
-              </a:rPr>
-              <a:t>/bin/ACStart.sh</a:t>
-            </a:r>
-            <a:endParaRPr lang="en-US" dirty="0">
-              <a:latin typeface="Courier New" pitchFamily="49" charset="0"/>
-              <a:cs typeface="Courier New" pitchFamily="49" charset="0"/>
-            </a:endParaRPr>
           </a:p>
         </p:txBody>
       </p:sp>
@@ -7546,1101 +7362,6 @@
 </p:sld>
 </file>
 
-<file path=ppt/slides/slide30.xml><?xml version="1.0" encoding="utf-8"?>
-<p:sld xmlns:a="http://schemas.openxmlformats.org/drawingml/2006/main" xmlns:r="http://schemas.openxmlformats.org/officeDocument/2006/relationships" xmlns:p="http://schemas.openxmlformats.org/presentationml/2006/main">
-  <p:cSld>
-    <p:spTree>
-      <p:nvGrpSpPr>
-        <p:cNvPr id="1" name=""/>
-        <p:cNvGrpSpPr/>
-        <p:nvPr/>
-      </p:nvGrpSpPr>
-      <p:grpSpPr>
-        <a:xfrm>
-          <a:off x="0" y="0"/>
-          <a:ext cx="0" cy="0"/>
-          <a:chOff x="0" y="0"/>
-          <a:chExt cx="0" cy="0"/>
-        </a:xfrm>
-      </p:grpSpPr>
-      <p:sp>
-        <p:nvSpPr>
-          <p:cNvPr id="2" name="Title 1"/>
-          <p:cNvSpPr>
-            <a:spLocks noGrp="1"/>
-          </p:cNvSpPr>
-          <p:nvPr>
-            <p:ph type="title"/>
-          </p:nvPr>
-        </p:nvSpPr>
-        <p:spPr/>
-        <p:txBody>
-          <a:bodyPr/>
-          <a:lstStyle/>
-          <a:p>
-            <a:r>
-              <a:rPr lang="en-US" dirty="0" smtClean="0"/>
-              <a:t>Rational Performance Tester </a:t>
-            </a:r>
-            <a:br>
-              <a:rPr lang="en-US" dirty="0" smtClean="0"/>
-            </a:br>
-            <a:r>
-              <a:rPr lang="en-US" dirty="0" smtClean="0"/>
-              <a:t>v8.0</a:t>
-            </a:r>
-            <a:endParaRPr lang="en-US" dirty="0"/>
-          </a:p>
-        </p:txBody>
-      </p:sp>
-      <p:sp>
-        <p:nvSpPr>
-          <p:cNvPr id="4" name="Text Placeholder 3"/>
-          <p:cNvSpPr>
-            <a:spLocks noGrp="1"/>
-          </p:cNvSpPr>
-          <p:nvPr>
-            <p:ph type="body" idx="1"/>
-          </p:nvPr>
-        </p:nvSpPr>
-        <p:spPr/>
-        <p:txBody>
-          <a:bodyPr/>
-          <a:lstStyle/>
-          <a:p>
-            <a:r>
-              <a:rPr lang="en-US" dirty="0" smtClean="0"/>
-              <a:t>Installation and Configuration on the Client side</a:t>
-            </a:r>
-            <a:endParaRPr lang="en-US" dirty="0"/>
-          </a:p>
-        </p:txBody>
-      </p:sp>
-    </p:spTree>
-  </p:cSld>
-  <p:clrMapOvr>
-    <a:masterClrMapping/>
-  </p:clrMapOvr>
-</p:sld>
-</file>
-
-<file path=ppt/slides/slide31.xml><?xml version="1.0" encoding="utf-8"?>
-<p:sld xmlns:a="http://schemas.openxmlformats.org/drawingml/2006/main" xmlns:r="http://schemas.openxmlformats.org/officeDocument/2006/relationships" xmlns:p="http://schemas.openxmlformats.org/presentationml/2006/main">
-  <p:cSld>
-    <p:spTree>
-      <p:nvGrpSpPr>
-        <p:cNvPr id="1" name=""/>
-        <p:cNvGrpSpPr/>
-        <p:nvPr/>
-      </p:nvGrpSpPr>
-      <p:grpSpPr>
-        <a:xfrm>
-          <a:off x="0" y="0"/>
-          <a:ext cx="0" cy="0"/>
-          <a:chOff x="0" y="0"/>
-          <a:chExt cx="0" cy="0"/>
-        </a:xfrm>
-      </p:grpSpPr>
-      <p:sp>
-        <p:nvSpPr>
-          <p:cNvPr id="2" name="Title 1"/>
-          <p:cNvSpPr>
-            <a:spLocks noGrp="1"/>
-          </p:cNvSpPr>
-          <p:nvPr>
-            <p:ph type="title"/>
-          </p:nvPr>
-        </p:nvSpPr>
-        <p:spPr/>
-        <p:txBody>
-          <a:bodyPr/>
-          <a:lstStyle/>
-          <a:p>
-            <a:r>
-              <a:rPr lang="en-US" dirty="0" smtClean="0"/>
-              <a:t>RPT Installation</a:t>
-            </a:r>
-            <a:endParaRPr lang="en-US" dirty="0"/>
-          </a:p>
-        </p:txBody>
-      </p:sp>
-      <p:sp>
-        <p:nvSpPr>
-          <p:cNvPr id="3" name="Content Placeholder 2"/>
-          <p:cNvSpPr>
-            <a:spLocks noGrp="1"/>
-          </p:cNvSpPr>
-          <p:nvPr>
-            <p:ph idx="1"/>
-          </p:nvPr>
-        </p:nvSpPr>
-        <p:spPr/>
-        <p:txBody>
-          <a:bodyPr/>
-          <a:lstStyle/>
-          <a:p>
-            <a:endParaRPr lang="en-US" dirty="0"/>
-          </a:p>
-        </p:txBody>
-      </p:sp>
-      <p:pic>
-        <p:nvPicPr>
-          <p:cNvPr id="1026" name="Picture 2"/>
-          <p:cNvPicPr>
-            <a:picLocks noChangeAspect="1" noChangeArrowheads="1"/>
-          </p:cNvPicPr>
-          <p:nvPr/>
-        </p:nvPicPr>
-        <p:blipFill>
-          <a:blip r:embed="rId2" cstate="print"/>
-          <a:srcRect/>
-          <a:stretch>
-            <a:fillRect/>
-          </a:stretch>
-        </p:blipFill>
-        <p:spPr bwMode="auto">
-          <a:xfrm>
-            <a:off x="1447800" y="1524000"/>
-            <a:ext cx="6574917" cy="5181600"/>
-          </a:xfrm>
-          <a:prstGeom prst="rect">
-            <a:avLst/>
-          </a:prstGeom>
-          <a:noFill/>
-          <a:ln w="9525">
-            <a:noFill/>
-            <a:miter lim="800000"/>
-            <a:headEnd/>
-            <a:tailEnd/>
-          </a:ln>
-        </p:spPr>
-      </p:pic>
-      <p:sp>
-        <p:nvSpPr>
-          <p:cNvPr id="5" name="Rounded Rectangle 4"/>
-          <p:cNvSpPr/>
-          <p:nvPr/>
-        </p:nvSpPr>
-        <p:spPr>
-          <a:xfrm>
-            <a:off x="1905000" y="2819400"/>
-            <a:ext cx="2057400" cy="152400"/>
-          </a:xfrm>
-          <a:prstGeom prst="roundRect">
-            <a:avLst>
-              <a:gd name="adj" fmla="val 21467"/>
-            </a:avLst>
-          </a:prstGeom>
-          <a:noFill/>
-          <a:ln w="38100">
-            <a:solidFill>
-              <a:srgbClr val="FF0000"/>
-            </a:solidFill>
-          </a:ln>
-        </p:spPr>
-        <p:style>
-          <a:lnRef idx="2">
-            <a:schemeClr val="accent1">
-              <a:shade val="50000"/>
-            </a:schemeClr>
-          </a:lnRef>
-          <a:fillRef idx="1">
-            <a:schemeClr val="accent1"/>
-          </a:fillRef>
-          <a:effectRef idx="0">
-            <a:schemeClr val="accent1"/>
-          </a:effectRef>
-          <a:fontRef idx="minor">
-            <a:schemeClr val="lt1"/>
-          </a:fontRef>
-        </p:style>
-        <p:txBody>
-          <a:bodyPr rtlCol="0" anchor="ctr"/>
-          <a:lstStyle/>
-          <a:p>
-            <a:pPr algn="ctr"/>
-            <a:endParaRPr lang="en-US"/>
-          </a:p>
-        </p:txBody>
-      </p:sp>
-    </p:spTree>
-  </p:cSld>
-  <p:clrMapOvr>
-    <a:masterClrMapping/>
-  </p:clrMapOvr>
-</p:sld>
-</file>
-
-<file path=ppt/slides/slide32.xml><?xml version="1.0" encoding="utf-8"?>
-<p:sld xmlns:a="http://schemas.openxmlformats.org/drawingml/2006/main" xmlns:r="http://schemas.openxmlformats.org/officeDocument/2006/relationships" xmlns:p="http://schemas.openxmlformats.org/presentationml/2006/main">
-  <p:cSld>
-    <p:spTree>
-      <p:nvGrpSpPr>
-        <p:cNvPr id="1" name=""/>
-        <p:cNvGrpSpPr/>
-        <p:nvPr/>
-      </p:nvGrpSpPr>
-      <p:grpSpPr>
-        <a:xfrm>
-          <a:off x="0" y="0"/>
-          <a:ext cx="0" cy="0"/>
-          <a:chOff x="0" y="0"/>
-          <a:chExt cx="0" cy="0"/>
-        </a:xfrm>
-      </p:grpSpPr>
-      <p:sp>
-        <p:nvSpPr>
-          <p:cNvPr id="2" name="Title 1"/>
-          <p:cNvSpPr>
-            <a:spLocks noGrp="1"/>
-          </p:cNvSpPr>
-          <p:nvPr>
-            <p:ph type="title"/>
-          </p:nvPr>
-        </p:nvSpPr>
-        <p:spPr/>
-        <p:txBody>
-          <a:bodyPr/>
-          <a:lstStyle/>
-          <a:p>
-            <a:r>
-              <a:rPr lang="en-US" dirty="0" smtClean="0"/>
-              <a:t>RPT Installation (Cont’d)</a:t>
-            </a:r>
-            <a:endParaRPr lang="en-US" dirty="0"/>
-          </a:p>
-        </p:txBody>
-      </p:sp>
-      <p:sp>
-        <p:nvSpPr>
-          <p:cNvPr id="3" name="Content Placeholder 2"/>
-          <p:cNvSpPr>
-            <a:spLocks noGrp="1"/>
-          </p:cNvSpPr>
-          <p:nvPr>
-            <p:ph idx="1"/>
-          </p:nvPr>
-        </p:nvSpPr>
-        <p:spPr/>
-        <p:txBody>
-          <a:bodyPr/>
-          <a:lstStyle/>
-          <a:p>
-            <a:endParaRPr lang="en-US" dirty="0"/>
-          </a:p>
-        </p:txBody>
-      </p:sp>
-      <p:pic>
-        <p:nvPicPr>
-          <p:cNvPr id="2050" name="Picture 2"/>
-          <p:cNvPicPr>
-            <a:picLocks noChangeAspect="1" noChangeArrowheads="1"/>
-          </p:cNvPicPr>
-          <p:nvPr/>
-        </p:nvPicPr>
-        <p:blipFill>
-          <a:blip r:embed="rId2" cstate="print"/>
-          <a:srcRect/>
-          <a:stretch>
-            <a:fillRect/>
-          </a:stretch>
-        </p:blipFill>
-        <p:spPr bwMode="auto">
-          <a:xfrm>
-            <a:off x="1219200" y="1143000"/>
-            <a:ext cx="6749554" cy="5410200"/>
-          </a:xfrm>
-          <a:prstGeom prst="rect">
-            <a:avLst/>
-          </a:prstGeom>
-          <a:noFill/>
-          <a:ln w="9525">
-            <a:noFill/>
-            <a:miter lim="800000"/>
-            <a:headEnd/>
-            <a:tailEnd/>
-          </a:ln>
-        </p:spPr>
-      </p:pic>
-      <p:sp>
-        <p:nvSpPr>
-          <p:cNvPr id="5" name="Rounded Rectangle 4"/>
-          <p:cNvSpPr/>
-          <p:nvPr/>
-        </p:nvSpPr>
-        <p:spPr>
-          <a:xfrm>
-            <a:off x="3048000" y="3886200"/>
-            <a:ext cx="1371600" cy="228600"/>
-          </a:xfrm>
-          <a:prstGeom prst="roundRect">
-            <a:avLst>
-              <a:gd name="adj" fmla="val 21467"/>
-            </a:avLst>
-          </a:prstGeom>
-          <a:noFill/>
-          <a:ln w="38100">
-            <a:solidFill>
-              <a:srgbClr val="FF0000"/>
-            </a:solidFill>
-          </a:ln>
-        </p:spPr>
-        <p:style>
-          <a:lnRef idx="2">
-            <a:schemeClr val="accent1">
-              <a:shade val="50000"/>
-            </a:schemeClr>
-          </a:lnRef>
-          <a:fillRef idx="1">
-            <a:schemeClr val="accent1"/>
-          </a:fillRef>
-          <a:effectRef idx="0">
-            <a:schemeClr val="accent1"/>
-          </a:effectRef>
-          <a:fontRef idx="minor">
-            <a:schemeClr val="lt1"/>
-          </a:fontRef>
-        </p:style>
-        <p:txBody>
-          <a:bodyPr rtlCol="0" anchor="ctr"/>
-          <a:lstStyle/>
-          <a:p>
-            <a:pPr algn="ctr"/>
-            <a:endParaRPr lang="en-US"/>
-          </a:p>
-        </p:txBody>
-      </p:sp>
-    </p:spTree>
-  </p:cSld>
-  <p:clrMapOvr>
-    <a:masterClrMapping/>
-  </p:clrMapOvr>
-</p:sld>
-</file>
-
-<file path=ppt/slides/slide33.xml><?xml version="1.0" encoding="utf-8"?>
-<p:sld xmlns:a="http://schemas.openxmlformats.org/drawingml/2006/main" xmlns:r="http://schemas.openxmlformats.org/officeDocument/2006/relationships" xmlns:p="http://schemas.openxmlformats.org/presentationml/2006/main">
-  <p:cSld>
-    <p:spTree>
-      <p:nvGrpSpPr>
-        <p:cNvPr id="1" name=""/>
-        <p:cNvGrpSpPr/>
-        <p:nvPr/>
-      </p:nvGrpSpPr>
-      <p:grpSpPr>
-        <a:xfrm>
-          <a:off x="0" y="0"/>
-          <a:ext cx="0" cy="0"/>
-          <a:chOff x="0" y="0"/>
-          <a:chExt cx="0" cy="0"/>
-        </a:xfrm>
-      </p:grpSpPr>
-      <p:sp>
-        <p:nvSpPr>
-          <p:cNvPr id="2" name="Title 1"/>
-          <p:cNvSpPr>
-            <a:spLocks noGrp="1"/>
-          </p:cNvSpPr>
-          <p:nvPr>
-            <p:ph type="title"/>
-          </p:nvPr>
-        </p:nvSpPr>
-        <p:spPr/>
-        <p:txBody>
-          <a:bodyPr/>
-          <a:lstStyle/>
-          <a:p>
-            <a:r>
-              <a:rPr lang="en-US" dirty="0" smtClean="0"/>
-              <a:t>RPT Installation (Cont’d)</a:t>
-            </a:r>
-            <a:endParaRPr lang="en-US" dirty="0"/>
-          </a:p>
-        </p:txBody>
-      </p:sp>
-      <p:sp>
-        <p:nvSpPr>
-          <p:cNvPr id="3" name="Content Placeholder 2"/>
-          <p:cNvSpPr>
-            <a:spLocks noGrp="1"/>
-          </p:cNvSpPr>
-          <p:nvPr>
-            <p:ph idx="1"/>
-          </p:nvPr>
-        </p:nvSpPr>
-        <p:spPr/>
-        <p:txBody>
-          <a:bodyPr/>
-          <a:lstStyle/>
-          <a:p>
-            <a:endParaRPr lang="en-US"/>
-          </a:p>
-        </p:txBody>
-      </p:sp>
-      <p:pic>
-        <p:nvPicPr>
-          <p:cNvPr id="3074" name="Picture 2"/>
-          <p:cNvPicPr>
-            <a:picLocks noChangeAspect="1" noChangeArrowheads="1"/>
-          </p:cNvPicPr>
-          <p:nvPr/>
-        </p:nvPicPr>
-        <p:blipFill>
-          <a:blip r:embed="rId2" cstate="print"/>
-          <a:srcRect/>
-          <a:stretch>
-            <a:fillRect/>
-          </a:stretch>
-        </p:blipFill>
-        <p:spPr bwMode="auto">
-          <a:xfrm>
-            <a:off x="1219200" y="1143000"/>
-            <a:ext cx="6781799" cy="5436046"/>
-          </a:xfrm>
-          <a:prstGeom prst="rect">
-            <a:avLst/>
-          </a:prstGeom>
-          <a:noFill/>
-          <a:ln w="9525">
-            <a:noFill/>
-            <a:miter lim="800000"/>
-            <a:headEnd/>
-            <a:tailEnd/>
-          </a:ln>
-        </p:spPr>
-      </p:pic>
-      <p:sp>
-        <p:nvSpPr>
-          <p:cNvPr id="5" name="Rounded Rectangle 4"/>
-          <p:cNvSpPr/>
-          <p:nvPr/>
-        </p:nvSpPr>
-        <p:spPr>
-          <a:xfrm>
-            <a:off x="1676400" y="3124200"/>
-            <a:ext cx="2057400" cy="152400"/>
-          </a:xfrm>
-          <a:prstGeom prst="roundRect">
-            <a:avLst>
-              <a:gd name="adj" fmla="val 21467"/>
-            </a:avLst>
-          </a:prstGeom>
-          <a:noFill/>
-          <a:ln w="38100">
-            <a:solidFill>
-              <a:srgbClr val="FF0000"/>
-            </a:solidFill>
-          </a:ln>
-        </p:spPr>
-        <p:style>
-          <a:lnRef idx="2">
-            <a:schemeClr val="accent1">
-              <a:shade val="50000"/>
-            </a:schemeClr>
-          </a:lnRef>
-          <a:fillRef idx="1">
-            <a:schemeClr val="accent1"/>
-          </a:fillRef>
-          <a:effectRef idx="0">
-            <a:schemeClr val="accent1"/>
-          </a:effectRef>
-          <a:fontRef idx="minor">
-            <a:schemeClr val="lt1"/>
-          </a:fontRef>
-        </p:style>
-        <p:txBody>
-          <a:bodyPr rtlCol="0" anchor="ctr"/>
-          <a:lstStyle/>
-          <a:p>
-            <a:pPr algn="ctr"/>
-            <a:endParaRPr lang="en-US"/>
-          </a:p>
-        </p:txBody>
-      </p:sp>
-    </p:spTree>
-  </p:cSld>
-  <p:clrMapOvr>
-    <a:masterClrMapping/>
-  </p:clrMapOvr>
-</p:sld>
-</file>
-
-<file path=ppt/slides/slide34.xml><?xml version="1.0" encoding="utf-8"?>
-<p:sld xmlns:a="http://schemas.openxmlformats.org/drawingml/2006/main" xmlns:r="http://schemas.openxmlformats.org/officeDocument/2006/relationships" xmlns:p="http://schemas.openxmlformats.org/presentationml/2006/main">
-  <p:cSld>
-    <p:spTree>
-      <p:nvGrpSpPr>
-        <p:cNvPr id="1" name=""/>
-        <p:cNvGrpSpPr/>
-        <p:nvPr/>
-      </p:nvGrpSpPr>
-      <p:grpSpPr>
-        <a:xfrm>
-          <a:off x="0" y="0"/>
-          <a:ext cx="0" cy="0"/>
-          <a:chOff x="0" y="0"/>
-          <a:chExt cx="0" cy="0"/>
-        </a:xfrm>
-      </p:grpSpPr>
-      <p:sp>
-        <p:nvSpPr>
-          <p:cNvPr id="2" name="Title 1"/>
-          <p:cNvSpPr>
-            <a:spLocks noGrp="1"/>
-          </p:cNvSpPr>
-          <p:nvPr>
-            <p:ph type="title"/>
-          </p:nvPr>
-        </p:nvSpPr>
-        <p:spPr/>
-        <p:txBody>
-          <a:bodyPr/>
-          <a:lstStyle/>
-          <a:p>
-            <a:r>
-              <a:rPr lang="en-US" dirty="0" smtClean="0"/>
-              <a:t>RPT Configuration</a:t>
-            </a:r>
-            <a:endParaRPr lang="en-US" dirty="0"/>
-          </a:p>
-        </p:txBody>
-      </p:sp>
-      <p:sp>
-        <p:nvSpPr>
-          <p:cNvPr id="3" name="Content Placeholder 2"/>
-          <p:cNvSpPr>
-            <a:spLocks noGrp="1"/>
-          </p:cNvSpPr>
-          <p:nvPr>
-            <p:ph idx="1"/>
-          </p:nvPr>
-        </p:nvSpPr>
-        <p:spPr/>
-        <p:txBody>
-          <a:bodyPr/>
-          <a:lstStyle/>
-          <a:p>
-            <a:endParaRPr lang="en-US"/>
-          </a:p>
-        </p:txBody>
-      </p:sp>
-      <p:pic>
-        <p:nvPicPr>
-          <p:cNvPr id="2050" name="Picture 2"/>
-          <p:cNvPicPr>
-            <a:picLocks noChangeAspect="1" noChangeArrowheads="1"/>
-          </p:cNvPicPr>
-          <p:nvPr/>
-        </p:nvPicPr>
-        <p:blipFill>
-          <a:blip r:embed="rId2" cstate="print"/>
-          <a:srcRect/>
-          <a:stretch>
-            <a:fillRect/>
-          </a:stretch>
-        </p:blipFill>
-        <p:spPr bwMode="auto">
-          <a:xfrm>
-            <a:off x="1066800" y="1600200"/>
-            <a:ext cx="7029450" cy="4953000"/>
-          </a:xfrm>
-          <a:prstGeom prst="rect">
-            <a:avLst/>
-          </a:prstGeom>
-          <a:noFill/>
-          <a:ln w="9525">
-            <a:noFill/>
-            <a:miter lim="800000"/>
-            <a:headEnd/>
-            <a:tailEnd/>
-          </a:ln>
-        </p:spPr>
-      </p:pic>
-    </p:spTree>
-  </p:cSld>
-  <p:clrMapOvr>
-    <a:masterClrMapping/>
-  </p:clrMapOvr>
-</p:sld>
-</file>
-
-<file path=ppt/slides/slide35.xml><?xml version="1.0" encoding="utf-8"?>
-<p:sld xmlns:a="http://schemas.openxmlformats.org/drawingml/2006/main" xmlns:r="http://schemas.openxmlformats.org/officeDocument/2006/relationships" xmlns:p="http://schemas.openxmlformats.org/presentationml/2006/main">
-  <p:cSld>
-    <p:spTree>
-      <p:nvGrpSpPr>
-        <p:cNvPr id="1" name=""/>
-        <p:cNvGrpSpPr/>
-        <p:nvPr/>
-      </p:nvGrpSpPr>
-      <p:grpSpPr>
-        <a:xfrm>
-          <a:off x="0" y="0"/>
-          <a:ext cx="0" cy="0"/>
-          <a:chOff x="0" y="0"/>
-          <a:chExt cx="0" cy="0"/>
-        </a:xfrm>
-      </p:grpSpPr>
-      <p:sp>
-        <p:nvSpPr>
-          <p:cNvPr id="2" name="Title 1"/>
-          <p:cNvSpPr>
-            <a:spLocks noGrp="1"/>
-          </p:cNvSpPr>
-          <p:nvPr>
-            <p:ph type="title"/>
-          </p:nvPr>
-        </p:nvSpPr>
-        <p:spPr/>
-        <p:txBody>
-          <a:bodyPr/>
-          <a:lstStyle/>
-          <a:p>
-            <a:r>
-              <a:rPr lang="en-US" dirty="0" smtClean="0"/>
-              <a:t>RPT Configuration (Cont’d)</a:t>
-            </a:r>
-            <a:endParaRPr lang="en-US" dirty="0"/>
-          </a:p>
-        </p:txBody>
-      </p:sp>
-      <p:sp>
-        <p:nvSpPr>
-          <p:cNvPr id="3" name="Content Placeholder 2"/>
-          <p:cNvSpPr>
-            <a:spLocks noGrp="1"/>
-          </p:cNvSpPr>
-          <p:nvPr>
-            <p:ph idx="1"/>
-          </p:nvPr>
-        </p:nvSpPr>
-        <p:spPr/>
-        <p:txBody>
-          <a:bodyPr/>
-          <a:lstStyle/>
-          <a:p>
-            <a:endParaRPr lang="en-US"/>
-          </a:p>
-        </p:txBody>
-      </p:sp>
-      <p:pic>
-        <p:nvPicPr>
-          <p:cNvPr id="3074" name="Picture 2"/>
-          <p:cNvPicPr>
-            <a:picLocks noChangeAspect="1" noChangeArrowheads="1"/>
-          </p:cNvPicPr>
-          <p:nvPr/>
-        </p:nvPicPr>
-        <p:blipFill>
-          <a:blip r:embed="rId2" cstate="print"/>
-          <a:srcRect/>
-          <a:stretch>
-            <a:fillRect/>
-          </a:stretch>
-        </p:blipFill>
-        <p:spPr bwMode="auto">
-          <a:xfrm>
-            <a:off x="990600" y="1600200"/>
-            <a:ext cx="7029450" cy="4953000"/>
-          </a:xfrm>
-          <a:prstGeom prst="rect">
-            <a:avLst/>
-          </a:prstGeom>
-          <a:noFill/>
-          <a:ln w="9525">
-            <a:noFill/>
-            <a:miter lim="800000"/>
-            <a:headEnd/>
-            <a:tailEnd/>
-          </a:ln>
-        </p:spPr>
-      </p:pic>
-    </p:spTree>
-  </p:cSld>
-  <p:clrMapOvr>
-    <a:masterClrMapping/>
-  </p:clrMapOvr>
-</p:sld>
-</file>
-
-<file path=ppt/slides/slide36.xml><?xml version="1.0" encoding="utf-8"?>
-<p:sld xmlns:a="http://schemas.openxmlformats.org/drawingml/2006/main" xmlns:r="http://schemas.openxmlformats.org/officeDocument/2006/relationships" xmlns:p="http://schemas.openxmlformats.org/presentationml/2006/main">
-  <p:cSld>
-    <p:spTree>
-      <p:nvGrpSpPr>
-        <p:cNvPr id="1" name=""/>
-        <p:cNvGrpSpPr/>
-        <p:nvPr/>
-      </p:nvGrpSpPr>
-      <p:grpSpPr>
-        <a:xfrm>
-          <a:off x="0" y="0"/>
-          <a:ext cx="0" cy="0"/>
-          <a:chOff x="0" y="0"/>
-          <a:chExt cx="0" cy="0"/>
-        </a:xfrm>
-      </p:grpSpPr>
-      <p:sp>
-        <p:nvSpPr>
-          <p:cNvPr id="2" name="Title 1"/>
-          <p:cNvSpPr>
-            <a:spLocks noGrp="1"/>
-          </p:cNvSpPr>
-          <p:nvPr>
-            <p:ph type="title"/>
-          </p:nvPr>
-        </p:nvSpPr>
-        <p:spPr/>
-        <p:txBody>
-          <a:bodyPr/>
-          <a:lstStyle/>
-          <a:p>
-            <a:r>
-              <a:rPr lang="en-US" dirty="0" smtClean="0"/>
-              <a:t>RPT Configuration (Cont’d)</a:t>
-            </a:r>
-            <a:endParaRPr lang="en-US" dirty="0"/>
-          </a:p>
-        </p:txBody>
-      </p:sp>
-      <p:sp>
-        <p:nvSpPr>
-          <p:cNvPr id="3" name="Content Placeholder 2"/>
-          <p:cNvSpPr>
-            <a:spLocks noGrp="1"/>
-          </p:cNvSpPr>
-          <p:nvPr>
-            <p:ph idx="1"/>
-          </p:nvPr>
-        </p:nvSpPr>
-        <p:spPr/>
-        <p:txBody>
-          <a:bodyPr/>
-          <a:lstStyle/>
-          <a:p>
-            <a:endParaRPr lang="en-US"/>
-          </a:p>
-        </p:txBody>
-      </p:sp>
-      <p:pic>
-        <p:nvPicPr>
-          <p:cNvPr id="1026" name="Picture 2"/>
-          <p:cNvPicPr>
-            <a:picLocks noChangeAspect="1" noChangeArrowheads="1"/>
-          </p:cNvPicPr>
-          <p:nvPr/>
-        </p:nvPicPr>
-        <p:blipFill>
-          <a:blip r:embed="rId2" cstate="print"/>
-          <a:srcRect/>
-          <a:stretch>
-            <a:fillRect/>
-          </a:stretch>
-        </p:blipFill>
-        <p:spPr bwMode="auto">
-          <a:xfrm>
-            <a:off x="1057275" y="214313"/>
-            <a:ext cx="7029450" cy="6429375"/>
-          </a:xfrm>
-          <a:prstGeom prst="rect">
-            <a:avLst/>
-          </a:prstGeom>
-          <a:noFill/>
-          <a:ln w="9525">
-            <a:noFill/>
-            <a:miter lim="800000"/>
-            <a:headEnd/>
-            <a:tailEnd/>
-          </a:ln>
-        </p:spPr>
-      </p:pic>
-    </p:spTree>
-  </p:cSld>
-  <p:clrMapOvr>
-    <a:masterClrMapping/>
-  </p:clrMapOvr>
-</p:sld>
-</file>
-
-<file path=ppt/slides/slide37.xml><?xml version="1.0" encoding="utf-8"?>
-<p:sld xmlns:a="http://schemas.openxmlformats.org/drawingml/2006/main" xmlns:r="http://schemas.openxmlformats.org/officeDocument/2006/relationships" xmlns:p="http://schemas.openxmlformats.org/presentationml/2006/main">
-  <p:cSld>
-    <p:spTree>
-      <p:nvGrpSpPr>
-        <p:cNvPr id="1" name=""/>
-        <p:cNvGrpSpPr/>
-        <p:nvPr/>
-      </p:nvGrpSpPr>
-      <p:grpSpPr>
-        <a:xfrm>
-          <a:off x="0" y="0"/>
-          <a:ext cx="0" cy="0"/>
-          <a:chOff x="0" y="0"/>
-          <a:chExt cx="0" cy="0"/>
-        </a:xfrm>
-      </p:grpSpPr>
-      <p:sp>
-        <p:nvSpPr>
-          <p:cNvPr id="2" name="Title 1"/>
-          <p:cNvSpPr>
-            <a:spLocks noGrp="1"/>
-          </p:cNvSpPr>
-          <p:nvPr>
-            <p:ph type="title"/>
-          </p:nvPr>
-        </p:nvSpPr>
-        <p:spPr/>
-        <p:txBody>
-          <a:bodyPr/>
-          <a:lstStyle/>
-          <a:p>
-            <a:r>
-              <a:rPr lang="en-US" dirty="0" smtClean="0"/>
-              <a:t>RPT Configuration (Cont’d)</a:t>
-            </a:r>
-            <a:endParaRPr lang="en-US" dirty="0"/>
-          </a:p>
-        </p:txBody>
-      </p:sp>
-      <p:sp>
-        <p:nvSpPr>
-          <p:cNvPr id="3" name="Content Placeholder 2"/>
-          <p:cNvSpPr>
-            <a:spLocks noGrp="1"/>
-          </p:cNvSpPr>
-          <p:nvPr>
-            <p:ph idx="1"/>
-          </p:nvPr>
-        </p:nvSpPr>
-        <p:spPr/>
-        <p:txBody>
-          <a:bodyPr/>
-          <a:lstStyle/>
-          <a:p>
-            <a:endParaRPr lang="en-US"/>
-          </a:p>
-        </p:txBody>
-      </p:sp>
-      <p:pic>
-        <p:nvPicPr>
-          <p:cNvPr id="4098" name="Picture 2"/>
-          <p:cNvPicPr>
-            <a:picLocks noChangeAspect="1" noChangeArrowheads="1"/>
-          </p:cNvPicPr>
-          <p:nvPr/>
-        </p:nvPicPr>
-        <p:blipFill>
-          <a:blip r:embed="rId2" cstate="print"/>
-          <a:srcRect/>
-          <a:stretch>
-            <a:fillRect/>
-          </a:stretch>
-        </p:blipFill>
-        <p:spPr bwMode="auto">
-          <a:xfrm>
-            <a:off x="990600" y="1600200"/>
-            <a:ext cx="7029450" cy="4953000"/>
-          </a:xfrm>
-          <a:prstGeom prst="rect">
-            <a:avLst/>
-          </a:prstGeom>
-          <a:noFill/>
-          <a:ln w="9525">
-            <a:noFill/>
-            <a:miter lim="800000"/>
-            <a:headEnd/>
-            <a:tailEnd/>
-          </a:ln>
-        </p:spPr>
-      </p:pic>
-    </p:spTree>
-  </p:cSld>
-  <p:clrMapOvr>
-    <a:masterClrMapping/>
-  </p:clrMapOvr>
-</p:sld>
-</file>
-
-<file path=ppt/slides/slide38.xml><?xml version="1.0" encoding="utf-8"?>
-<p:sld xmlns:a="http://schemas.openxmlformats.org/drawingml/2006/main" xmlns:r="http://schemas.openxmlformats.org/officeDocument/2006/relationships" xmlns:p="http://schemas.openxmlformats.org/presentationml/2006/main">
-  <p:cSld>
-    <p:spTree>
-      <p:nvGrpSpPr>
-        <p:cNvPr id="1" name=""/>
-        <p:cNvGrpSpPr/>
-        <p:nvPr/>
-      </p:nvGrpSpPr>
-      <p:grpSpPr>
-        <a:xfrm>
-          <a:off x="0" y="0"/>
-          <a:ext cx="0" cy="0"/>
-          <a:chOff x="0" y="0"/>
-          <a:chExt cx="0" cy="0"/>
-        </a:xfrm>
-      </p:grpSpPr>
-      <p:sp>
-        <p:nvSpPr>
-          <p:cNvPr id="2" name="Title 1"/>
-          <p:cNvSpPr>
-            <a:spLocks noGrp="1"/>
-          </p:cNvSpPr>
-          <p:nvPr>
-            <p:ph type="title"/>
-          </p:nvPr>
-        </p:nvSpPr>
-        <p:spPr/>
-        <p:txBody>
-          <a:bodyPr/>
-          <a:lstStyle/>
-          <a:p>
-            <a:r>
-              <a:rPr lang="en-US" dirty="0" smtClean="0"/>
-              <a:t>Trouble Shooting</a:t>
-            </a:r>
-            <a:endParaRPr lang="en-US" dirty="0"/>
-          </a:p>
-        </p:txBody>
-      </p:sp>
-      <p:sp>
-        <p:nvSpPr>
-          <p:cNvPr id="3" name="Content Placeholder 2"/>
-          <p:cNvSpPr>
-            <a:spLocks noGrp="1"/>
-          </p:cNvSpPr>
-          <p:nvPr>
-            <p:ph idx="1"/>
-          </p:nvPr>
-        </p:nvSpPr>
-        <p:spPr/>
-        <p:txBody>
-          <a:bodyPr/>
-          <a:lstStyle/>
-          <a:p>
-            <a:r>
-              <a:rPr lang="en-US" i="1" dirty="0" smtClean="0"/>
-              <a:t>IWAT0292E</a:t>
-            </a:r>
-          </a:p>
-          <a:p>
-            <a:r>
-              <a:rPr lang="en-US" dirty="0" smtClean="0"/>
-              <a:t>http://www.ibm.com/developerworks/forums/message.jspa?messageID=13938063</a:t>
-            </a:r>
-            <a:endParaRPr lang="en-US" dirty="0"/>
-          </a:p>
-        </p:txBody>
-      </p:sp>
-      <p:pic>
-        <p:nvPicPr>
-          <p:cNvPr id="5122" name="Picture 2"/>
-          <p:cNvPicPr>
-            <a:picLocks noChangeAspect="1" noChangeArrowheads="1"/>
-          </p:cNvPicPr>
-          <p:nvPr/>
-        </p:nvPicPr>
-        <p:blipFill>
-          <a:blip r:embed="rId2" cstate="print"/>
-          <a:srcRect/>
-          <a:stretch>
-            <a:fillRect/>
-          </a:stretch>
-        </p:blipFill>
-        <p:spPr bwMode="auto">
-          <a:xfrm>
-            <a:off x="2438400" y="3505200"/>
-            <a:ext cx="4219575" cy="1714500"/>
-          </a:xfrm>
-          <a:prstGeom prst="rect">
-            <a:avLst/>
-          </a:prstGeom>
-          <a:noFill/>
-          <a:ln w="9525">
-            <a:noFill/>
-            <a:miter lim="800000"/>
-            <a:headEnd/>
-            <a:tailEnd/>
-          </a:ln>
-        </p:spPr>
-      </p:pic>
-    </p:spTree>
-  </p:cSld>
-  <p:clrMapOvr>
-    <a:masterClrMapping/>
-  </p:clrMapOvr>
-</p:sld>
-</file>
-
-<file path=ppt/slides/slide39.xml><?xml version="1.0" encoding="utf-8"?>
-<p:sld xmlns:a="http://schemas.openxmlformats.org/drawingml/2006/main" xmlns:r="http://schemas.openxmlformats.org/officeDocument/2006/relationships" xmlns:p="http://schemas.openxmlformats.org/presentationml/2006/main">
-  <p:cSld>
-    <p:spTree>
-      <p:nvGrpSpPr>
-        <p:cNvPr id="1" name=""/>
-        <p:cNvGrpSpPr/>
-        <p:nvPr/>
-      </p:nvGrpSpPr>
-      <p:grpSpPr>
-        <a:xfrm>
-          <a:off x="0" y="0"/>
-          <a:ext cx="0" cy="0"/>
-          <a:chOff x="0" y="0"/>
-          <a:chExt cx="0" cy="0"/>
-        </a:xfrm>
-      </p:grpSpPr>
-      <p:sp>
-        <p:nvSpPr>
-          <p:cNvPr id="2" name="Title 1"/>
-          <p:cNvSpPr>
-            <a:spLocks noGrp="1"/>
-          </p:cNvSpPr>
-          <p:nvPr>
-            <p:ph type="title"/>
-          </p:nvPr>
-        </p:nvSpPr>
-        <p:spPr/>
-        <p:txBody>
-          <a:bodyPr/>
-          <a:lstStyle/>
-          <a:p>
-            <a:r>
-              <a:rPr lang="en-US" dirty="0" smtClean="0"/>
-              <a:t>VNC</a:t>
-            </a:r>
-            <a:endParaRPr lang="en-US" dirty="0"/>
-          </a:p>
-        </p:txBody>
-      </p:sp>
-      <p:sp>
-        <p:nvSpPr>
-          <p:cNvPr id="4" name="Text Placeholder 3"/>
-          <p:cNvSpPr>
-            <a:spLocks noGrp="1"/>
-          </p:cNvSpPr>
-          <p:nvPr>
-            <p:ph type="body" idx="1"/>
-          </p:nvPr>
-        </p:nvSpPr>
-        <p:spPr/>
-        <p:txBody>
-          <a:bodyPr/>
-          <a:lstStyle/>
-          <a:p>
-            <a:r>
-              <a:rPr lang="en-US" dirty="0" smtClean="0"/>
-              <a:t>Installation and Configuration</a:t>
-            </a:r>
-            <a:endParaRPr lang="en-US" dirty="0"/>
-          </a:p>
-        </p:txBody>
-      </p:sp>
-    </p:spTree>
-  </p:cSld>
-  <p:clrMapOvr>
-    <a:masterClrMapping/>
-  </p:clrMapOvr>
-</p:sld>
-</file>
-
 <file path=ppt/slides/slide4.xml><?xml version="1.0" encoding="utf-8"?>
 <p:sld xmlns:a="http://schemas.openxmlformats.org/drawingml/2006/main" xmlns:r="http://schemas.openxmlformats.org/officeDocument/2006/relationships" xmlns:p="http://schemas.openxmlformats.org/presentationml/2006/main">
   <p:cSld>
@@ -8783,788 +7504,6 @@
       </p:par>
     </p:tnLst>
   </p:timing>
-</p:sld>
-</file>
-
-<file path=ppt/slides/slide40.xml><?xml version="1.0" encoding="utf-8"?>
-<p:sld xmlns:a="http://schemas.openxmlformats.org/drawingml/2006/main" xmlns:r="http://schemas.openxmlformats.org/officeDocument/2006/relationships" xmlns:p="http://schemas.openxmlformats.org/presentationml/2006/main">
-  <p:cSld>
-    <p:spTree>
-      <p:nvGrpSpPr>
-        <p:cNvPr id="1" name=""/>
-        <p:cNvGrpSpPr/>
-        <p:nvPr/>
-      </p:nvGrpSpPr>
-      <p:grpSpPr>
-        <a:xfrm>
-          <a:off x="0" y="0"/>
-          <a:ext cx="0" cy="0"/>
-          <a:chOff x="0" y="0"/>
-          <a:chExt cx="0" cy="0"/>
-        </a:xfrm>
-      </p:grpSpPr>
-      <p:sp>
-        <p:nvSpPr>
-          <p:cNvPr id="2" name="Title 1"/>
-          <p:cNvSpPr>
-            <a:spLocks noGrp="1"/>
-          </p:cNvSpPr>
-          <p:nvPr>
-            <p:ph type="title"/>
-          </p:nvPr>
-        </p:nvSpPr>
-        <p:spPr/>
-        <p:txBody>
-          <a:bodyPr/>
-          <a:lstStyle/>
-          <a:p>
-            <a:r>
-              <a:rPr lang="en-US" dirty="0" smtClean="0"/>
-              <a:t>Set up VNC Server</a:t>
-            </a:r>
-            <a:endParaRPr lang="en-US" dirty="0"/>
-          </a:p>
-        </p:txBody>
-      </p:sp>
-      <p:sp>
-        <p:nvSpPr>
-          <p:cNvPr id="3" name="Content Placeholder 2"/>
-          <p:cNvSpPr>
-            <a:spLocks noGrp="1"/>
-          </p:cNvSpPr>
-          <p:nvPr>
-            <p:ph idx="1"/>
-          </p:nvPr>
-        </p:nvSpPr>
-        <p:spPr/>
-        <p:txBody>
-          <a:bodyPr>
-            <a:normAutofit/>
-          </a:bodyPr>
-          <a:lstStyle/>
-          <a:p>
-            <a:r>
-              <a:rPr lang="en-US" sz="2400" dirty="0" smtClean="0"/>
-              <a:t>[Applications] –[Add/Remove Software] or </a:t>
-            </a:r>
-            <a:r>
-              <a:rPr lang="en-US" sz="2400" dirty="0" smtClean="0">
-                <a:latin typeface="Courier New" pitchFamily="49" charset="0"/>
-                <a:cs typeface="Courier New" pitchFamily="49" charset="0"/>
-              </a:rPr>
-              <a:t>#</a:t>
-            </a:r>
-            <a:r>
-              <a:rPr lang="en-US" sz="2400" dirty="0" err="1" smtClean="0">
-                <a:latin typeface="Courier New" pitchFamily="49" charset="0"/>
-                <a:cs typeface="Courier New" pitchFamily="49" charset="0"/>
-              </a:rPr>
-              <a:t>pirut</a:t>
-            </a:r>
-            <a:endParaRPr lang="en-US" sz="2400" dirty="0" smtClean="0">
-              <a:latin typeface="Courier New" pitchFamily="49" charset="0"/>
-              <a:cs typeface="Courier New" pitchFamily="49" charset="0"/>
-            </a:endParaRPr>
-          </a:p>
-          <a:p>
-            <a:r>
-              <a:rPr lang="en-US" sz="2400" dirty="0" smtClean="0">
-                <a:cs typeface="Courier New" pitchFamily="49" charset="0"/>
-              </a:rPr>
-              <a:t>Check out whether “</a:t>
-            </a:r>
-            <a:r>
-              <a:rPr lang="en-US" sz="2400" dirty="0" err="1" smtClean="0">
-                <a:cs typeface="Courier New" pitchFamily="49" charset="0"/>
-              </a:rPr>
-              <a:t>vino</a:t>
-            </a:r>
-            <a:r>
-              <a:rPr lang="en-US" sz="2400" dirty="0" smtClean="0">
-                <a:cs typeface="Courier New" pitchFamily="49" charset="0"/>
-              </a:rPr>
-              <a:t>” is installed</a:t>
-            </a:r>
-            <a:endParaRPr lang="en-US" sz="2400" dirty="0">
-              <a:cs typeface="Courier New" pitchFamily="49" charset="0"/>
-            </a:endParaRPr>
-          </a:p>
-        </p:txBody>
-      </p:sp>
-      <p:pic>
-        <p:nvPicPr>
-          <p:cNvPr id="1026" name="Picture 2"/>
-          <p:cNvPicPr>
-            <a:picLocks noChangeAspect="1" noChangeArrowheads="1"/>
-          </p:cNvPicPr>
-          <p:nvPr/>
-        </p:nvPicPr>
-        <p:blipFill>
-          <a:blip r:embed="rId2" cstate="print"/>
-          <a:srcRect/>
-          <a:stretch>
-            <a:fillRect/>
-          </a:stretch>
-        </p:blipFill>
-        <p:spPr bwMode="auto">
-          <a:xfrm>
-            <a:off x="914400" y="2590800"/>
-            <a:ext cx="5834062" cy="3995143"/>
-          </a:xfrm>
-          <a:prstGeom prst="rect">
-            <a:avLst/>
-          </a:prstGeom>
-          <a:noFill/>
-          <a:ln w="9525">
-            <a:noFill/>
-            <a:miter lim="800000"/>
-            <a:headEnd/>
-            <a:tailEnd/>
-          </a:ln>
-        </p:spPr>
-      </p:pic>
-      <p:sp>
-        <p:nvSpPr>
-          <p:cNvPr id="5" name="Rounded Rectangle 4"/>
-          <p:cNvSpPr/>
-          <p:nvPr/>
-        </p:nvSpPr>
-        <p:spPr>
-          <a:xfrm>
-            <a:off x="990600" y="3429000"/>
-            <a:ext cx="457200" cy="228600"/>
-          </a:xfrm>
-          <a:prstGeom prst="roundRect">
-            <a:avLst>
-              <a:gd name="adj" fmla="val 21467"/>
-            </a:avLst>
-          </a:prstGeom>
-          <a:noFill/>
-          <a:ln w="38100">
-            <a:solidFill>
-              <a:srgbClr val="FF0000"/>
-            </a:solidFill>
-          </a:ln>
-        </p:spPr>
-        <p:style>
-          <a:lnRef idx="2">
-            <a:schemeClr val="accent1">
-              <a:shade val="50000"/>
-            </a:schemeClr>
-          </a:lnRef>
-          <a:fillRef idx="1">
-            <a:schemeClr val="accent1"/>
-          </a:fillRef>
-          <a:effectRef idx="0">
-            <a:schemeClr val="accent1"/>
-          </a:effectRef>
-          <a:fontRef idx="minor">
-            <a:schemeClr val="lt1"/>
-          </a:fontRef>
-        </p:style>
-        <p:txBody>
-          <a:bodyPr rtlCol="0" anchor="ctr"/>
-          <a:lstStyle/>
-          <a:p>
-            <a:pPr algn="ctr"/>
-            <a:endParaRPr lang="en-US"/>
-          </a:p>
-        </p:txBody>
-      </p:sp>
-    </p:spTree>
-  </p:cSld>
-  <p:clrMapOvr>
-    <a:masterClrMapping/>
-  </p:clrMapOvr>
-</p:sld>
-</file>
-
-<file path=ppt/slides/slide41.xml><?xml version="1.0" encoding="utf-8"?>
-<p:sld xmlns:a="http://schemas.openxmlformats.org/drawingml/2006/main" xmlns:r="http://schemas.openxmlformats.org/officeDocument/2006/relationships" xmlns:p="http://schemas.openxmlformats.org/presentationml/2006/main">
-  <p:cSld>
-    <p:spTree>
-      <p:nvGrpSpPr>
-        <p:cNvPr id="1" name=""/>
-        <p:cNvGrpSpPr/>
-        <p:nvPr/>
-      </p:nvGrpSpPr>
-      <p:grpSpPr>
-        <a:xfrm>
-          <a:off x="0" y="0"/>
-          <a:ext cx="0" cy="0"/>
-          <a:chOff x="0" y="0"/>
-          <a:chExt cx="0" cy="0"/>
-        </a:xfrm>
-      </p:grpSpPr>
-      <p:sp>
-        <p:nvSpPr>
-          <p:cNvPr id="2" name="Title 1"/>
-          <p:cNvSpPr>
-            <a:spLocks noGrp="1"/>
-          </p:cNvSpPr>
-          <p:nvPr>
-            <p:ph type="title"/>
-          </p:nvPr>
-        </p:nvSpPr>
-        <p:spPr/>
-        <p:txBody>
-          <a:bodyPr/>
-          <a:lstStyle/>
-          <a:p>
-            <a:r>
-              <a:rPr lang="en-US" dirty="0" smtClean="0"/>
-              <a:t>Set up VNC Server (Cont’d)</a:t>
-            </a:r>
-            <a:endParaRPr lang="en-US" dirty="0"/>
-          </a:p>
-        </p:txBody>
-      </p:sp>
-      <p:sp>
-        <p:nvSpPr>
-          <p:cNvPr id="3" name="Content Placeholder 2"/>
-          <p:cNvSpPr>
-            <a:spLocks noGrp="1"/>
-          </p:cNvSpPr>
-          <p:nvPr>
-            <p:ph idx="1"/>
-          </p:nvPr>
-        </p:nvSpPr>
-        <p:spPr/>
-        <p:txBody>
-          <a:bodyPr>
-            <a:normAutofit/>
-          </a:bodyPr>
-          <a:lstStyle/>
-          <a:p>
-            <a:r>
-              <a:rPr lang="en-US" sz="2800" dirty="0" smtClean="0"/>
-              <a:t>[System]-[Preferences]-[Remote Desktop]</a:t>
-            </a:r>
-            <a:endParaRPr lang="en-US" sz="2800" dirty="0"/>
-          </a:p>
-        </p:txBody>
-      </p:sp>
-      <p:pic>
-        <p:nvPicPr>
-          <p:cNvPr id="2050" name="Picture 2"/>
-          <p:cNvPicPr>
-            <a:picLocks noChangeAspect="1" noChangeArrowheads="1"/>
-          </p:cNvPicPr>
-          <p:nvPr/>
-        </p:nvPicPr>
-        <p:blipFill>
-          <a:blip r:embed="rId2" cstate="print"/>
-          <a:srcRect/>
-          <a:stretch>
-            <a:fillRect/>
-          </a:stretch>
-        </p:blipFill>
-        <p:spPr bwMode="auto">
-          <a:xfrm>
-            <a:off x="914400" y="2209800"/>
-            <a:ext cx="3981450" cy="3429000"/>
-          </a:xfrm>
-          <a:prstGeom prst="rect">
-            <a:avLst/>
-          </a:prstGeom>
-          <a:noFill/>
-          <a:ln w="9525">
-            <a:noFill/>
-            <a:miter lim="800000"/>
-            <a:headEnd/>
-            <a:tailEnd/>
-          </a:ln>
-        </p:spPr>
-      </p:pic>
-      <p:sp>
-        <p:nvSpPr>
-          <p:cNvPr id="5" name="Rounded Rectangle 4"/>
-          <p:cNvSpPr/>
-          <p:nvPr/>
-        </p:nvSpPr>
-        <p:spPr>
-          <a:xfrm>
-            <a:off x="1600200" y="2743200"/>
-            <a:ext cx="2667000" cy="228600"/>
-          </a:xfrm>
-          <a:prstGeom prst="roundRect">
-            <a:avLst>
-              <a:gd name="adj" fmla="val 21467"/>
-            </a:avLst>
-          </a:prstGeom>
-          <a:noFill/>
-          <a:ln w="38100">
-            <a:solidFill>
-              <a:srgbClr val="FF0000"/>
-            </a:solidFill>
-          </a:ln>
-        </p:spPr>
-        <p:style>
-          <a:lnRef idx="2">
-            <a:schemeClr val="accent1">
-              <a:shade val="50000"/>
-            </a:schemeClr>
-          </a:lnRef>
-          <a:fillRef idx="1">
-            <a:schemeClr val="accent1"/>
-          </a:fillRef>
-          <a:effectRef idx="0">
-            <a:schemeClr val="accent1"/>
-          </a:effectRef>
-          <a:fontRef idx="minor">
-            <a:schemeClr val="lt1"/>
-          </a:fontRef>
-        </p:style>
-        <p:txBody>
-          <a:bodyPr rtlCol="0" anchor="ctr"/>
-          <a:lstStyle/>
-          <a:p>
-            <a:pPr algn="ctr"/>
-            <a:endParaRPr lang="en-US"/>
-          </a:p>
-        </p:txBody>
-      </p:sp>
-      <p:sp>
-        <p:nvSpPr>
-          <p:cNvPr id="6" name="Rounded Rectangle 5"/>
-          <p:cNvSpPr/>
-          <p:nvPr/>
-        </p:nvSpPr>
-        <p:spPr>
-          <a:xfrm>
-            <a:off x="1676400" y="3048000"/>
-            <a:ext cx="2895600" cy="228600"/>
-          </a:xfrm>
-          <a:prstGeom prst="roundRect">
-            <a:avLst>
-              <a:gd name="adj" fmla="val 21467"/>
-            </a:avLst>
-          </a:prstGeom>
-          <a:noFill/>
-          <a:ln w="38100">
-            <a:solidFill>
-              <a:srgbClr val="FF0000"/>
-            </a:solidFill>
-          </a:ln>
-        </p:spPr>
-        <p:style>
-          <a:lnRef idx="2">
-            <a:schemeClr val="accent1">
-              <a:shade val="50000"/>
-            </a:schemeClr>
-          </a:lnRef>
-          <a:fillRef idx="1">
-            <a:schemeClr val="accent1"/>
-          </a:fillRef>
-          <a:effectRef idx="0">
-            <a:schemeClr val="accent1"/>
-          </a:effectRef>
-          <a:fontRef idx="minor">
-            <a:schemeClr val="lt1"/>
-          </a:fontRef>
-        </p:style>
-        <p:txBody>
-          <a:bodyPr rtlCol="0" anchor="ctr"/>
-          <a:lstStyle/>
-          <a:p>
-            <a:pPr algn="ctr"/>
-            <a:endParaRPr lang="en-US"/>
-          </a:p>
-        </p:txBody>
-      </p:sp>
-      <p:sp>
-        <p:nvSpPr>
-          <p:cNvPr id="7" name="Rounded Rectangle 6"/>
-          <p:cNvSpPr/>
-          <p:nvPr/>
-        </p:nvSpPr>
-        <p:spPr>
-          <a:xfrm>
-            <a:off x="1752600" y="4495800"/>
-            <a:ext cx="2895600" cy="228600"/>
-          </a:xfrm>
-          <a:prstGeom prst="roundRect">
-            <a:avLst>
-              <a:gd name="adj" fmla="val 21467"/>
-            </a:avLst>
-          </a:prstGeom>
-          <a:noFill/>
-          <a:ln w="38100">
-            <a:solidFill>
-              <a:srgbClr val="FF0000"/>
-            </a:solidFill>
-          </a:ln>
-        </p:spPr>
-        <p:style>
-          <a:lnRef idx="2">
-            <a:schemeClr val="accent1">
-              <a:shade val="50000"/>
-            </a:schemeClr>
-          </a:lnRef>
-          <a:fillRef idx="1">
-            <a:schemeClr val="accent1"/>
-          </a:fillRef>
-          <a:effectRef idx="0">
-            <a:schemeClr val="accent1"/>
-          </a:effectRef>
-          <a:fontRef idx="minor">
-            <a:schemeClr val="lt1"/>
-          </a:fontRef>
-        </p:style>
-        <p:txBody>
-          <a:bodyPr rtlCol="0" anchor="ctr"/>
-          <a:lstStyle/>
-          <a:p>
-            <a:pPr algn="ctr"/>
-            <a:endParaRPr lang="en-US"/>
-          </a:p>
-        </p:txBody>
-      </p:sp>
-    </p:spTree>
-  </p:cSld>
-  <p:clrMapOvr>
-    <a:masterClrMapping/>
-  </p:clrMapOvr>
-</p:sld>
-</file>
-
-<file path=ppt/slides/slide42.xml><?xml version="1.0" encoding="utf-8"?>
-<p:sld xmlns:a="http://schemas.openxmlformats.org/drawingml/2006/main" xmlns:r="http://schemas.openxmlformats.org/officeDocument/2006/relationships" xmlns:p="http://schemas.openxmlformats.org/presentationml/2006/main">
-  <p:cSld>
-    <p:spTree>
-      <p:nvGrpSpPr>
-        <p:cNvPr id="1" name=""/>
-        <p:cNvGrpSpPr/>
-        <p:nvPr/>
-      </p:nvGrpSpPr>
-      <p:grpSpPr>
-        <a:xfrm>
-          <a:off x="0" y="0"/>
-          <a:ext cx="0" cy="0"/>
-          <a:chOff x="0" y="0"/>
-          <a:chExt cx="0" cy="0"/>
-        </a:xfrm>
-      </p:grpSpPr>
-      <p:sp>
-        <p:nvSpPr>
-          <p:cNvPr id="2" name="Title 1"/>
-          <p:cNvSpPr>
-            <a:spLocks noGrp="1"/>
-          </p:cNvSpPr>
-          <p:nvPr>
-            <p:ph type="title"/>
-          </p:nvPr>
-        </p:nvSpPr>
-        <p:spPr/>
-        <p:txBody>
-          <a:bodyPr/>
-          <a:lstStyle/>
-          <a:p>
-            <a:r>
-              <a:rPr lang="en-US" dirty="0" smtClean="0"/>
-              <a:t>Connect to eb2-2241-grd03</a:t>
-            </a:r>
-            <a:endParaRPr lang="en-US" dirty="0"/>
-          </a:p>
-        </p:txBody>
-      </p:sp>
-      <p:sp>
-        <p:nvSpPr>
-          <p:cNvPr id="3" name="Content Placeholder 2"/>
-          <p:cNvSpPr>
-            <a:spLocks noGrp="1"/>
-          </p:cNvSpPr>
-          <p:nvPr>
-            <p:ph idx="1"/>
-          </p:nvPr>
-        </p:nvSpPr>
-        <p:spPr/>
-        <p:txBody>
-          <a:bodyPr>
-            <a:normAutofit lnSpcReduction="10000"/>
-          </a:bodyPr>
-          <a:lstStyle/>
-          <a:p>
-            <a:r>
-              <a:rPr lang="en-US" dirty="0" smtClean="0"/>
-              <a:t>eb2-2241-grd03.csc.ncsu.edu:0</a:t>
-            </a:r>
-          </a:p>
-          <a:p>
-            <a:endParaRPr lang="en-US" dirty="0" smtClean="0"/>
-          </a:p>
-          <a:p>
-            <a:endParaRPr lang="en-US" dirty="0" smtClean="0"/>
-          </a:p>
-          <a:p>
-            <a:endParaRPr lang="en-US" dirty="0" smtClean="0"/>
-          </a:p>
-          <a:p>
-            <a:r>
-              <a:rPr lang="en-US" dirty="0" smtClean="0"/>
-              <a:t>Start </a:t>
-            </a:r>
-            <a:r>
-              <a:rPr lang="en-US" dirty="0" err="1" smtClean="0"/>
-              <a:t>vncserver</a:t>
-            </a:r>
-            <a:endParaRPr lang="en-US" dirty="0" smtClean="0"/>
-          </a:p>
-          <a:p>
-            <a:pPr lvl="1"/>
-            <a:r>
-              <a:rPr lang="en-US" dirty="0" smtClean="0">
-                <a:latin typeface="Courier New" pitchFamily="49" charset="0"/>
-                <a:cs typeface="Courier New" pitchFamily="49" charset="0"/>
-              </a:rPr>
-              <a:t>#service </a:t>
-            </a:r>
-            <a:r>
-              <a:rPr lang="en-US" dirty="0" err="1" smtClean="0">
-                <a:latin typeface="Courier New" pitchFamily="49" charset="0"/>
-                <a:cs typeface="Courier New" pitchFamily="49" charset="0"/>
-              </a:rPr>
-              <a:t>vncserver</a:t>
-            </a:r>
-            <a:r>
-              <a:rPr lang="en-US" dirty="0" smtClean="0">
-                <a:latin typeface="Courier New" pitchFamily="49" charset="0"/>
-                <a:cs typeface="Courier New" pitchFamily="49" charset="0"/>
-              </a:rPr>
-              <a:t> start</a:t>
-            </a:r>
-          </a:p>
-          <a:p>
-            <a:r>
-              <a:rPr lang="en-US" dirty="0" smtClean="0"/>
-              <a:t>Register</a:t>
-            </a:r>
-          </a:p>
-          <a:p>
-            <a:pPr lvl="1"/>
-            <a:r>
-              <a:rPr lang="en-US" dirty="0" smtClean="0">
-                <a:latin typeface="Courier New" pitchFamily="49" charset="0"/>
-                <a:cs typeface="Courier New" pitchFamily="49" charset="0"/>
-              </a:rPr>
-              <a:t>…</a:t>
-            </a:r>
-          </a:p>
-          <a:p>
-            <a:pPr lvl="1"/>
-            <a:endParaRPr lang="en-US" dirty="0"/>
-          </a:p>
-        </p:txBody>
-      </p:sp>
-      <p:pic>
-        <p:nvPicPr>
-          <p:cNvPr id="3074" name="Picture 2"/>
-          <p:cNvPicPr>
-            <a:picLocks noChangeAspect="1" noChangeArrowheads="1"/>
-          </p:cNvPicPr>
-          <p:nvPr/>
-        </p:nvPicPr>
-        <p:blipFill>
-          <a:blip r:embed="rId2" cstate="print"/>
-          <a:srcRect/>
-          <a:stretch>
-            <a:fillRect/>
-          </a:stretch>
-        </p:blipFill>
-        <p:spPr bwMode="auto">
-          <a:xfrm>
-            <a:off x="914400" y="2286000"/>
-            <a:ext cx="3257550" cy="1323975"/>
-          </a:xfrm>
-          <a:prstGeom prst="rect">
-            <a:avLst/>
-          </a:prstGeom>
-          <a:noFill/>
-          <a:ln w="9525">
-            <a:noFill/>
-            <a:miter lim="800000"/>
-            <a:headEnd/>
-            <a:tailEnd/>
-          </a:ln>
-        </p:spPr>
-      </p:pic>
-    </p:spTree>
-  </p:cSld>
-  <p:clrMapOvr>
-    <a:masterClrMapping/>
-  </p:clrMapOvr>
-</p:sld>
-</file>
-
-<file path=ppt/slides/slide43.xml><?xml version="1.0" encoding="utf-8"?>
-<p:sld xmlns:a="http://schemas.openxmlformats.org/drawingml/2006/main" xmlns:r="http://schemas.openxmlformats.org/officeDocument/2006/relationships" xmlns:p="http://schemas.openxmlformats.org/presentationml/2006/main">
-  <p:cSld>
-    <p:spTree>
-      <p:nvGrpSpPr>
-        <p:cNvPr id="1" name=""/>
-        <p:cNvGrpSpPr/>
-        <p:nvPr/>
-      </p:nvGrpSpPr>
-      <p:grpSpPr>
-        <a:xfrm>
-          <a:off x="0" y="0"/>
-          <a:ext cx="0" cy="0"/>
-          <a:chOff x="0" y="0"/>
-          <a:chExt cx="0" cy="0"/>
-        </a:xfrm>
-      </p:grpSpPr>
-      <p:sp>
-        <p:nvSpPr>
-          <p:cNvPr id="2" name="Title 1"/>
-          <p:cNvSpPr>
-            <a:spLocks noGrp="1"/>
-          </p:cNvSpPr>
-          <p:nvPr>
-            <p:ph type="title"/>
-          </p:nvPr>
-        </p:nvSpPr>
-        <p:spPr/>
-        <p:txBody>
-          <a:bodyPr/>
-          <a:lstStyle/>
-          <a:p>
-            <a:endParaRPr lang="en-US"/>
-          </a:p>
-        </p:txBody>
-      </p:sp>
-      <p:sp>
-        <p:nvSpPr>
-          <p:cNvPr id="3" name="Content Placeholder 2"/>
-          <p:cNvSpPr>
-            <a:spLocks noGrp="1"/>
-          </p:cNvSpPr>
-          <p:nvPr>
-            <p:ph idx="1"/>
-          </p:nvPr>
-        </p:nvSpPr>
-        <p:spPr/>
-        <p:txBody>
-          <a:bodyPr/>
-          <a:lstStyle/>
-          <a:p>
-            <a:r>
-              <a:rPr lang="en-US" dirty="0" smtClean="0"/>
-              <a:t>Setting up the server</a:t>
-            </a:r>
-          </a:p>
-          <a:p>
-            <a:pPr lvl="1"/>
-            <a:r>
-              <a:rPr lang="en-US" dirty="0" smtClean="0">
-                <a:latin typeface="Courier New" pitchFamily="49" charset="0"/>
-                <a:cs typeface="Courier New" pitchFamily="49" charset="0"/>
-              </a:rPr>
-              <a:t>/etc/</a:t>
-            </a:r>
-            <a:r>
-              <a:rPr lang="en-US" dirty="0" err="1" smtClean="0">
-                <a:latin typeface="Courier New" pitchFamily="49" charset="0"/>
-                <a:cs typeface="Courier New" pitchFamily="49" charset="0"/>
-              </a:rPr>
-              <a:t>sysconfig</a:t>
-            </a:r>
-            <a:r>
-              <a:rPr lang="en-US" dirty="0" smtClean="0">
-                <a:latin typeface="Courier New" pitchFamily="49" charset="0"/>
-                <a:cs typeface="Courier New" pitchFamily="49" charset="0"/>
-              </a:rPr>
-              <a:t>/</a:t>
-            </a:r>
-            <a:r>
-              <a:rPr lang="en-US" dirty="0" err="1" smtClean="0">
-                <a:latin typeface="Courier New" pitchFamily="49" charset="0"/>
-                <a:cs typeface="Courier New" pitchFamily="49" charset="0"/>
-              </a:rPr>
-              <a:t>vncservers</a:t>
-            </a:r>
-            <a:endParaRPr lang="en-US" dirty="0">
-              <a:latin typeface="Courier New" pitchFamily="49" charset="0"/>
-              <a:cs typeface="Courier New" pitchFamily="49" charset="0"/>
-            </a:endParaRPr>
-          </a:p>
-        </p:txBody>
-      </p:sp>
-    </p:spTree>
-  </p:cSld>
-  <p:clrMapOvr>
-    <a:masterClrMapping/>
-  </p:clrMapOvr>
-</p:sld>
-</file>
-
-<file path=ppt/slides/slide44.xml><?xml version="1.0" encoding="utf-8"?>
-<p:sld xmlns:a="http://schemas.openxmlformats.org/drawingml/2006/main" xmlns:r="http://schemas.openxmlformats.org/officeDocument/2006/relationships" xmlns:p="http://schemas.openxmlformats.org/presentationml/2006/main">
-  <p:cSld>
-    <p:spTree>
-      <p:nvGrpSpPr>
-        <p:cNvPr id="1" name=""/>
-        <p:cNvGrpSpPr/>
-        <p:nvPr/>
-      </p:nvGrpSpPr>
-      <p:grpSpPr>
-        <a:xfrm>
-          <a:off x="0" y="0"/>
-          <a:ext cx="0" cy="0"/>
-          <a:chOff x="0" y="0"/>
-          <a:chExt cx="0" cy="0"/>
-        </a:xfrm>
-      </p:grpSpPr>
-      <p:sp>
-        <p:nvSpPr>
-          <p:cNvPr id="2" name="Title 1"/>
-          <p:cNvSpPr>
-            <a:spLocks noGrp="1"/>
-          </p:cNvSpPr>
-          <p:nvPr>
-            <p:ph type="title"/>
-          </p:nvPr>
-        </p:nvSpPr>
-        <p:spPr/>
-        <p:txBody>
-          <a:bodyPr/>
-          <a:lstStyle/>
-          <a:p>
-            <a:r>
-              <a:rPr lang="en-US" dirty="0" smtClean="0"/>
-              <a:t>References</a:t>
-            </a:r>
-            <a:endParaRPr lang="en-US" dirty="0"/>
-          </a:p>
-        </p:txBody>
-      </p:sp>
-      <p:sp>
-        <p:nvSpPr>
-          <p:cNvPr id="3" name="Content Placeholder 2"/>
-          <p:cNvSpPr>
-            <a:spLocks noGrp="1"/>
-          </p:cNvSpPr>
-          <p:nvPr>
-            <p:ph idx="1"/>
-          </p:nvPr>
-        </p:nvSpPr>
-        <p:spPr/>
-        <p:txBody>
-          <a:bodyPr/>
-          <a:lstStyle/>
-          <a:p>
-            <a:r>
-              <a:rPr lang="en-US" dirty="0" smtClean="0"/>
-              <a:t>http://kin.naver.com/detail/detail.php?d1id=1&amp;dir_id=10202&amp;docid=7848413&amp;qb=dm5jc2VydmVy&amp;enc=utf8</a:t>
-            </a:r>
-            <a:endParaRPr lang="en-US" dirty="0"/>
-          </a:p>
-        </p:txBody>
-      </p:sp>
-    </p:spTree>
-  </p:cSld>
-  <p:clrMapOvr>
-    <a:masterClrMapping/>
-  </p:clrMapOvr>
 </p:sld>
 </file>
 

--- a/papers/DRCPA/docs/PerfTest - Setup (WSAS).pptx
+++ b/papers/DRCPA/docs/PerfTest - Setup (WSAS).pptx
@@ -1,6 +1,6 @@
 
 <file path=ppt/presentation.xml><?xml version="1.0" encoding="utf-8"?>
-<p:presentation xmlns:a="http://schemas.openxmlformats.org/drawingml/2006/main" xmlns:r="http://schemas.openxmlformats.org/officeDocument/2006/relationships" xmlns:p="http://schemas.openxmlformats.org/presentationml/2006/main" saveSubsetFonts="1">
+<p:presentation xmlns:a="http://schemas.openxmlformats.org/drawingml/2006/main" xmlns:r="http://schemas.openxmlformats.org/officeDocument/2006/relationships" xmlns:mc="http://schemas.openxmlformats.org/markup-compatibility/2006" xmlns:mv="urn:schemas-microsoft-com:mac:vml" xmlns:p="http://schemas.openxmlformats.org/presentationml/2006/main" mc:Ignorable="mv" mc:PreserveAttributes="mv:*" saveSubsetFonts="1">
   <p:sldMasterIdLst>
     <p:sldMasterId id="2147483648" r:id="rId1"/>
   </p:sldMasterIdLst>
@@ -8,31 +8,33 @@
     <p:sldId id="256" r:id="rId2"/>
     <p:sldId id="349" r:id="rId3"/>
     <p:sldId id="258" r:id="rId4"/>
-    <p:sldId id="260" r:id="rId5"/>
-    <p:sldId id="280" r:id="rId6"/>
-    <p:sldId id="281" r:id="rId7"/>
-    <p:sldId id="283" r:id="rId8"/>
-    <p:sldId id="284" r:id="rId9"/>
-    <p:sldId id="285" r:id="rId10"/>
-    <p:sldId id="286" r:id="rId11"/>
-    <p:sldId id="289" r:id="rId12"/>
-    <p:sldId id="288" r:id="rId13"/>
-    <p:sldId id="290" r:id="rId14"/>
-    <p:sldId id="292" r:id="rId15"/>
-    <p:sldId id="293" r:id="rId16"/>
-    <p:sldId id="291" r:id="rId17"/>
-    <p:sldId id="294" r:id="rId18"/>
-    <p:sldId id="287" r:id="rId19"/>
-    <p:sldId id="330" r:id="rId20"/>
-    <p:sldId id="266" r:id="rId21"/>
-    <p:sldId id="321" r:id="rId22"/>
-    <p:sldId id="323" r:id="rId23"/>
-    <p:sldId id="324" r:id="rId24"/>
-    <p:sldId id="278" r:id="rId25"/>
-    <p:sldId id="331" r:id="rId26"/>
+    <p:sldId id="360" r:id="rId5"/>
+    <p:sldId id="260" r:id="rId6"/>
+    <p:sldId id="280" r:id="rId7"/>
+    <p:sldId id="281" r:id="rId8"/>
+    <p:sldId id="283" r:id="rId9"/>
+    <p:sldId id="284" r:id="rId10"/>
+    <p:sldId id="285" r:id="rId11"/>
+    <p:sldId id="286" r:id="rId12"/>
+    <p:sldId id="289" r:id="rId13"/>
+    <p:sldId id="288" r:id="rId14"/>
+    <p:sldId id="290" r:id="rId15"/>
+    <p:sldId id="292" r:id="rId16"/>
+    <p:sldId id="293" r:id="rId17"/>
+    <p:sldId id="291" r:id="rId18"/>
+    <p:sldId id="294" r:id="rId19"/>
+    <p:sldId id="287" r:id="rId20"/>
+    <p:sldId id="330" r:id="rId21"/>
+    <p:sldId id="266" r:id="rId22"/>
+    <p:sldId id="321" r:id="rId23"/>
+    <p:sldId id="323" r:id="rId24"/>
+    <p:sldId id="324" r:id="rId25"/>
+    <p:sldId id="278" r:id="rId26"/>
     <p:sldId id="332" r:id="rId27"/>
     <p:sldId id="358" r:id="rId28"/>
-    <p:sldId id="359" r:id="rId29"/>
+    <p:sldId id="361" r:id="rId29"/>
+    <p:sldId id="331" r:id="rId30"/>
+    <p:sldId id="359" r:id="rId31"/>
   </p:sldIdLst>
   <p:sldSz cx="9144000" cy="6858000" type="screen4x3"/>
   <p:notesSz cx="6858000" cy="9144000"/>
@@ -135,7 +137,7 @@
 </file>
 
 <file path=ppt/slideLayouts/slideLayout1.xml><?xml version="1.0" encoding="utf-8"?>
-<p:sldLayout xmlns:a="http://schemas.openxmlformats.org/drawingml/2006/main" xmlns:r="http://schemas.openxmlformats.org/officeDocument/2006/relationships" xmlns:p="http://schemas.openxmlformats.org/presentationml/2006/main" type="title" preserve="1">
+<p:sldLayout xmlns:a="http://schemas.openxmlformats.org/drawingml/2006/main" xmlns:r="http://schemas.openxmlformats.org/officeDocument/2006/relationships" xmlns:mc="http://schemas.openxmlformats.org/markup-compatibility/2006" xmlns:mv="urn:schemas-microsoft-com:mac:vml" xmlns:p="http://schemas.openxmlformats.org/presentationml/2006/main" mc:Ignorable="mv" mc:PreserveAttributes="mv:*" type="title" preserve="1">
   <p:cSld name="Title Slide">
     <p:bg>
       <p:bgRef idx="1002">
@@ -321,7 +323,7 @@
             <a:fld id="{C60591B3-B4ED-4C31-8AEF-63EEC6A32F51}" type="datetimeFigureOut">
               <a:rPr lang="en-US" smtClean="0"/>
               <a:pPr/>
-              <a:t>9/21/2009</a:t>
+              <a:t>9/22/09</a:t>
             </a:fld>
             <a:endParaRPr lang="en-US"/>
           </a:p>
@@ -379,7 +381,7 @@
 </file>
 
 <file path=ppt/slideLayouts/slideLayout10.xml><?xml version="1.0" encoding="utf-8"?>
-<p:sldLayout xmlns:a="http://schemas.openxmlformats.org/drawingml/2006/main" xmlns:r="http://schemas.openxmlformats.org/officeDocument/2006/relationships" xmlns:p="http://schemas.openxmlformats.org/presentationml/2006/main" type="vertTx" preserve="1">
+<p:sldLayout xmlns:a="http://schemas.openxmlformats.org/drawingml/2006/main" xmlns:r="http://schemas.openxmlformats.org/officeDocument/2006/relationships" xmlns:mc="http://schemas.openxmlformats.org/markup-compatibility/2006" xmlns:mv="urn:schemas-microsoft-com:mac:vml" xmlns:p="http://schemas.openxmlformats.org/presentationml/2006/main" mc:Ignorable="mv" mc:PreserveAttributes="mv:*" type="vertTx" preserve="1">
   <p:cSld name="Title and Vertical Text">
     <p:spTree>
       <p:nvGrpSpPr>
@@ -488,7 +490,7 @@
             <a:fld id="{C60591B3-B4ED-4C31-8AEF-63EEC6A32F51}" type="datetimeFigureOut">
               <a:rPr lang="en-US" smtClean="0"/>
               <a:pPr/>
-              <a:t>9/21/2009</a:t>
+              <a:t>9/22/09</a:t>
             </a:fld>
             <a:endParaRPr lang="en-US"/>
           </a:p>
@@ -546,7 +548,7 @@
 </file>
 
 <file path=ppt/slideLayouts/slideLayout11.xml><?xml version="1.0" encoding="utf-8"?>
-<p:sldLayout xmlns:a="http://schemas.openxmlformats.org/drawingml/2006/main" xmlns:r="http://schemas.openxmlformats.org/officeDocument/2006/relationships" xmlns:p="http://schemas.openxmlformats.org/presentationml/2006/main" type="vertTitleAndTx" preserve="1">
+<p:sldLayout xmlns:a="http://schemas.openxmlformats.org/drawingml/2006/main" xmlns:r="http://schemas.openxmlformats.org/officeDocument/2006/relationships" xmlns:mc="http://schemas.openxmlformats.org/markup-compatibility/2006" xmlns:mv="urn:schemas-microsoft-com:mac:vml" xmlns:p="http://schemas.openxmlformats.org/presentationml/2006/main" mc:Ignorable="mv" mc:PreserveAttributes="mv:*" type="vertTitleAndTx" preserve="1">
   <p:cSld name="Vertical Title and Text">
     <p:spTree>
       <p:nvGrpSpPr>
@@ -665,7 +667,7 @@
             <a:fld id="{C60591B3-B4ED-4C31-8AEF-63EEC6A32F51}" type="datetimeFigureOut">
               <a:rPr lang="en-US" smtClean="0"/>
               <a:pPr/>
-              <a:t>9/21/2009</a:t>
+              <a:t>9/22/09</a:t>
             </a:fld>
             <a:endParaRPr lang="en-US"/>
           </a:p>
@@ -723,7 +725,7 @@
 </file>
 
 <file path=ppt/slideLayouts/slideLayout2.xml><?xml version="1.0" encoding="utf-8"?>
-<p:sldLayout xmlns:a="http://schemas.openxmlformats.org/drawingml/2006/main" xmlns:r="http://schemas.openxmlformats.org/officeDocument/2006/relationships" xmlns:p="http://schemas.openxmlformats.org/presentationml/2006/main" type="obj" preserve="1">
+<p:sldLayout xmlns:a="http://schemas.openxmlformats.org/drawingml/2006/main" xmlns:r="http://schemas.openxmlformats.org/officeDocument/2006/relationships" xmlns:mc="http://schemas.openxmlformats.org/markup-compatibility/2006" xmlns:mv="urn:schemas-microsoft-com:mac:vml" xmlns:p="http://schemas.openxmlformats.org/presentationml/2006/main" mc:Ignorable="mv" mc:PreserveAttributes="mv:*" type="obj" preserve="1">
   <p:cSld name="Title and Content">
     <p:spTree>
       <p:nvGrpSpPr>
@@ -832,7 +834,7 @@
             <a:fld id="{C60591B3-B4ED-4C31-8AEF-63EEC6A32F51}" type="datetimeFigureOut">
               <a:rPr lang="en-US" smtClean="0"/>
               <a:pPr/>
-              <a:t>9/21/2009</a:t>
+              <a:t>9/22/09</a:t>
             </a:fld>
             <a:endParaRPr lang="en-US"/>
           </a:p>
@@ -890,7 +892,7 @@
 </file>
 
 <file path=ppt/slideLayouts/slideLayout3.xml><?xml version="1.0" encoding="utf-8"?>
-<p:sldLayout xmlns:a="http://schemas.openxmlformats.org/drawingml/2006/main" xmlns:r="http://schemas.openxmlformats.org/officeDocument/2006/relationships" xmlns:p="http://schemas.openxmlformats.org/presentationml/2006/main" type="secHead" preserve="1">
+<p:sldLayout xmlns:a="http://schemas.openxmlformats.org/drawingml/2006/main" xmlns:r="http://schemas.openxmlformats.org/officeDocument/2006/relationships" xmlns:mc="http://schemas.openxmlformats.org/markup-compatibility/2006" xmlns:mv="urn:schemas-microsoft-com:mac:vml" xmlns:p="http://schemas.openxmlformats.org/presentationml/2006/main" mc:Ignorable="mv" mc:PreserveAttributes="mv:*" type="secHead" preserve="1">
   <p:cSld name="Section Header">
     <p:bg>
       <p:bgRef idx="1002">
@@ -1080,7 +1082,7 @@
             <a:fld id="{C60591B3-B4ED-4C31-8AEF-63EEC6A32F51}" type="datetimeFigureOut">
               <a:rPr lang="en-US" smtClean="0"/>
               <a:pPr/>
-              <a:t>9/21/2009</a:t>
+              <a:t>9/22/09</a:t>
             </a:fld>
             <a:endParaRPr lang="en-US"/>
           </a:p>
@@ -1138,7 +1140,7 @@
 </file>
 
 <file path=ppt/slideLayouts/slideLayout4.xml><?xml version="1.0" encoding="utf-8"?>
-<p:sldLayout xmlns:a="http://schemas.openxmlformats.org/drawingml/2006/main" xmlns:r="http://schemas.openxmlformats.org/officeDocument/2006/relationships" xmlns:p="http://schemas.openxmlformats.org/presentationml/2006/main" type="twoObj" preserve="1">
+<p:sldLayout xmlns:a="http://schemas.openxmlformats.org/drawingml/2006/main" xmlns:r="http://schemas.openxmlformats.org/officeDocument/2006/relationships" xmlns:mc="http://schemas.openxmlformats.org/markup-compatibility/2006" xmlns:mv="urn:schemas-microsoft-com:mac:vml" xmlns:p="http://schemas.openxmlformats.org/presentationml/2006/main" mc:Ignorable="mv" mc:PreserveAttributes="mv:*" type="twoObj" preserve="1">
   <p:cSld name="Two Content">
     <p:spTree>
       <p:nvGrpSpPr>
@@ -1365,7 +1367,7 @@
             <a:fld id="{C60591B3-B4ED-4C31-8AEF-63EEC6A32F51}" type="datetimeFigureOut">
               <a:rPr lang="en-US" smtClean="0"/>
               <a:pPr/>
-              <a:t>9/21/2009</a:t>
+              <a:t>9/22/09</a:t>
             </a:fld>
             <a:endParaRPr lang="en-US"/>
           </a:p>
@@ -1423,7 +1425,7 @@
 </file>
 
 <file path=ppt/slideLayouts/slideLayout5.xml><?xml version="1.0" encoding="utf-8"?>
-<p:sldLayout xmlns:a="http://schemas.openxmlformats.org/drawingml/2006/main" xmlns:r="http://schemas.openxmlformats.org/officeDocument/2006/relationships" xmlns:p="http://schemas.openxmlformats.org/presentationml/2006/main" type="twoTxTwoObj" preserve="1">
+<p:sldLayout xmlns:a="http://schemas.openxmlformats.org/drawingml/2006/main" xmlns:r="http://schemas.openxmlformats.org/officeDocument/2006/relationships" xmlns:mc="http://schemas.openxmlformats.org/markup-compatibility/2006" xmlns:mv="urn:schemas-microsoft-com:mac:vml" xmlns:p="http://schemas.openxmlformats.org/presentationml/2006/main" mc:Ignorable="mv" mc:PreserveAttributes="mv:*" type="twoTxTwoObj" preserve="1">
   <p:cSld name="Comparison">
     <p:spTree>
       <p:nvGrpSpPr>
@@ -1784,7 +1786,7 @@
             <a:fld id="{C60591B3-B4ED-4C31-8AEF-63EEC6A32F51}" type="datetimeFigureOut">
               <a:rPr lang="en-US" smtClean="0"/>
               <a:pPr/>
-              <a:t>9/21/2009</a:t>
+              <a:t>9/22/09</a:t>
             </a:fld>
             <a:endParaRPr lang="en-US"/>
           </a:p>
@@ -1842,7 +1844,7 @@
 </file>
 
 <file path=ppt/slideLayouts/slideLayout6.xml><?xml version="1.0" encoding="utf-8"?>
-<p:sldLayout xmlns:a="http://schemas.openxmlformats.org/drawingml/2006/main" xmlns:r="http://schemas.openxmlformats.org/officeDocument/2006/relationships" xmlns:p="http://schemas.openxmlformats.org/presentationml/2006/main" type="titleOnly" preserve="1">
+<p:sldLayout xmlns:a="http://schemas.openxmlformats.org/drawingml/2006/main" xmlns:r="http://schemas.openxmlformats.org/officeDocument/2006/relationships" xmlns:mc="http://schemas.openxmlformats.org/markup-compatibility/2006" xmlns:mv="urn:schemas-microsoft-com:mac:vml" xmlns:p="http://schemas.openxmlformats.org/presentationml/2006/main" mc:Ignorable="mv" mc:PreserveAttributes="mv:*" type="titleOnly" preserve="1">
   <p:cSld name="Title Only">
     <p:spTree>
       <p:nvGrpSpPr>
@@ -1899,7 +1901,7 @@
             <a:fld id="{C60591B3-B4ED-4C31-8AEF-63EEC6A32F51}" type="datetimeFigureOut">
               <a:rPr lang="en-US" smtClean="0"/>
               <a:pPr/>
-              <a:t>9/21/2009</a:t>
+              <a:t>9/22/09</a:t>
             </a:fld>
             <a:endParaRPr lang="en-US"/>
           </a:p>
@@ -1957,7 +1959,7 @@
 </file>
 
 <file path=ppt/slideLayouts/slideLayout7.xml><?xml version="1.0" encoding="utf-8"?>
-<p:sldLayout xmlns:a="http://schemas.openxmlformats.org/drawingml/2006/main" xmlns:r="http://schemas.openxmlformats.org/officeDocument/2006/relationships" xmlns:p="http://schemas.openxmlformats.org/presentationml/2006/main" type="blank" preserve="1">
+<p:sldLayout xmlns:a="http://schemas.openxmlformats.org/drawingml/2006/main" xmlns:r="http://schemas.openxmlformats.org/officeDocument/2006/relationships" xmlns:mc="http://schemas.openxmlformats.org/markup-compatibility/2006" xmlns:mv="urn:schemas-microsoft-com:mac:vml" xmlns:p="http://schemas.openxmlformats.org/presentationml/2006/main" mc:Ignorable="mv" mc:PreserveAttributes="mv:*" type="blank" preserve="1">
   <p:cSld name="Blank">
     <p:spTree>
       <p:nvGrpSpPr>
@@ -1991,7 +1993,7 @@
             <a:fld id="{C60591B3-B4ED-4C31-8AEF-63EEC6A32F51}" type="datetimeFigureOut">
               <a:rPr lang="en-US" smtClean="0"/>
               <a:pPr/>
-              <a:t>9/21/2009</a:t>
+              <a:t>9/22/09</a:t>
             </a:fld>
             <a:endParaRPr lang="en-US"/>
           </a:p>
@@ -2049,7 +2051,7 @@
 </file>
 
 <file path=ppt/slideLayouts/slideLayout8.xml><?xml version="1.0" encoding="utf-8"?>
-<p:sldLayout xmlns:a="http://schemas.openxmlformats.org/drawingml/2006/main" xmlns:r="http://schemas.openxmlformats.org/officeDocument/2006/relationships" xmlns:p="http://schemas.openxmlformats.org/presentationml/2006/main" type="objTx" preserve="1">
+<p:sldLayout xmlns:a="http://schemas.openxmlformats.org/drawingml/2006/main" xmlns:r="http://schemas.openxmlformats.org/officeDocument/2006/relationships" xmlns:mc="http://schemas.openxmlformats.org/markup-compatibility/2006" xmlns:mv="urn:schemas-microsoft-com:mac:vml" xmlns:p="http://schemas.openxmlformats.org/presentationml/2006/main" mc:Ignorable="mv" mc:PreserveAttributes="mv:*" type="objTx" preserve="1">
   <p:cSld name="Content with Caption">
     <p:spTree>
       <p:nvGrpSpPr>
@@ -2265,7 +2267,7 @@
             <a:fld id="{C60591B3-B4ED-4C31-8AEF-63EEC6A32F51}" type="datetimeFigureOut">
               <a:rPr lang="en-US" smtClean="0"/>
               <a:pPr/>
-              <a:t>9/21/2009</a:t>
+              <a:t>9/22/09</a:t>
             </a:fld>
             <a:endParaRPr lang="en-US"/>
           </a:p>
@@ -2323,7 +2325,7 @@
 </file>
 
 <file path=ppt/slideLayouts/slideLayout9.xml><?xml version="1.0" encoding="utf-8"?>
-<p:sldLayout xmlns:a="http://schemas.openxmlformats.org/drawingml/2006/main" xmlns:r="http://schemas.openxmlformats.org/officeDocument/2006/relationships" xmlns:p="http://schemas.openxmlformats.org/presentationml/2006/main" type="picTx" preserve="1">
+<p:sldLayout xmlns:a="http://schemas.openxmlformats.org/drawingml/2006/main" xmlns:r="http://schemas.openxmlformats.org/officeDocument/2006/relationships" xmlns:mc="http://schemas.openxmlformats.org/markup-compatibility/2006" xmlns:mv="urn:schemas-microsoft-com:mac:vml" xmlns:p="http://schemas.openxmlformats.org/presentationml/2006/main" mc:Ignorable="mv" mc:PreserveAttributes="mv:*" type="picTx" preserve="1">
   <p:cSld name="Picture with Caption">
     <p:spTree>
       <p:nvGrpSpPr>
@@ -2515,7 +2517,7 @@
             <a:fld id="{C60591B3-B4ED-4C31-8AEF-63EEC6A32F51}" type="datetimeFigureOut">
               <a:rPr lang="en-US" smtClean="0"/>
               <a:pPr/>
-              <a:t>9/21/2009</a:t>
+              <a:t>9/22/09</a:t>
             </a:fld>
             <a:endParaRPr lang="en-US"/>
           </a:p>
@@ -2573,7 +2575,7 @@
 </file>
 
 <file path=ppt/slideMasters/slideMaster1.xml><?xml version="1.0" encoding="utf-8"?>
-<p:sldMaster xmlns:a="http://schemas.openxmlformats.org/drawingml/2006/main" xmlns:r="http://schemas.openxmlformats.org/officeDocument/2006/relationships" xmlns:p="http://schemas.openxmlformats.org/presentationml/2006/main">
+<p:sldMaster xmlns:a="http://schemas.openxmlformats.org/drawingml/2006/main" xmlns:r="http://schemas.openxmlformats.org/officeDocument/2006/relationships" xmlns:mc="http://schemas.openxmlformats.org/markup-compatibility/2006" xmlns:mv="urn:schemas-microsoft-com:mac:vml" xmlns:p="http://schemas.openxmlformats.org/presentationml/2006/main" mc:Ignorable="mv" mc:PreserveAttributes="mv:*">
   <p:cSld>
     <p:bg>
       <p:bgRef idx="1001">
@@ -2725,7 +2727,7 @@
             <a:fld id="{C60591B3-B4ED-4C31-8AEF-63EEC6A32F51}" type="datetimeFigureOut">
               <a:rPr lang="en-US" smtClean="0"/>
               <a:pPr/>
-              <a:t>9/21/2009</a:t>
+              <a:t>9/22/09</a:t>
             </a:fld>
             <a:endParaRPr lang="en-US"/>
           </a:p>
@@ -3080,7 +3082,7 @@
 </file>
 
 <file path=ppt/slides/slide1.xml><?xml version="1.0" encoding="utf-8"?>
-<p:sld xmlns:a="http://schemas.openxmlformats.org/drawingml/2006/main" xmlns:r="http://schemas.openxmlformats.org/officeDocument/2006/relationships" xmlns:p="http://schemas.openxmlformats.org/presentationml/2006/main">
+<p:sld xmlns:a="http://schemas.openxmlformats.org/drawingml/2006/main" xmlns:r="http://schemas.openxmlformats.org/officeDocument/2006/relationships" xmlns:mc="http://schemas.openxmlformats.org/markup-compatibility/2006" xmlns:mv="urn:schemas-microsoft-com:mac:vml" xmlns:p="http://schemas.openxmlformats.org/presentationml/2006/main" mc:Ignorable="mv" mc:PreserveAttributes="mv:*">
   <p:cSld>
     <p:spTree>
       <p:nvGrpSpPr>
@@ -3191,7 +3193,15 @@
           <a:p>
             <a:r>
               <a:rPr lang="en-US" dirty="0" smtClean="0"/>
-              <a:t>Last Updated: Sep. 16, 2009</a:t>
+              <a:t>Last Updated: Sep.</a:t>
+            </a:r>
+            <a:r>
+              <a:rPr lang="en-US" dirty="0" smtClean="0"/>
+              <a:t> 22, </a:t>
+            </a:r>
+            <a:r>
+              <a:rPr lang="en-US" dirty="0" smtClean="0"/>
+              <a:t>2009</a:t>
             </a:r>
             <a:endParaRPr lang="en-US" dirty="0"/>
           </a:p>
@@ -3206,7 +3216,202 @@
 </file>
 
 <file path=ppt/slides/slide10.xml><?xml version="1.0" encoding="utf-8"?>
-<p:sld xmlns:a="http://schemas.openxmlformats.org/drawingml/2006/main" xmlns:r="http://schemas.openxmlformats.org/officeDocument/2006/relationships" xmlns:p="http://schemas.openxmlformats.org/presentationml/2006/main">
+<p:sld xmlns:a="http://schemas.openxmlformats.org/drawingml/2006/main" xmlns:r="http://schemas.openxmlformats.org/officeDocument/2006/relationships" xmlns:mc="http://schemas.openxmlformats.org/markup-compatibility/2006" xmlns:mv="urn:schemas-microsoft-com:mac:vml" xmlns:p="http://schemas.openxmlformats.org/presentationml/2006/main" mc:Ignorable="mv" mc:PreserveAttributes="mv:*">
+  <p:cSld>
+    <p:spTree>
+      <p:nvGrpSpPr>
+        <p:cNvPr id="1" name=""/>
+        <p:cNvGrpSpPr/>
+        <p:nvPr/>
+      </p:nvGrpSpPr>
+      <p:grpSpPr>
+        <a:xfrm>
+          <a:off x="0" y="0"/>
+          <a:ext cx="0" cy="0"/>
+          <a:chOff x="0" y="0"/>
+          <a:chExt cx="0" cy="0"/>
+        </a:xfrm>
+      </p:grpSpPr>
+      <p:sp>
+        <p:nvSpPr>
+          <p:cNvPr id="2" name="Title 1"/>
+          <p:cNvSpPr>
+            <a:spLocks noGrp="1"/>
+          </p:cNvSpPr>
+          <p:nvPr>
+            <p:ph type="title"/>
+          </p:nvPr>
+        </p:nvSpPr>
+        <p:spPr/>
+        <p:txBody>
+          <a:bodyPr/>
+          <a:lstStyle/>
+          <a:p>
+            <a:r>
+              <a:rPr lang="en-US" dirty="0" smtClean="0"/>
+              <a:t>WSAS Installation (Cont’d)</a:t>
+            </a:r>
+            <a:endParaRPr lang="en-US" dirty="0"/>
+          </a:p>
+        </p:txBody>
+      </p:sp>
+      <p:sp>
+        <p:nvSpPr>
+          <p:cNvPr id="3" name="Content Placeholder 2"/>
+          <p:cNvSpPr>
+            <a:spLocks noGrp="1"/>
+          </p:cNvSpPr>
+          <p:nvPr>
+            <p:ph idx="1"/>
+          </p:nvPr>
+        </p:nvSpPr>
+        <p:spPr/>
+        <p:txBody>
+          <a:bodyPr/>
+          <a:lstStyle/>
+          <a:p>
+            <a:endParaRPr lang="en-US"/>
+          </a:p>
+        </p:txBody>
+      </p:sp>
+      <p:pic>
+        <p:nvPicPr>
+          <p:cNvPr id="8194" name="Picture 2"/>
+          <p:cNvPicPr>
+            <a:picLocks noChangeAspect="1" noChangeArrowheads="1"/>
+          </p:cNvPicPr>
+          <p:nvPr/>
+        </p:nvPicPr>
+        <p:blipFill>
+          <a:blip r:embed="rId2" cstate="print"/>
+          <a:srcRect/>
+          <a:stretch>
+            <a:fillRect/>
+          </a:stretch>
+        </p:blipFill>
+        <p:spPr bwMode="auto">
+          <a:xfrm>
+            <a:off x="1524000" y="1676400"/>
+            <a:ext cx="6067425" cy="4171950"/>
+          </a:xfrm>
+          <a:prstGeom prst="rect">
+            <a:avLst/>
+          </a:prstGeom>
+          <a:noFill/>
+          <a:ln w="9525">
+            <a:noFill/>
+            <a:miter lim="800000"/>
+            <a:headEnd/>
+            <a:tailEnd/>
+          </a:ln>
+        </p:spPr>
+      </p:pic>
+      <p:sp>
+        <p:nvSpPr>
+          <p:cNvPr id="5" name="Rounded Rectangle 4"/>
+          <p:cNvSpPr/>
+          <p:nvPr/>
+        </p:nvSpPr>
+        <p:spPr>
+          <a:xfrm>
+            <a:off x="3033712" y="4371975"/>
+            <a:ext cx="2743200" cy="228600"/>
+          </a:xfrm>
+          <a:prstGeom prst="roundRect">
+            <a:avLst>
+              <a:gd name="adj" fmla="val 21467"/>
+            </a:avLst>
+          </a:prstGeom>
+          <a:noFill/>
+          <a:ln w="38100">
+            <a:solidFill>
+              <a:srgbClr val="FF0000"/>
+            </a:solidFill>
+          </a:ln>
+        </p:spPr>
+        <p:style>
+          <a:lnRef idx="2">
+            <a:schemeClr val="accent1">
+              <a:shade val="50000"/>
+            </a:schemeClr>
+          </a:lnRef>
+          <a:fillRef idx="1">
+            <a:schemeClr val="accent1"/>
+          </a:fillRef>
+          <a:effectRef idx="0">
+            <a:schemeClr val="accent1"/>
+          </a:effectRef>
+          <a:fontRef idx="minor">
+            <a:schemeClr val="lt1"/>
+          </a:fontRef>
+        </p:style>
+        <p:txBody>
+          <a:bodyPr rtlCol="0" anchor="ctr"/>
+          <a:lstStyle/>
+          <a:p>
+            <a:pPr algn="ctr"/>
+            <a:endParaRPr lang="en-US"/>
+          </a:p>
+        </p:txBody>
+      </p:sp>
+      <p:sp>
+        <p:nvSpPr>
+          <p:cNvPr id="6" name="Rounded Rectangle 5"/>
+          <p:cNvSpPr/>
+          <p:nvPr/>
+        </p:nvSpPr>
+        <p:spPr>
+          <a:xfrm>
+            <a:off x="5257800" y="5410200"/>
+            <a:ext cx="1143000" cy="304800"/>
+          </a:xfrm>
+          <a:prstGeom prst="roundRect">
+            <a:avLst>
+              <a:gd name="adj" fmla="val 21467"/>
+            </a:avLst>
+          </a:prstGeom>
+          <a:noFill/>
+          <a:ln w="38100">
+            <a:solidFill>
+              <a:srgbClr val="FF0000"/>
+            </a:solidFill>
+          </a:ln>
+        </p:spPr>
+        <p:style>
+          <a:lnRef idx="2">
+            <a:schemeClr val="accent1">
+              <a:shade val="50000"/>
+            </a:schemeClr>
+          </a:lnRef>
+          <a:fillRef idx="1">
+            <a:schemeClr val="accent1"/>
+          </a:fillRef>
+          <a:effectRef idx="0">
+            <a:schemeClr val="accent1"/>
+          </a:effectRef>
+          <a:fontRef idx="minor">
+            <a:schemeClr val="lt1"/>
+          </a:fontRef>
+        </p:style>
+        <p:txBody>
+          <a:bodyPr rtlCol="0" anchor="ctr"/>
+          <a:lstStyle/>
+          <a:p>
+            <a:pPr algn="ctr"/>
+            <a:endParaRPr lang="en-US"/>
+          </a:p>
+        </p:txBody>
+      </p:sp>
+    </p:spTree>
+  </p:cSld>
+  <p:clrMapOvr>
+    <a:masterClrMapping/>
+  </p:clrMapOvr>
+</p:sld>
+</file>
+
+<file path=ppt/slides/slide11.xml><?xml version="1.0" encoding="utf-8"?>
+<p:sld xmlns:a="http://schemas.openxmlformats.org/drawingml/2006/main" xmlns:r="http://schemas.openxmlformats.org/officeDocument/2006/relationships" xmlns:mc="http://schemas.openxmlformats.org/markup-compatibility/2006" xmlns:mv="urn:schemas-microsoft-com:mac:vml" xmlns:p="http://schemas.openxmlformats.org/presentationml/2006/main" mc:Ignorable="mv" mc:PreserveAttributes="mv:*">
   <p:cSld>
     <p:spTree>
       <p:nvGrpSpPr>
@@ -3400,8 +3605,8 @@
 </p:sld>
 </file>
 
-<file path=ppt/slides/slide11.xml><?xml version="1.0" encoding="utf-8"?>
-<p:sld xmlns:a="http://schemas.openxmlformats.org/drawingml/2006/main" xmlns:r="http://schemas.openxmlformats.org/officeDocument/2006/relationships" xmlns:p="http://schemas.openxmlformats.org/presentationml/2006/main">
+<file path=ppt/slides/slide12.xml><?xml version="1.0" encoding="utf-8"?>
+<p:sld xmlns:a="http://schemas.openxmlformats.org/drawingml/2006/main" xmlns:r="http://schemas.openxmlformats.org/officeDocument/2006/relationships" xmlns:mc="http://schemas.openxmlformats.org/markup-compatibility/2006" xmlns:mv="urn:schemas-microsoft-com:mac:vml" xmlns:p="http://schemas.openxmlformats.org/presentationml/2006/main" mc:Ignorable="mv" mc:PreserveAttributes="mv:*">
   <p:cSld>
     <p:spTree>
       <p:nvGrpSpPr>
@@ -3595,8 +3800,8 @@
 </p:sld>
 </file>
 
-<file path=ppt/slides/slide12.xml><?xml version="1.0" encoding="utf-8"?>
-<p:sld xmlns:a="http://schemas.openxmlformats.org/drawingml/2006/main" xmlns:r="http://schemas.openxmlformats.org/officeDocument/2006/relationships" xmlns:p="http://schemas.openxmlformats.org/presentationml/2006/main">
+<file path=ppt/slides/slide13.xml><?xml version="1.0" encoding="utf-8"?>
+<p:sld xmlns:a="http://schemas.openxmlformats.org/drawingml/2006/main" xmlns:r="http://schemas.openxmlformats.org/officeDocument/2006/relationships" xmlns:mc="http://schemas.openxmlformats.org/markup-compatibility/2006" xmlns:mv="urn:schemas-microsoft-com:mac:vml" xmlns:p="http://schemas.openxmlformats.org/presentationml/2006/main" mc:Ignorable="mv" mc:PreserveAttributes="mv:*">
   <p:cSld>
     <p:spTree>
       <p:nvGrpSpPr>
@@ -4096,8 +4301,8 @@
 </p:sld>
 </file>
 
-<file path=ppt/slides/slide13.xml><?xml version="1.0" encoding="utf-8"?>
-<p:sld xmlns:a="http://schemas.openxmlformats.org/drawingml/2006/main" xmlns:r="http://schemas.openxmlformats.org/officeDocument/2006/relationships" xmlns:p="http://schemas.openxmlformats.org/presentationml/2006/main">
+<file path=ppt/slides/slide14.xml><?xml version="1.0" encoding="utf-8"?>
+<p:sld xmlns:a="http://schemas.openxmlformats.org/drawingml/2006/main" xmlns:r="http://schemas.openxmlformats.org/officeDocument/2006/relationships" xmlns:mc="http://schemas.openxmlformats.org/markup-compatibility/2006" xmlns:mv="urn:schemas-microsoft-com:mac:vml" xmlns:p="http://schemas.openxmlformats.org/presentationml/2006/main" mc:Ignorable="mv" mc:PreserveAttributes="mv:*">
   <p:cSld>
     <p:spTree>
       <p:nvGrpSpPr>
@@ -4195,8 +4400,8 @@
 </p:sld>
 </file>
 
-<file path=ppt/slides/slide14.xml><?xml version="1.0" encoding="utf-8"?>
-<p:sld xmlns:a="http://schemas.openxmlformats.org/drawingml/2006/main" xmlns:r="http://schemas.openxmlformats.org/officeDocument/2006/relationships" xmlns:p="http://schemas.openxmlformats.org/presentationml/2006/main">
+<file path=ppt/slides/slide15.xml><?xml version="1.0" encoding="utf-8"?>
+<p:sld xmlns:a="http://schemas.openxmlformats.org/drawingml/2006/main" xmlns:r="http://schemas.openxmlformats.org/officeDocument/2006/relationships" xmlns:mc="http://schemas.openxmlformats.org/markup-compatibility/2006" xmlns:mv="urn:schemas-microsoft-com:mac:vml" xmlns:p="http://schemas.openxmlformats.org/presentationml/2006/main" mc:Ignorable="mv" mc:PreserveAttributes="mv:*">
   <p:cSld>
     <p:spTree>
       <p:nvGrpSpPr>
@@ -4390,8 +4595,8 @@
 </p:sld>
 </file>
 
-<file path=ppt/slides/slide15.xml><?xml version="1.0" encoding="utf-8"?>
-<p:sld xmlns:a="http://schemas.openxmlformats.org/drawingml/2006/main" xmlns:r="http://schemas.openxmlformats.org/officeDocument/2006/relationships" xmlns:p="http://schemas.openxmlformats.org/presentationml/2006/main">
+<file path=ppt/slides/slide16.xml><?xml version="1.0" encoding="utf-8"?>
+<p:sld xmlns:a="http://schemas.openxmlformats.org/drawingml/2006/main" xmlns:r="http://schemas.openxmlformats.org/officeDocument/2006/relationships" xmlns:mc="http://schemas.openxmlformats.org/markup-compatibility/2006" xmlns:mv="urn:schemas-microsoft-com:mac:vml" xmlns:p="http://schemas.openxmlformats.org/presentationml/2006/main" mc:Ignorable="mv" mc:PreserveAttributes="mv:*">
   <p:cSld>
     <p:spTree>
       <p:nvGrpSpPr>
@@ -4537,8 +4742,8 @@
 </p:sld>
 </file>
 
-<file path=ppt/slides/slide16.xml><?xml version="1.0" encoding="utf-8"?>
-<p:sld xmlns:a="http://schemas.openxmlformats.org/drawingml/2006/main" xmlns:r="http://schemas.openxmlformats.org/officeDocument/2006/relationships" xmlns:p="http://schemas.openxmlformats.org/presentationml/2006/main">
+<file path=ppt/slides/slide17.xml><?xml version="1.0" encoding="utf-8"?>
+<p:sld xmlns:a="http://schemas.openxmlformats.org/drawingml/2006/main" xmlns:r="http://schemas.openxmlformats.org/officeDocument/2006/relationships" xmlns:mc="http://schemas.openxmlformats.org/markup-compatibility/2006" xmlns:mv="urn:schemas-microsoft-com:mac:vml" xmlns:p="http://schemas.openxmlformats.org/presentationml/2006/main" mc:Ignorable="mv" mc:PreserveAttributes="mv:*">
   <p:cSld>
     <p:spTree>
       <p:nvGrpSpPr>
@@ -4732,8 +4937,8 @@
 </p:sld>
 </file>
 
-<file path=ppt/slides/slide17.xml><?xml version="1.0" encoding="utf-8"?>
-<p:sld xmlns:a="http://schemas.openxmlformats.org/drawingml/2006/main" xmlns:r="http://schemas.openxmlformats.org/officeDocument/2006/relationships" xmlns:p="http://schemas.openxmlformats.org/presentationml/2006/main">
+<file path=ppt/slides/slide18.xml><?xml version="1.0" encoding="utf-8"?>
+<p:sld xmlns:a="http://schemas.openxmlformats.org/drawingml/2006/main" xmlns:r="http://schemas.openxmlformats.org/officeDocument/2006/relationships" xmlns:mc="http://schemas.openxmlformats.org/markup-compatibility/2006" xmlns:mv="urn:schemas-microsoft-com:mac:vml" xmlns:p="http://schemas.openxmlformats.org/presentationml/2006/main" mc:Ignorable="mv" mc:PreserveAttributes="mv:*">
   <p:cSld>
     <p:spTree>
       <p:nvGrpSpPr>
@@ -4879,8 +5084,8 @@
 </p:sld>
 </file>
 
-<file path=ppt/slides/slide18.xml><?xml version="1.0" encoding="utf-8"?>
-<p:sld xmlns:a="http://schemas.openxmlformats.org/drawingml/2006/main" xmlns:r="http://schemas.openxmlformats.org/officeDocument/2006/relationships" xmlns:p="http://schemas.openxmlformats.org/presentationml/2006/main">
+<file path=ppt/slides/slide19.xml><?xml version="1.0" encoding="utf-8"?>
+<p:sld xmlns:a="http://schemas.openxmlformats.org/drawingml/2006/main" xmlns:r="http://schemas.openxmlformats.org/officeDocument/2006/relationships" xmlns:mc="http://schemas.openxmlformats.org/markup-compatibility/2006" xmlns:mv="urn:schemas-microsoft-com:mac:vml" xmlns:p="http://schemas.openxmlformats.org/presentationml/2006/main" mc:Ignorable="mv" mc:PreserveAttributes="mv:*">
   <p:cSld>
     <p:spTree>
       <p:nvGrpSpPr>
@@ -4995,8 +5200,8 @@
 </p:sld>
 </file>
 
-<file path=ppt/slides/slide19.xml><?xml version="1.0" encoding="utf-8"?>
-<p:sld xmlns:a="http://schemas.openxmlformats.org/drawingml/2006/main" xmlns:r="http://schemas.openxmlformats.org/officeDocument/2006/relationships" xmlns:p="http://schemas.openxmlformats.org/presentationml/2006/main">
+<file path=ppt/slides/slide2.xml><?xml version="1.0" encoding="utf-8"?>
+<p:sld xmlns:a="http://schemas.openxmlformats.org/drawingml/2006/main" xmlns:r="http://schemas.openxmlformats.org/officeDocument/2006/relationships" xmlns:mc="http://schemas.openxmlformats.org/markup-compatibility/2006" xmlns:mv="urn:schemas-microsoft-com:mac:vml" xmlns:p="http://schemas.openxmlformats.org/presentationml/2006/main" mc:Ignorable="mv" mc:PreserveAttributes="mv:*">
   <p:cSld>
     <p:spTree>
       <p:nvGrpSpPr>
@@ -5024,320 +5229,137 @@
         </p:nvSpPr>
         <p:spPr/>
         <p:txBody>
+          <a:bodyPr/>
+          <a:lstStyle/>
+          <a:p>
+            <a:r>
+              <a:rPr lang="en-US" dirty="0" smtClean="0"/>
+              <a:t>Outline</a:t>
+            </a:r>
+            <a:endParaRPr lang="en-US" dirty="0"/>
+          </a:p>
+        </p:txBody>
+      </p:sp>
+      <p:sp>
+        <p:nvSpPr>
+          <p:cNvPr id="3" name="Content Placeholder 2"/>
+          <p:cNvSpPr>
+            <a:spLocks noGrp="1"/>
+          </p:cNvSpPr>
+          <p:nvPr>
+            <p:ph idx="1"/>
+          </p:nvPr>
+        </p:nvSpPr>
+        <p:spPr/>
+        <p:txBody>
           <a:bodyPr>
-            <a:normAutofit fontScale="90000"/>
+            <a:normAutofit lnSpcReduction="10000"/>
           </a:bodyPr>
           <a:lstStyle/>
           <a:p>
+            <a:pPr marL="514350" indent="-514350">
+              <a:buFont typeface="+mj-lt"/>
+              <a:buAutoNum type="arabicPeriod"/>
+            </a:pPr>
             <a:r>
               <a:rPr lang="en-US" dirty="0" smtClean="0"/>
-              <a:t>IBM </a:t>
-            </a:r>
+              <a:t>Download Packages from IBM Academic Initiative</a:t>
+            </a:r>
+          </a:p>
+          <a:p>
+            <a:pPr marL="971550" lvl="1" indent="-571500">
+              <a:buFont typeface="+mj-lt"/>
+              <a:buAutoNum type="romanUcPeriod"/>
+            </a:pPr>
             <a:r>
               <a:rPr lang="en-US" dirty="0" err="1" smtClean="0"/>
               <a:t>WebSphere</a:t>
             </a:r>
             <a:r>
               <a:rPr lang="en-US" dirty="0" smtClean="0"/>
-              <a:t> Application Server commands</a:t>
-            </a:r>
+              <a:t> Application Server (WSAS) v6.1</a:t>
+            </a:r>
+          </a:p>
+          <a:p>
+            <a:pPr marL="971550" lvl="1" indent="-571500">
+              <a:buFont typeface="+mj-lt"/>
+              <a:buAutoNum type="romanUcPeriod"/>
+            </a:pPr>
+            <a:r>
+              <a:rPr lang="en-US" dirty="0" smtClean="0"/>
+              <a:t>Rational Performance Tester</a:t>
+            </a:r>
+            <a:r>
+              <a:rPr lang="en-US" dirty="0" smtClean="0"/>
+              <a:t> (</a:t>
+            </a:r>
+            <a:r>
+              <a:rPr lang="en-US" dirty="0" smtClean="0"/>
+              <a:t>RPT)</a:t>
+            </a:r>
+            <a:r>
+              <a:rPr lang="en-US" dirty="0" smtClean="0"/>
+              <a:t> Agent v8.0</a:t>
+            </a:r>
+            <a:endParaRPr lang="en-US" dirty="0" smtClean="0"/>
+          </a:p>
+          <a:p>
+            <a:pPr marL="514350" indent="-514350">
+              <a:buFont typeface="+mj-lt"/>
+              <a:buAutoNum type="arabicPeriod"/>
+            </a:pPr>
+            <a:r>
+              <a:rPr lang="en-US" dirty="0" smtClean="0"/>
+              <a:t>Install Packages on the Server side</a:t>
+            </a:r>
+          </a:p>
+          <a:p>
+            <a:pPr marL="971550" lvl="1" indent="-571500">
+              <a:buFont typeface="+mj-lt"/>
+              <a:buAutoNum type="romanUcPeriod"/>
+            </a:pPr>
+            <a:r>
+              <a:rPr lang="en-US" dirty="0" smtClean="0"/>
+              <a:t>WSAS v6.1</a:t>
+            </a:r>
+          </a:p>
+          <a:p>
+            <a:pPr marL="971550" lvl="1" indent="-571500">
+              <a:buFont typeface="+mj-lt"/>
+              <a:buAutoNum type="romanUcPeriod"/>
+            </a:pPr>
+            <a:r>
+              <a:rPr lang="en-US" dirty="0" smtClean="0"/>
+              <a:t>RPT Agent (with DCI) v8.0</a:t>
+            </a:r>
+            <a:endParaRPr lang="en-US" dirty="0" smtClean="0"/>
+          </a:p>
+          <a:p>
+            <a:pPr marL="514350" indent="-514350">
+              <a:buFont typeface="+mj-lt"/>
+              <a:buAutoNum type="arabicPeriod"/>
+            </a:pPr>
+            <a:r>
+              <a:rPr lang="en-US" dirty="0" smtClean="0"/>
+              <a:t>Install Packages on the Client side</a:t>
+            </a:r>
+          </a:p>
+          <a:p>
+            <a:pPr marL="971550" lvl="1" indent="-571500">
+              <a:buFont typeface="+mj-lt"/>
+              <a:buAutoNum type="romanUcPeriod"/>
+            </a:pPr>
+            <a:r>
+              <a:rPr lang="en-US" dirty="0" smtClean="0"/>
+              <a:t>RPT (with Agent) v8.0 </a:t>
+            </a:r>
+          </a:p>
+          <a:p>
+            <a:pPr marL="971550" lvl="1" indent="-571500">
+              <a:buFont typeface="+mj-lt"/>
+              <a:buAutoNum type="romanUcPeriod"/>
+            </a:pPr>
             <a:endParaRPr lang="en-US" dirty="0"/>
-          </a:p>
-        </p:txBody>
-      </p:sp>
-      <p:sp>
-        <p:nvSpPr>
-          <p:cNvPr id="3" name="Content Placeholder 2"/>
-          <p:cNvSpPr>
-            <a:spLocks noGrp="1"/>
-          </p:cNvSpPr>
-          <p:nvPr>
-            <p:ph idx="1"/>
-          </p:nvPr>
-        </p:nvSpPr>
-        <p:spPr/>
-        <p:txBody>
-          <a:bodyPr>
-            <a:normAutofit fontScale="77500" lnSpcReduction="20000"/>
-          </a:bodyPr>
-          <a:lstStyle/>
-          <a:p>
-            <a:r>
-              <a:rPr lang="en-US" sz="2800" dirty="0" smtClean="0"/>
-              <a:t>Start the IBM </a:t>
-            </a:r>
-            <a:r>
-              <a:rPr lang="en-US" sz="2800" dirty="0" err="1" smtClean="0"/>
-              <a:t>WebSphere</a:t>
-            </a:r>
-            <a:r>
-              <a:rPr lang="en-US" sz="2800" dirty="0" smtClean="0"/>
-              <a:t> Application server</a:t>
-            </a:r>
-          </a:p>
-          <a:p>
-            <a:pPr lvl="1"/>
-            <a:r>
-              <a:rPr lang="en-US" sz="2400" dirty="0" smtClean="0">
-                <a:latin typeface="Courier New" pitchFamily="49" charset="0"/>
-                <a:cs typeface="Courier New" pitchFamily="49" charset="0"/>
-              </a:rPr>
-              <a:t>/opt/IBM/</a:t>
-            </a:r>
-            <a:r>
-              <a:rPr lang="en-US" sz="2400" dirty="0" err="1" smtClean="0">
-                <a:latin typeface="Courier New" pitchFamily="49" charset="0"/>
-                <a:cs typeface="Courier New" pitchFamily="49" charset="0"/>
-              </a:rPr>
-              <a:t>WebSphere</a:t>
-            </a:r>
-            <a:r>
-              <a:rPr lang="en-US" sz="2400" dirty="0" smtClean="0">
-                <a:latin typeface="Courier New" pitchFamily="49" charset="0"/>
-                <a:cs typeface="Courier New" pitchFamily="49" charset="0"/>
-              </a:rPr>
-              <a:t>/</a:t>
-            </a:r>
-            <a:r>
-              <a:rPr lang="en-US" sz="2400" dirty="0" err="1" smtClean="0">
-                <a:latin typeface="Courier New" pitchFamily="49" charset="0"/>
-                <a:cs typeface="Courier New" pitchFamily="49" charset="0"/>
-              </a:rPr>
-              <a:t>AppServer</a:t>
-            </a:r>
-            <a:r>
-              <a:rPr lang="en-US" sz="2400" dirty="0" smtClean="0">
-                <a:latin typeface="Courier New" pitchFamily="49" charset="0"/>
-                <a:cs typeface="Courier New" pitchFamily="49" charset="0"/>
-              </a:rPr>
-              <a:t>/bin/startServer.sh server1</a:t>
-            </a:r>
-          </a:p>
-          <a:p>
-            <a:r>
-              <a:rPr lang="en-US" sz="2800" dirty="0" smtClean="0"/>
-              <a:t>Stop the IBM </a:t>
-            </a:r>
-            <a:r>
-              <a:rPr lang="en-US" sz="2800" dirty="0" err="1" smtClean="0"/>
-              <a:t>WebSphere</a:t>
-            </a:r>
-            <a:r>
-              <a:rPr lang="en-US" sz="2800" dirty="0" smtClean="0"/>
-              <a:t> Application server</a:t>
-            </a:r>
-          </a:p>
-          <a:p>
-            <a:pPr lvl="1"/>
-            <a:r>
-              <a:rPr lang="en-US" sz="2400" dirty="0" smtClean="0">
-                <a:latin typeface="Courier New" pitchFamily="49" charset="0"/>
-                <a:cs typeface="Courier New" pitchFamily="49" charset="0"/>
-              </a:rPr>
-              <a:t>/opt/IBM/</a:t>
-            </a:r>
-            <a:r>
-              <a:rPr lang="en-US" sz="2400" dirty="0" err="1" smtClean="0">
-                <a:latin typeface="Courier New" pitchFamily="49" charset="0"/>
-                <a:cs typeface="Courier New" pitchFamily="49" charset="0"/>
-              </a:rPr>
-              <a:t>WebSphere</a:t>
-            </a:r>
-            <a:r>
-              <a:rPr lang="en-US" sz="2400" dirty="0" smtClean="0">
-                <a:latin typeface="Courier New" pitchFamily="49" charset="0"/>
-                <a:cs typeface="Courier New" pitchFamily="49" charset="0"/>
-              </a:rPr>
-              <a:t>/</a:t>
-            </a:r>
-            <a:r>
-              <a:rPr lang="en-US" sz="2400" dirty="0" err="1" smtClean="0">
-                <a:latin typeface="Courier New" pitchFamily="49" charset="0"/>
-                <a:cs typeface="Courier New" pitchFamily="49" charset="0"/>
-              </a:rPr>
-              <a:t>AppServer</a:t>
-            </a:r>
-            <a:r>
-              <a:rPr lang="en-US" sz="2400" dirty="0" smtClean="0">
-                <a:latin typeface="Courier New" pitchFamily="49" charset="0"/>
-                <a:cs typeface="Courier New" pitchFamily="49" charset="0"/>
-              </a:rPr>
-              <a:t>/bin/stopServer.sh server1</a:t>
-            </a:r>
-          </a:p>
-          <a:p>
-            <a:r>
-              <a:rPr lang="en-US" sz="2800" dirty="0" smtClean="0">
-                <a:cs typeface="Courier New" pitchFamily="49" charset="0"/>
-              </a:rPr>
-              <a:t>Check status of the IBM </a:t>
-            </a:r>
-            <a:r>
-              <a:rPr lang="en-US" sz="2800" dirty="0" err="1" smtClean="0">
-                <a:cs typeface="Courier New" pitchFamily="49" charset="0"/>
-              </a:rPr>
-              <a:t>WebSphere</a:t>
-            </a:r>
-            <a:r>
-              <a:rPr lang="en-US" sz="2800" dirty="0" smtClean="0">
-                <a:cs typeface="Courier New" pitchFamily="49" charset="0"/>
-              </a:rPr>
-              <a:t> Application Server</a:t>
-            </a:r>
-          </a:p>
-          <a:p>
-            <a:pPr lvl="1"/>
-            <a:r>
-              <a:rPr lang="en-US" sz="2400" dirty="0" smtClean="0">
-                <a:latin typeface="Courier New" pitchFamily="49" charset="0"/>
-                <a:cs typeface="Courier New" pitchFamily="49" charset="0"/>
-              </a:rPr>
-              <a:t>/opt/IBM/</a:t>
-            </a:r>
-            <a:r>
-              <a:rPr lang="en-US" sz="2400" dirty="0" err="1" smtClean="0">
-                <a:latin typeface="Courier New" pitchFamily="49" charset="0"/>
-                <a:cs typeface="Courier New" pitchFamily="49" charset="0"/>
-              </a:rPr>
-              <a:t>WebSphere</a:t>
-            </a:r>
-            <a:r>
-              <a:rPr lang="en-US" sz="2400" dirty="0" smtClean="0">
-                <a:latin typeface="Courier New" pitchFamily="49" charset="0"/>
-                <a:cs typeface="Courier New" pitchFamily="49" charset="0"/>
-              </a:rPr>
-              <a:t>/</a:t>
-            </a:r>
-            <a:r>
-              <a:rPr lang="en-US" sz="2400" dirty="0" err="1" smtClean="0">
-                <a:latin typeface="Courier New" pitchFamily="49" charset="0"/>
-                <a:cs typeface="Courier New" pitchFamily="49" charset="0"/>
-              </a:rPr>
-              <a:t>AppServer</a:t>
-            </a:r>
-            <a:r>
-              <a:rPr lang="en-US" sz="2400" dirty="0" smtClean="0">
-                <a:latin typeface="Courier New" pitchFamily="49" charset="0"/>
-                <a:cs typeface="Courier New" pitchFamily="49" charset="0"/>
-              </a:rPr>
-              <a:t>/bin/serverStatus.sh server1</a:t>
-            </a:r>
-          </a:p>
-          <a:p>
-            <a:r>
-              <a:rPr lang="en-US" sz="2800" dirty="0" smtClean="0">
-                <a:cs typeface="Courier New" pitchFamily="49" charset="0"/>
-              </a:rPr>
-              <a:t>Regenerate the Web server plug-in </a:t>
-            </a:r>
-            <a:r>
-              <a:rPr lang="en-US" sz="2800" dirty="0" err="1" smtClean="0">
-                <a:cs typeface="Courier New" pitchFamily="49" charset="0"/>
-              </a:rPr>
-              <a:t>config</a:t>
-            </a:r>
-            <a:r>
-              <a:rPr lang="en-US" sz="2800" dirty="0" smtClean="0">
-                <a:cs typeface="Courier New" pitchFamily="49" charset="0"/>
-              </a:rPr>
-              <a:t> file (which connects WAS to the Web Server)</a:t>
-            </a:r>
-          </a:p>
-          <a:p>
-            <a:pPr lvl="1"/>
-            <a:r>
-              <a:rPr lang="en-US" sz="2400" dirty="0" smtClean="0">
-                <a:latin typeface="Courier New" pitchFamily="49" charset="0"/>
-                <a:cs typeface="Courier New" pitchFamily="49" charset="0"/>
-              </a:rPr>
-              <a:t>/opt/IBM/</a:t>
-            </a:r>
-            <a:r>
-              <a:rPr lang="en-US" sz="2400" dirty="0" err="1" smtClean="0">
-                <a:latin typeface="Courier New" pitchFamily="49" charset="0"/>
-                <a:cs typeface="Courier New" pitchFamily="49" charset="0"/>
-              </a:rPr>
-              <a:t>WebSphere</a:t>
-            </a:r>
-            <a:r>
-              <a:rPr lang="en-US" sz="2400" dirty="0" smtClean="0">
-                <a:latin typeface="Courier New" pitchFamily="49" charset="0"/>
-                <a:cs typeface="Courier New" pitchFamily="49" charset="0"/>
-              </a:rPr>
-              <a:t>/</a:t>
-            </a:r>
-            <a:r>
-              <a:rPr lang="en-US" sz="2400" dirty="0" err="1" smtClean="0">
-                <a:latin typeface="Courier New" pitchFamily="49" charset="0"/>
-                <a:cs typeface="Courier New" pitchFamily="49" charset="0"/>
-              </a:rPr>
-              <a:t>AppServer</a:t>
-            </a:r>
-            <a:r>
-              <a:rPr lang="en-US" sz="2400" dirty="0" smtClean="0">
-                <a:latin typeface="Courier New" pitchFamily="49" charset="0"/>
-                <a:cs typeface="Courier New" pitchFamily="49" charset="0"/>
-              </a:rPr>
-              <a:t>/bin/GenPluginCfg.sh</a:t>
-            </a:r>
-          </a:p>
-          <a:p>
-            <a:r>
-              <a:rPr lang="en-US" sz="2800" dirty="0" smtClean="0">
-                <a:cs typeface="Courier New" pitchFamily="49" charset="0"/>
-              </a:rPr>
-              <a:t>Use the IBM </a:t>
-            </a:r>
-            <a:r>
-              <a:rPr lang="en-US" sz="2800" dirty="0" err="1" smtClean="0">
-                <a:cs typeface="Courier New" pitchFamily="49" charset="0"/>
-              </a:rPr>
-              <a:t>WebSphere</a:t>
-            </a:r>
-            <a:r>
-              <a:rPr lang="en-US" sz="2800" dirty="0" smtClean="0">
-                <a:cs typeface="Courier New" pitchFamily="49" charset="0"/>
-              </a:rPr>
-              <a:t> command line administration tool</a:t>
-            </a:r>
-          </a:p>
-          <a:p>
-            <a:pPr lvl="1"/>
-            <a:r>
-              <a:rPr lang="en-US" sz="2500" dirty="0" smtClean="0">
-                <a:latin typeface="Courier New" pitchFamily="49" charset="0"/>
-                <a:cs typeface="Courier New" pitchFamily="49" charset="0"/>
-              </a:rPr>
-              <a:t>/opt/IBM/</a:t>
-            </a:r>
-            <a:r>
-              <a:rPr lang="en-US" sz="2500" dirty="0" err="1" smtClean="0">
-                <a:latin typeface="Courier New" pitchFamily="49" charset="0"/>
-                <a:cs typeface="Courier New" pitchFamily="49" charset="0"/>
-              </a:rPr>
-              <a:t>WebSphere</a:t>
-            </a:r>
-            <a:r>
-              <a:rPr lang="en-US" sz="2500" dirty="0" smtClean="0">
-                <a:latin typeface="Courier New" pitchFamily="49" charset="0"/>
-                <a:cs typeface="Courier New" pitchFamily="49" charset="0"/>
-              </a:rPr>
-              <a:t>/</a:t>
-            </a:r>
-            <a:r>
-              <a:rPr lang="en-US" sz="2500" dirty="0" err="1" smtClean="0">
-                <a:latin typeface="Courier New" pitchFamily="49" charset="0"/>
-                <a:cs typeface="Courier New" pitchFamily="49" charset="0"/>
-              </a:rPr>
-              <a:t>AppServer</a:t>
-            </a:r>
-            <a:r>
-              <a:rPr lang="en-US" sz="2500" dirty="0" smtClean="0">
-                <a:latin typeface="Courier New" pitchFamily="49" charset="0"/>
-                <a:cs typeface="Courier New" pitchFamily="49" charset="0"/>
-              </a:rPr>
-              <a:t>/bin/wsadmin.sh</a:t>
-            </a:r>
           </a:p>
         </p:txBody>
       </p:sp>
@@ -5349,8 +5371,8 @@
 </p:sld>
 </file>
 
-<file path=ppt/slides/slide2.xml><?xml version="1.0" encoding="utf-8"?>
-<p:sld xmlns:a="http://schemas.openxmlformats.org/drawingml/2006/main" xmlns:r="http://schemas.openxmlformats.org/officeDocument/2006/relationships" xmlns:p="http://schemas.openxmlformats.org/presentationml/2006/main">
+<file path=ppt/slides/slide20.xml><?xml version="1.0" encoding="utf-8"?>
+<p:sld xmlns:a="http://schemas.openxmlformats.org/drawingml/2006/main" xmlns:r="http://schemas.openxmlformats.org/officeDocument/2006/relationships" xmlns:mc="http://schemas.openxmlformats.org/markup-compatibility/2006" xmlns:mv="urn:schemas-microsoft-com:mac:vml" xmlns:p="http://schemas.openxmlformats.org/presentationml/2006/main" mc:Ignorable="mv" mc:PreserveAttributes="mv:*">
   <p:cSld>
     <p:spTree>
       <p:nvGrpSpPr>
@@ -5378,124 +5400,320 @@
         </p:nvSpPr>
         <p:spPr/>
         <p:txBody>
-          <a:bodyPr/>
+          <a:bodyPr>
+            <a:normAutofit fontScale="90000"/>
+          </a:bodyPr>
           <a:lstStyle/>
           <a:p>
             <a:r>
               <a:rPr lang="en-US" dirty="0" smtClean="0"/>
-              <a:t>Outline</a:t>
-            </a:r>
-            <a:endParaRPr lang="en-US" dirty="0"/>
-          </a:p>
-        </p:txBody>
-      </p:sp>
-      <p:sp>
-        <p:nvSpPr>
-          <p:cNvPr id="3" name="Content Placeholder 2"/>
-          <p:cNvSpPr>
-            <a:spLocks noGrp="1"/>
-          </p:cNvSpPr>
-          <p:nvPr>
-            <p:ph idx="1"/>
-          </p:nvPr>
-        </p:nvSpPr>
-        <p:spPr/>
-        <p:txBody>
-          <a:bodyPr>
-            <a:normAutofit lnSpcReduction="10000"/>
-          </a:bodyPr>
-          <a:lstStyle/>
-          <a:p>
-            <a:pPr marL="514350" indent="-514350">
-              <a:buFont typeface="+mj-lt"/>
-              <a:buAutoNum type="arabicPeriod"/>
-            </a:pPr>
-            <a:r>
-              <a:rPr lang="en-US" dirty="0" smtClean="0"/>
-              <a:t>Download Packages from IBM Academic Initiative</a:t>
-            </a:r>
-          </a:p>
-          <a:p>
-            <a:pPr marL="971550" lvl="1" indent="-571500">
-              <a:buFont typeface="+mj-lt"/>
-              <a:buAutoNum type="romanUcPeriod"/>
-            </a:pPr>
+              <a:t>IBM </a:t>
+            </a:r>
             <a:r>
               <a:rPr lang="en-US" dirty="0" err="1" smtClean="0"/>
               <a:t>WebSphere</a:t>
             </a:r>
             <a:r>
               <a:rPr lang="en-US" dirty="0" smtClean="0"/>
-              <a:t> Application Server (WSAS) v6.1</a:t>
-            </a:r>
-          </a:p>
-          <a:p>
-            <a:pPr marL="971550" lvl="1" indent="-571500">
-              <a:buFont typeface="+mj-lt"/>
-              <a:buAutoNum type="romanUcPeriod"/>
-            </a:pPr>
-            <a:r>
-              <a:rPr lang="en-US" dirty="0" smtClean="0"/>
-              <a:t>Rational Performance Tester (RPT) v8.0</a:t>
-            </a:r>
-          </a:p>
-          <a:p>
-            <a:pPr marL="514350" indent="-514350">
-              <a:buFont typeface="+mj-lt"/>
-              <a:buAutoNum type="arabicPeriod"/>
-            </a:pPr>
-            <a:r>
-              <a:rPr lang="en-US" dirty="0" smtClean="0"/>
-              <a:t>Install Packages on the Server side</a:t>
-            </a:r>
-          </a:p>
-          <a:p>
-            <a:pPr marL="971550" lvl="1" indent="-571500">
-              <a:buFont typeface="+mj-lt"/>
-              <a:buAutoNum type="romanUcPeriod"/>
-            </a:pPr>
-            <a:r>
-              <a:rPr lang="en-US" dirty="0" smtClean="0"/>
-              <a:t>WSAS v6.1</a:t>
-            </a:r>
-          </a:p>
-          <a:p>
-            <a:pPr marL="971550" lvl="1" indent="-571500">
-              <a:buFont typeface="+mj-lt"/>
-              <a:buAutoNum type="romanUcPeriod"/>
-            </a:pPr>
-            <a:r>
-              <a:rPr lang="en-US" dirty="0" smtClean="0"/>
-              <a:t>RPT Agent (with DCI) v8.0</a:t>
-            </a:r>
-          </a:p>
-          <a:p>
-            <a:pPr marL="514350" indent="-514350">
-              <a:buFont typeface="+mj-lt"/>
-              <a:buAutoNum type="arabicPeriod"/>
-            </a:pPr>
-            <a:r>
-              <a:rPr lang="en-US" dirty="0" smtClean="0"/>
-              <a:t>Install Packages on the Client side</a:t>
-            </a:r>
-          </a:p>
-          <a:p>
-            <a:pPr marL="971550" lvl="1" indent="-571500">
-              <a:buFont typeface="+mj-lt"/>
-              <a:buAutoNum type="romanUcPeriod"/>
-            </a:pPr>
-            <a:r>
-              <a:rPr lang="en-US" smtClean="0"/>
-              <a:t>RPT (with Agent) v8.0 </a:t>
-            </a:r>
-            <a:endParaRPr lang="en-US" dirty="0" smtClean="0"/>
-          </a:p>
-          <a:p>
-            <a:pPr marL="971550" lvl="1" indent="-571500">
-              <a:buFont typeface="+mj-lt"/>
-              <a:buAutoNum type="romanUcPeriod"/>
-            </a:pPr>
+              <a:t> Application Server commands</a:t>
+            </a:r>
             <a:endParaRPr lang="en-US" dirty="0"/>
+          </a:p>
+        </p:txBody>
+      </p:sp>
+      <p:sp>
+        <p:nvSpPr>
+          <p:cNvPr id="3" name="Content Placeholder 2"/>
+          <p:cNvSpPr>
+            <a:spLocks noGrp="1"/>
+          </p:cNvSpPr>
+          <p:nvPr>
+            <p:ph idx="1"/>
+          </p:nvPr>
+        </p:nvSpPr>
+        <p:spPr/>
+        <p:txBody>
+          <a:bodyPr>
+            <a:normAutofit fontScale="77500" lnSpcReduction="20000"/>
+          </a:bodyPr>
+          <a:lstStyle/>
+          <a:p>
+            <a:r>
+              <a:rPr lang="en-US" sz="2800" dirty="0" smtClean="0"/>
+              <a:t>Start the IBM </a:t>
+            </a:r>
+            <a:r>
+              <a:rPr lang="en-US" sz="2800" dirty="0" err="1" smtClean="0"/>
+              <a:t>WebSphere</a:t>
+            </a:r>
+            <a:r>
+              <a:rPr lang="en-US" sz="2800" dirty="0" smtClean="0"/>
+              <a:t> Application server</a:t>
+            </a:r>
+          </a:p>
+          <a:p>
+            <a:pPr lvl="1"/>
+            <a:r>
+              <a:rPr lang="en-US" sz="2400" dirty="0" smtClean="0">
+                <a:latin typeface="Courier New" pitchFamily="49" charset="0"/>
+                <a:cs typeface="Courier New" pitchFamily="49" charset="0"/>
+              </a:rPr>
+              <a:t>/opt/IBM/</a:t>
+            </a:r>
+            <a:r>
+              <a:rPr lang="en-US" sz="2400" dirty="0" err="1" smtClean="0">
+                <a:latin typeface="Courier New" pitchFamily="49" charset="0"/>
+                <a:cs typeface="Courier New" pitchFamily="49" charset="0"/>
+              </a:rPr>
+              <a:t>WebSphere</a:t>
+            </a:r>
+            <a:r>
+              <a:rPr lang="en-US" sz="2400" dirty="0" smtClean="0">
+                <a:latin typeface="Courier New" pitchFamily="49" charset="0"/>
+                <a:cs typeface="Courier New" pitchFamily="49" charset="0"/>
+              </a:rPr>
+              <a:t>/</a:t>
+            </a:r>
+            <a:r>
+              <a:rPr lang="en-US" sz="2400" dirty="0" err="1" smtClean="0">
+                <a:latin typeface="Courier New" pitchFamily="49" charset="0"/>
+                <a:cs typeface="Courier New" pitchFamily="49" charset="0"/>
+              </a:rPr>
+              <a:t>AppServer</a:t>
+            </a:r>
+            <a:r>
+              <a:rPr lang="en-US" sz="2400" dirty="0" smtClean="0">
+                <a:latin typeface="Courier New" pitchFamily="49" charset="0"/>
+                <a:cs typeface="Courier New" pitchFamily="49" charset="0"/>
+              </a:rPr>
+              <a:t>/bin/startServer.sh server1</a:t>
+            </a:r>
+          </a:p>
+          <a:p>
+            <a:r>
+              <a:rPr lang="en-US" sz="2800" dirty="0" smtClean="0"/>
+              <a:t>Stop the IBM </a:t>
+            </a:r>
+            <a:r>
+              <a:rPr lang="en-US" sz="2800" dirty="0" err="1" smtClean="0"/>
+              <a:t>WebSphere</a:t>
+            </a:r>
+            <a:r>
+              <a:rPr lang="en-US" sz="2800" dirty="0" smtClean="0"/>
+              <a:t> Application server</a:t>
+            </a:r>
+          </a:p>
+          <a:p>
+            <a:pPr lvl="1"/>
+            <a:r>
+              <a:rPr lang="en-US" sz="2400" dirty="0" smtClean="0">
+                <a:latin typeface="Courier New" pitchFamily="49" charset="0"/>
+                <a:cs typeface="Courier New" pitchFamily="49" charset="0"/>
+              </a:rPr>
+              <a:t>/opt/IBM/</a:t>
+            </a:r>
+            <a:r>
+              <a:rPr lang="en-US" sz="2400" dirty="0" err="1" smtClean="0">
+                <a:latin typeface="Courier New" pitchFamily="49" charset="0"/>
+                <a:cs typeface="Courier New" pitchFamily="49" charset="0"/>
+              </a:rPr>
+              <a:t>WebSphere</a:t>
+            </a:r>
+            <a:r>
+              <a:rPr lang="en-US" sz="2400" dirty="0" smtClean="0">
+                <a:latin typeface="Courier New" pitchFamily="49" charset="0"/>
+                <a:cs typeface="Courier New" pitchFamily="49" charset="0"/>
+              </a:rPr>
+              <a:t>/</a:t>
+            </a:r>
+            <a:r>
+              <a:rPr lang="en-US" sz="2400" dirty="0" err="1" smtClean="0">
+                <a:latin typeface="Courier New" pitchFamily="49" charset="0"/>
+                <a:cs typeface="Courier New" pitchFamily="49" charset="0"/>
+              </a:rPr>
+              <a:t>AppServer</a:t>
+            </a:r>
+            <a:r>
+              <a:rPr lang="en-US" sz="2400" dirty="0" smtClean="0">
+                <a:latin typeface="Courier New" pitchFamily="49" charset="0"/>
+                <a:cs typeface="Courier New" pitchFamily="49" charset="0"/>
+              </a:rPr>
+              <a:t>/bin/stopServer.sh server1</a:t>
+            </a:r>
+          </a:p>
+          <a:p>
+            <a:r>
+              <a:rPr lang="en-US" sz="2800" dirty="0" smtClean="0">
+                <a:cs typeface="Courier New" pitchFamily="49" charset="0"/>
+              </a:rPr>
+              <a:t>Check status of the IBM </a:t>
+            </a:r>
+            <a:r>
+              <a:rPr lang="en-US" sz="2800" dirty="0" err="1" smtClean="0">
+                <a:cs typeface="Courier New" pitchFamily="49" charset="0"/>
+              </a:rPr>
+              <a:t>WebSphere</a:t>
+            </a:r>
+            <a:r>
+              <a:rPr lang="en-US" sz="2800" dirty="0" smtClean="0">
+                <a:cs typeface="Courier New" pitchFamily="49" charset="0"/>
+              </a:rPr>
+              <a:t> Application Server</a:t>
+            </a:r>
+          </a:p>
+          <a:p>
+            <a:pPr lvl="1"/>
+            <a:r>
+              <a:rPr lang="en-US" sz="2400" dirty="0" smtClean="0">
+                <a:latin typeface="Courier New" pitchFamily="49" charset="0"/>
+                <a:cs typeface="Courier New" pitchFamily="49" charset="0"/>
+              </a:rPr>
+              <a:t>/opt/IBM/</a:t>
+            </a:r>
+            <a:r>
+              <a:rPr lang="en-US" sz="2400" dirty="0" err="1" smtClean="0">
+                <a:latin typeface="Courier New" pitchFamily="49" charset="0"/>
+                <a:cs typeface="Courier New" pitchFamily="49" charset="0"/>
+              </a:rPr>
+              <a:t>WebSphere</a:t>
+            </a:r>
+            <a:r>
+              <a:rPr lang="en-US" sz="2400" dirty="0" smtClean="0">
+                <a:latin typeface="Courier New" pitchFamily="49" charset="0"/>
+                <a:cs typeface="Courier New" pitchFamily="49" charset="0"/>
+              </a:rPr>
+              <a:t>/</a:t>
+            </a:r>
+            <a:r>
+              <a:rPr lang="en-US" sz="2400" dirty="0" err="1" smtClean="0">
+                <a:latin typeface="Courier New" pitchFamily="49" charset="0"/>
+                <a:cs typeface="Courier New" pitchFamily="49" charset="0"/>
+              </a:rPr>
+              <a:t>AppServer</a:t>
+            </a:r>
+            <a:r>
+              <a:rPr lang="en-US" sz="2400" dirty="0" smtClean="0">
+                <a:latin typeface="Courier New" pitchFamily="49" charset="0"/>
+                <a:cs typeface="Courier New" pitchFamily="49" charset="0"/>
+              </a:rPr>
+              <a:t>/bin/serverStatus.sh server1</a:t>
+            </a:r>
+          </a:p>
+          <a:p>
+            <a:r>
+              <a:rPr lang="en-US" sz="2800" dirty="0" smtClean="0">
+                <a:cs typeface="Courier New" pitchFamily="49" charset="0"/>
+              </a:rPr>
+              <a:t>Regenerate the Web server plug-in </a:t>
+            </a:r>
+            <a:r>
+              <a:rPr lang="en-US" sz="2800" dirty="0" err="1" smtClean="0">
+                <a:cs typeface="Courier New" pitchFamily="49" charset="0"/>
+              </a:rPr>
+              <a:t>config</a:t>
+            </a:r>
+            <a:r>
+              <a:rPr lang="en-US" sz="2800" dirty="0" smtClean="0">
+                <a:cs typeface="Courier New" pitchFamily="49" charset="0"/>
+              </a:rPr>
+              <a:t> file (which connects WAS to the Web Server)</a:t>
+            </a:r>
+          </a:p>
+          <a:p>
+            <a:pPr lvl="1"/>
+            <a:r>
+              <a:rPr lang="en-US" sz="2400" dirty="0" smtClean="0">
+                <a:latin typeface="Courier New" pitchFamily="49" charset="0"/>
+                <a:cs typeface="Courier New" pitchFamily="49" charset="0"/>
+              </a:rPr>
+              <a:t>/opt/IBM/</a:t>
+            </a:r>
+            <a:r>
+              <a:rPr lang="en-US" sz="2400" dirty="0" err="1" smtClean="0">
+                <a:latin typeface="Courier New" pitchFamily="49" charset="0"/>
+                <a:cs typeface="Courier New" pitchFamily="49" charset="0"/>
+              </a:rPr>
+              <a:t>WebSphere</a:t>
+            </a:r>
+            <a:r>
+              <a:rPr lang="en-US" sz="2400" dirty="0" smtClean="0">
+                <a:latin typeface="Courier New" pitchFamily="49" charset="0"/>
+                <a:cs typeface="Courier New" pitchFamily="49" charset="0"/>
+              </a:rPr>
+              <a:t>/</a:t>
+            </a:r>
+            <a:r>
+              <a:rPr lang="en-US" sz="2400" dirty="0" err="1" smtClean="0">
+                <a:latin typeface="Courier New" pitchFamily="49" charset="0"/>
+                <a:cs typeface="Courier New" pitchFamily="49" charset="0"/>
+              </a:rPr>
+              <a:t>AppServer</a:t>
+            </a:r>
+            <a:r>
+              <a:rPr lang="en-US" sz="2400" dirty="0" smtClean="0">
+                <a:latin typeface="Courier New" pitchFamily="49" charset="0"/>
+                <a:cs typeface="Courier New" pitchFamily="49" charset="0"/>
+              </a:rPr>
+              <a:t>/bin/GenPluginCfg.sh</a:t>
+            </a:r>
+          </a:p>
+          <a:p>
+            <a:r>
+              <a:rPr lang="en-US" sz="2800" dirty="0" smtClean="0">
+                <a:cs typeface="Courier New" pitchFamily="49" charset="0"/>
+              </a:rPr>
+              <a:t>Use the IBM </a:t>
+            </a:r>
+            <a:r>
+              <a:rPr lang="en-US" sz="2800" dirty="0" err="1" smtClean="0">
+                <a:cs typeface="Courier New" pitchFamily="49" charset="0"/>
+              </a:rPr>
+              <a:t>WebSphere</a:t>
+            </a:r>
+            <a:r>
+              <a:rPr lang="en-US" sz="2800" dirty="0" smtClean="0">
+                <a:cs typeface="Courier New" pitchFamily="49" charset="0"/>
+              </a:rPr>
+              <a:t> command line administration tool</a:t>
+            </a:r>
+          </a:p>
+          <a:p>
+            <a:pPr lvl="1"/>
+            <a:r>
+              <a:rPr lang="en-US" sz="2500" dirty="0" smtClean="0">
+                <a:latin typeface="Courier New" pitchFamily="49" charset="0"/>
+                <a:cs typeface="Courier New" pitchFamily="49" charset="0"/>
+              </a:rPr>
+              <a:t>/opt/IBM/</a:t>
+            </a:r>
+            <a:r>
+              <a:rPr lang="en-US" sz="2500" dirty="0" err="1" smtClean="0">
+                <a:latin typeface="Courier New" pitchFamily="49" charset="0"/>
+                <a:cs typeface="Courier New" pitchFamily="49" charset="0"/>
+              </a:rPr>
+              <a:t>WebSphere</a:t>
+            </a:r>
+            <a:r>
+              <a:rPr lang="en-US" sz="2500" dirty="0" smtClean="0">
+                <a:latin typeface="Courier New" pitchFamily="49" charset="0"/>
+                <a:cs typeface="Courier New" pitchFamily="49" charset="0"/>
+              </a:rPr>
+              <a:t>/</a:t>
+            </a:r>
+            <a:r>
+              <a:rPr lang="en-US" sz="2500" dirty="0" err="1" smtClean="0">
+                <a:latin typeface="Courier New" pitchFamily="49" charset="0"/>
+                <a:cs typeface="Courier New" pitchFamily="49" charset="0"/>
+              </a:rPr>
+              <a:t>AppServer</a:t>
+            </a:r>
+            <a:r>
+              <a:rPr lang="en-US" sz="2500" dirty="0" smtClean="0">
+                <a:latin typeface="Courier New" pitchFamily="49" charset="0"/>
+                <a:cs typeface="Courier New" pitchFamily="49" charset="0"/>
+              </a:rPr>
+              <a:t>/bin/wsadmin.sh</a:t>
+            </a:r>
           </a:p>
         </p:txBody>
       </p:sp>
@@ -5507,8 +5725,8 @@
 </p:sld>
 </file>
 
-<file path=ppt/slides/slide20.xml><?xml version="1.0" encoding="utf-8"?>
-<p:sld xmlns:a="http://schemas.openxmlformats.org/drawingml/2006/main" xmlns:r="http://schemas.openxmlformats.org/officeDocument/2006/relationships" xmlns:p="http://schemas.openxmlformats.org/presentationml/2006/main">
+<file path=ppt/slides/slide21.xml><?xml version="1.0" encoding="utf-8"?>
+<p:sld xmlns:a="http://schemas.openxmlformats.org/drawingml/2006/main" xmlns:r="http://schemas.openxmlformats.org/officeDocument/2006/relationships" xmlns:mc="http://schemas.openxmlformats.org/markup-compatibility/2006" xmlns:mv="urn:schemas-microsoft-com:mac:vml" xmlns:p="http://schemas.openxmlformats.org/presentationml/2006/main" mc:Ignorable="mv" mc:PreserveAttributes="mv:*">
   <p:cSld>
     <p:spTree>
       <p:nvGrpSpPr>
@@ -5747,8 +5965,8 @@
 </p:sld>
 </file>
 
-<file path=ppt/slides/slide21.xml><?xml version="1.0" encoding="utf-8"?>
-<p:sld xmlns:a="http://schemas.openxmlformats.org/drawingml/2006/main" xmlns:r="http://schemas.openxmlformats.org/officeDocument/2006/relationships" xmlns:p="http://schemas.openxmlformats.org/presentationml/2006/main">
+<file path=ppt/slides/slide22.xml><?xml version="1.0" encoding="utf-8"?>
+<p:sld xmlns:a="http://schemas.openxmlformats.org/drawingml/2006/main" xmlns:r="http://schemas.openxmlformats.org/officeDocument/2006/relationships" xmlns:mc="http://schemas.openxmlformats.org/markup-compatibility/2006" xmlns:mv="urn:schemas-microsoft-com:mac:vml" xmlns:p="http://schemas.openxmlformats.org/presentationml/2006/main" mc:Ignorable="mv" mc:PreserveAttributes="mv:*">
   <p:cSld>
     <p:spTree>
       <p:nvGrpSpPr>
@@ -6012,8 +6230,8 @@
 </p:sld>
 </file>
 
-<file path=ppt/slides/slide22.xml><?xml version="1.0" encoding="utf-8"?>
-<p:sld xmlns:a="http://schemas.openxmlformats.org/drawingml/2006/main" xmlns:r="http://schemas.openxmlformats.org/officeDocument/2006/relationships" xmlns:p="http://schemas.openxmlformats.org/presentationml/2006/main">
+<file path=ppt/slides/slide23.xml><?xml version="1.0" encoding="utf-8"?>
+<p:sld xmlns:a="http://schemas.openxmlformats.org/drawingml/2006/main" xmlns:r="http://schemas.openxmlformats.org/officeDocument/2006/relationships" xmlns:mc="http://schemas.openxmlformats.org/markup-compatibility/2006" xmlns:mv="urn:schemas-microsoft-com:mac:vml" xmlns:p="http://schemas.openxmlformats.org/presentationml/2006/main" mc:Ignorable="mv" mc:PreserveAttributes="mv:*">
   <p:cSld>
     <p:spTree>
       <p:nvGrpSpPr>
@@ -6277,8 +6495,8 @@
 </p:sld>
 </file>
 
-<file path=ppt/slides/slide23.xml><?xml version="1.0" encoding="utf-8"?>
-<p:sld xmlns:a="http://schemas.openxmlformats.org/drawingml/2006/main" xmlns:r="http://schemas.openxmlformats.org/officeDocument/2006/relationships" xmlns:p="http://schemas.openxmlformats.org/presentationml/2006/main">
+<file path=ppt/slides/slide24.xml><?xml version="1.0" encoding="utf-8"?>
+<p:sld xmlns:a="http://schemas.openxmlformats.org/drawingml/2006/main" xmlns:r="http://schemas.openxmlformats.org/officeDocument/2006/relationships" xmlns:mc="http://schemas.openxmlformats.org/markup-compatibility/2006" xmlns:mv="urn:schemas-microsoft-com:mac:vml" xmlns:p="http://schemas.openxmlformats.org/presentationml/2006/main" mc:Ignorable="mv" mc:PreserveAttributes="mv:*">
   <p:cSld>
     <p:spTree>
       <p:nvGrpSpPr>
@@ -6491,8 +6709,8 @@
 </p:sld>
 </file>
 
-<file path=ppt/slides/slide24.xml><?xml version="1.0" encoding="utf-8"?>
-<p:sld xmlns:a="http://schemas.openxmlformats.org/drawingml/2006/main" xmlns:r="http://schemas.openxmlformats.org/officeDocument/2006/relationships" xmlns:p="http://schemas.openxmlformats.org/presentationml/2006/main">
+<file path=ppt/slides/slide25.xml><?xml version="1.0" encoding="utf-8"?>
+<p:sld xmlns:a="http://schemas.openxmlformats.org/drawingml/2006/main" xmlns:r="http://schemas.openxmlformats.org/officeDocument/2006/relationships" xmlns:mc="http://schemas.openxmlformats.org/markup-compatibility/2006" xmlns:mv="urn:schemas-microsoft-com:mac:vml" xmlns:p="http://schemas.openxmlformats.org/presentationml/2006/main" mc:Ignorable="mv" mc:PreserveAttributes="mv:*">
   <p:cSld>
     <p:spTree>
       <p:nvGrpSpPr>
@@ -6592,8 +6810,8 @@
 </p:sld>
 </file>
 
-<file path=ppt/slides/slide25.xml><?xml version="1.0" encoding="utf-8"?>
-<p:sld xmlns:a="http://schemas.openxmlformats.org/drawingml/2006/main" xmlns:r="http://schemas.openxmlformats.org/officeDocument/2006/relationships" xmlns:p="http://schemas.openxmlformats.org/presentationml/2006/main">
+<file path=ppt/slides/slide26.xml><?xml version="1.0" encoding="utf-8"?>
+<p:sld xmlns:a="http://schemas.openxmlformats.org/drawingml/2006/main" xmlns:r="http://schemas.openxmlformats.org/officeDocument/2006/relationships" xmlns:mc="http://schemas.openxmlformats.org/markup-compatibility/2006" xmlns:mv="urn:schemas-microsoft-com:mac:vml" xmlns:p="http://schemas.openxmlformats.org/presentationml/2006/main" mc:Ignorable="mv" mc:PreserveAttributes="mv:*">
   <p:cSld>
     <p:spTree>
       <p:nvGrpSpPr>
@@ -6626,150 +6844,6 @@
           <a:p>
             <a:r>
               <a:rPr lang="en-US" dirty="0" smtClean="0"/>
-              <a:t>Trouble Shooting</a:t>
-            </a:r>
-            <a:endParaRPr lang="en-US" dirty="0"/>
-          </a:p>
-        </p:txBody>
-      </p:sp>
-      <p:sp>
-        <p:nvSpPr>
-          <p:cNvPr id="3" name="Content Placeholder 2"/>
-          <p:cNvSpPr>
-            <a:spLocks noGrp="1"/>
-          </p:cNvSpPr>
-          <p:nvPr>
-            <p:ph idx="1"/>
-          </p:nvPr>
-        </p:nvSpPr>
-        <p:spPr/>
-        <p:txBody>
-          <a:bodyPr>
-            <a:normAutofit fontScale="92500" lnSpcReduction="10000"/>
-          </a:bodyPr>
-          <a:lstStyle/>
-          <a:p>
-            <a:r>
-              <a:rPr lang="en-US" dirty="0" smtClean="0"/>
-              <a:t>ADMU3011E: Server fails to start on Linux platforms </a:t>
-            </a:r>
-          </a:p>
-          <a:p>
-            <a:pPr lvl="1"/>
-            <a:r>
-              <a:rPr lang="en-US" dirty="0" smtClean="0">
-                <a:hlinkClick r:id="rId2"/>
-              </a:rPr>
-              <a:t>http://www-01.ibm.com/support/docview.wss?uid=swg21287231</a:t>
-            </a:r>
-            <a:endParaRPr lang="en-US" dirty="0" smtClean="0"/>
-          </a:p>
-          <a:p>
-            <a:r>
-              <a:rPr lang="en-US" dirty="0" smtClean="0"/>
-              <a:t>JVMJ9VM011W: Unable to load </a:t>
-            </a:r>
-            <a:r>
-              <a:rPr lang="en-US" dirty="0" err="1" smtClean="0"/>
-              <a:t>piAgent</a:t>
-            </a:r>
-            <a:endParaRPr lang="en-US" dirty="0" smtClean="0"/>
-          </a:p>
-          <a:p>
-            <a:pPr lvl="1"/>
-            <a:r>
-              <a:rPr lang="en-US" dirty="0" smtClean="0">
-                <a:hlinkClick r:id="rId3"/>
-              </a:rPr>
-              <a:t>http://www-01.ibm.com/support/docview.wss?uid=swg21288832</a:t>
-            </a:r>
-            <a:r>
-              <a:rPr lang="en-US" dirty="0" smtClean="0"/>
-              <a:t> (</a:t>
-            </a:r>
-            <a:r>
-              <a:rPr lang="en-US" dirty="0" smtClean="0">
-                <a:solidFill>
-                  <a:srgbClr val="FF0000"/>
-                </a:solidFill>
-              </a:rPr>
-              <a:t>Bad</a:t>
-            </a:r>
-            <a:r>
-              <a:rPr lang="en-US" dirty="0" smtClean="0"/>
-              <a:t>)</a:t>
-            </a:r>
-          </a:p>
-          <a:p>
-            <a:pPr lvl="1"/>
-            <a:r>
-              <a:rPr lang="en-US" dirty="0" smtClean="0">
-                <a:hlinkClick r:id="rId4"/>
-              </a:rPr>
-              <a:t>http://www-01.ibm.com/support/docview.wss?rs=180&amp;uid=swg21246403</a:t>
-            </a:r>
-            <a:r>
-              <a:rPr lang="en-US" dirty="0" smtClean="0"/>
-              <a:t> (</a:t>
-            </a:r>
-            <a:r>
-              <a:rPr lang="en-US" dirty="0" smtClean="0">
-                <a:solidFill>
-                  <a:srgbClr val="FF0000"/>
-                </a:solidFill>
-              </a:rPr>
-              <a:t>Bad</a:t>
-            </a:r>
-            <a:r>
-              <a:rPr lang="en-US" dirty="0" smtClean="0"/>
-              <a:t>)</a:t>
-            </a:r>
-            <a:endParaRPr lang="en-US" dirty="0"/>
-          </a:p>
-        </p:txBody>
-      </p:sp>
-    </p:spTree>
-  </p:cSld>
-  <p:clrMapOvr>
-    <a:masterClrMapping/>
-  </p:clrMapOvr>
-</p:sld>
-</file>
-
-<file path=ppt/slides/slide26.xml><?xml version="1.0" encoding="utf-8"?>
-<p:sld xmlns:a="http://schemas.openxmlformats.org/drawingml/2006/main" xmlns:r="http://schemas.openxmlformats.org/officeDocument/2006/relationships" xmlns:p="http://schemas.openxmlformats.org/presentationml/2006/main">
-  <p:cSld>
-    <p:spTree>
-      <p:nvGrpSpPr>
-        <p:cNvPr id="1" name=""/>
-        <p:cNvGrpSpPr/>
-        <p:nvPr/>
-      </p:nvGrpSpPr>
-      <p:grpSpPr>
-        <a:xfrm>
-          <a:off x="0" y="0"/>
-          <a:ext cx="0" cy="0"/>
-          <a:chOff x="0" y="0"/>
-          <a:chExt cx="0" cy="0"/>
-        </a:xfrm>
-      </p:grpSpPr>
-      <p:sp>
-        <p:nvSpPr>
-          <p:cNvPr id="2" name="Title 1"/>
-          <p:cNvSpPr>
-            <a:spLocks noGrp="1"/>
-          </p:cNvSpPr>
-          <p:nvPr>
-            <p:ph type="title"/>
-          </p:nvPr>
-        </p:nvSpPr>
-        <p:spPr/>
-        <p:txBody>
-          <a:bodyPr/>
-          <a:lstStyle/>
-          <a:p>
-            <a:r>
-              <a:rPr lang="en-US" dirty="0" smtClean="0"/>
               <a:t>Export </a:t>
             </a:r>
             <a:r>
@@ -6945,7 +7019,7 @@
 </file>
 
 <file path=ppt/slides/slide27.xml><?xml version="1.0" encoding="utf-8"?>
-<p:sld xmlns:a="http://schemas.openxmlformats.org/drawingml/2006/main" xmlns:r="http://schemas.openxmlformats.org/officeDocument/2006/relationships" xmlns:p="http://schemas.openxmlformats.org/presentationml/2006/main">
+<p:sld xmlns:a="http://schemas.openxmlformats.org/drawingml/2006/main" xmlns:r="http://schemas.openxmlformats.org/officeDocument/2006/relationships" xmlns:mc="http://schemas.openxmlformats.org/markup-compatibility/2006" xmlns:mv="urn:schemas-microsoft-com:mac:vml" xmlns:p="http://schemas.openxmlformats.org/presentationml/2006/main" mc:Ignorable="mv" mc:PreserveAttributes="mv:*">
   <p:cSld>
     <p:spTree>
       <p:nvGrpSpPr>
@@ -7113,7 +7187,7 @@
 </file>
 
 <file path=ppt/slides/slide28.xml><?xml version="1.0" encoding="utf-8"?>
-<p:sld xmlns:a="http://schemas.openxmlformats.org/drawingml/2006/main" xmlns:r="http://schemas.openxmlformats.org/officeDocument/2006/relationships" xmlns:p="http://schemas.openxmlformats.org/presentationml/2006/main">
+<p:sld xmlns:a="http://schemas.openxmlformats.org/drawingml/2006/main" xmlns:r="http://schemas.openxmlformats.org/officeDocument/2006/relationships" xmlns:mc="http://schemas.openxmlformats.org/markup-compatibility/2006" xmlns:mv="urn:schemas-microsoft-com:mac:vml" xmlns:p="http://schemas.openxmlformats.org/presentationml/2006/main" mc:Ignorable="mv" mc:PreserveAttributes="mv:*">
   <p:cSld>
     <p:spTree>
       <p:nvGrpSpPr>
@@ -7131,7 +7205,7 @@
       </p:grpSpPr>
       <p:sp>
         <p:nvSpPr>
-          <p:cNvPr id="2" name="Title 1"/>
+          <p:cNvPr id="4" name="Title 3"/>
           <p:cNvSpPr>
             <a:spLocks noGrp="1"/>
           </p:cNvSpPr>
@@ -7144,36 +7218,30 @@
           <a:bodyPr/>
           <a:lstStyle/>
           <a:p>
-            <a:endParaRPr lang="en-US"/>
-          </a:p>
-        </p:txBody>
-      </p:sp>
-      <p:sp>
-        <p:nvSpPr>
-          <p:cNvPr id="3" name="Content Placeholder 2"/>
-          <p:cNvSpPr>
-            <a:spLocks noGrp="1"/>
-          </p:cNvSpPr>
-          <p:nvPr>
-            <p:ph idx="1"/>
-          </p:nvPr>
-        </p:nvSpPr>
-        <p:spPr/>
-        <p:txBody>
-          <a:bodyPr/>
-          <a:lstStyle/>
-          <a:p>
             <a:r>
               <a:rPr lang="en-US" dirty="0" smtClean="0"/>
-              <a:t>After profiling, the server is down</a:t>
-            </a:r>
-          </a:p>
-          <a:p>
-            <a:r>
-              <a:rPr lang="en-US" dirty="0" smtClean="0"/>
-              <a:t>Trace data seems to be not enough</a:t>
+              <a:t>Trouble Shooting</a:t>
             </a:r>
             <a:endParaRPr lang="en-US" dirty="0"/>
+          </a:p>
+        </p:txBody>
+      </p:sp>
+      <p:sp>
+        <p:nvSpPr>
+          <p:cNvPr id="5" name="Text Placeholder 4"/>
+          <p:cNvSpPr>
+            <a:spLocks noGrp="1"/>
+          </p:cNvSpPr>
+          <p:nvPr>
+            <p:ph type="body" idx="1"/>
+          </p:nvPr>
+        </p:nvSpPr>
+        <p:spPr/>
+        <p:txBody>
+          <a:bodyPr/>
+          <a:lstStyle/>
+          <a:p>
+            <a:endParaRPr lang="en-US"/>
           </a:p>
         </p:txBody>
       </p:sp>
@@ -7185,8 +7253,8 @@
 </p:sld>
 </file>
 
-<file path=ppt/slides/slide3.xml><?xml version="1.0" encoding="utf-8"?>
-<p:sld xmlns:a="http://schemas.openxmlformats.org/drawingml/2006/main" xmlns:r="http://schemas.openxmlformats.org/officeDocument/2006/relationships" xmlns:p="http://schemas.openxmlformats.org/presentationml/2006/main">
+<file path=ppt/slides/slide29.xml><?xml version="1.0" encoding="utf-8"?>
+<p:sld xmlns:a="http://schemas.openxmlformats.org/drawingml/2006/main" xmlns:r="http://schemas.openxmlformats.org/officeDocument/2006/relationships" xmlns:mc="http://schemas.openxmlformats.org/markup-compatibility/2006" xmlns:mv="urn:schemas-microsoft-com:mac:vml" xmlns:p="http://schemas.openxmlformats.org/presentationml/2006/main" mc:Ignorable="mv" mc:PreserveAttributes="mv:*">
   <p:cSld>
     <p:spTree>
       <p:nvGrpSpPr>
@@ -7219,6 +7287,150 @@
           <a:p>
             <a:r>
               <a:rPr lang="en-US" dirty="0" smtClean="0"/>
+              <a:t>Trouble Shooting</a:t>
+            </a:r>
+            <a:endParaRPr lang="en-US" dirty="0"/>
+          </a:p>
+        </p:txBody>
+      </p:sp>
+      <p:sp>
+        <p:nvSpPr>
+          <p:cNvPr id="3" name="Content Placeholder 2"/>
+          <p:cNvSpPr>
+            <a:spLocks noGrp="1"/>
+          </p:cNvSpPr>
+          <p:nvPr>
+            <p:ph idx="1"/>
+          </p:nvPr>
+        </p:nvSpPr>
+        <p:spPr/>
+        <p:txBody>
+          <a:bodyPr>
+            <a:normAutofit/>
+          </a:bodyPr>
+          <a:lstStyle/>
+          <a:p>
+            <a:r>
+              <a:rPr lang="en-US" dirty="0" smtClean="0"/>
+              <a:t>ADMU3011E: Server fails to start on Linux platforms </a:t>
+            </a:r>
+          </a:p>
+          <a:p>
+            <a:pPr lvl="1"/>
+            <a:r>
+              <a:rPr lang="en-US" dirty="0" smtClean="0">
+                <a:hlinkClick r:id="rId2"/>
+              </a:rPr>
+              <a:t>http://www-01.ibm.com/support/docview.wss?uid=swg21287231</a:t>
+            </a:r>
+            <a:endParaRPr lang="en-US" dirty="0" smtClean="0"/>
+          </a:p>
+          <a:p>
+            <a:r>
+              <a:rPr lang="en-US" dirty="0" smtClean="0"/>
+              <a:t>JVMJ9VM011W: Unable to load </a:t>
+            </a:r>
+            <a:r>
+              <a:rPr lang="en-US" dirty="0" err="1" smtClean="0"/>
+              <a:t>piAgent</a:t>
+            </a:r>
+            <a:endParaRPr lang="en-US" dirty="0" smtClean="0"/>
+          </a:p>
+          <a:p>
+            <a:pPr lvl="1"/>
+            <a:r>
+              <a:rPr lang="en-US" dirty="0" smtClean="0">
+                <a:hlinkClick r:id="rId3"/>
+              </a:rPr>
+              <a:t>http://www-01.ibm.com/support/docview.wss?uid=swg21288832</a:t>
+            </a:r>
+            <a:r>
+              <a:rPr lang="en-US" dirty="0" smtClean="0"/>
+              <a:t> (</a:t>
+            </a:r>
+            <a:r>
+              <a:rPr lang="en-US" dirty="0" smtClean="0">
+                <a:solidFill>
+                  <a:srgbClr val="FF0000"/>
+                </a:solidFill>
+              </a:rPr>
+              <a:t>Bad</a:t>
+            </a:r>
+            <a:r>
+              <a:rPr lang="en-US" dirty="0" smtClean="0"/>
+              <a:t>)</a:t>
+            </a:r>
+          </a:p>
+          <a:p>
+            <a:pPr lvl="1"/>
+            <a:r>
+              <a:rPr lang="en-US" dirty="0" smtClean="0">
+                <a:hlinkClick r:id="rId4"/>
+              </a:rPr>
+              <a:t>http://www-01.ibm.com/support/docview.wss?rs=180&amp;uid=swg21246403</a:t>
+            </a:r>
+            <a:r>
+              <a:rPr lang="en-US" dirty="0" smtClean="0"/>
+              <a:t> (</a:t>
+            </a:r>
+            <a:r>
+              <a:rPr lang="en-US" dirty="0" smtClean="0">
+                <a:solidFill>
+                  <a:srgbClr val="FF0000"/>
+                </a:solidFill>
+              </a:rPr>
+              <a:t>Bad</a:t>
+            </a:r>
+            <a:r>
+              <a:rPr lang="en-US" dirty="0" smtClean="0"/>
+              <a:t>)</a:t>
+            </a:r>
+            <a:endParaRPr lang="en-US" dirty="0"/>
+          </a:p>
+        </p:txBody>
+      </p:sp>
+    </p:spTree>
+  </p:cSld>
+  <p:clrMapOvr>
+    <a:masterClrMapping/>
+  </p:clrMapOvr>
+</p:sld>
+</file>
+
+<file path=ppt/slides/slide3.xml><?xml version="1.0" encoding="utf-8"?>
+<p:sld xmlns:a="http://schemas.openxmlformats.org/drawingml/2006/main" xmlns:r="http://schemas.openxmlformats.org/officeDocument/2006/relationships" xmlns:mc="http://schemas.openxmlformats.org/markup-compatibility/2006" xmlns:mv="urn:schemas-microsoft-com:mac:vml" xmlns:p="http://schemas.openxmlformats.org/presentationml/2006/main" mc:Ignorable="mv" mc:PreserveAttributes="mv:*">
+  <p:cSld>
+    <p:spTree>
+      <p:nvGrpSpPr>
+        <p:cNvPr id="1" name=""/>
+        <p:cNvGrpSpPr/>
+        <p:nvPr/>
+      </p:nvGrpSpPr>
+      <p:grpSpPr>
+        <a:xfrm>
+          <a:off x="0" y="0"/>
+          <a:ext cx="0" cy="0"/>
+          <a:chOff x="0" y="0"/>
+          <a:chExt cx="0" cy="0"/>
+        </a:xfrm>
+      </p:grpSpPr>
+      <p:sp>
+        <p:nvSpPr>
+          <p:cNvPr id="2" name="Title 1"/>
+          <p:cNvSpPr>
+            <a:spLocks noGrp="1"/>
+          </p:cNvSpPr>
+          <p:nvPr>
+            <p:ph type="title"/>
+          </p:nvPr>
+        </p:nvSpPr>
+        <p:spPr/>
+        <p:txBody>
+          <a:bodyPr/>
+          <a:lstStyle/>
+          <a:p>
+            <a:r>
+              <a:rPr lang="en-US" dirty="0" smtClean="0"/>
               <a:t>IBM Academic Initiative</a:t>
             </a:r>
             <a:endParaRPr lang="en-US" dirty="0"/>
@@ -7285,16 +7497,16 @@
               <a:t>Part: </a:t>
             </a:r>
             <a:r>
-              <a:rPr lang="en-US" sz="2000" b="1" dirty="0" err="1" smtClean="0"/>
-              <a:t>WebSphere</a:t>
-            </a:r>
-            <a:r>
               <a:rPr lang="en-US" sz="2000" b="1" dirty="0" smtClean="0"/>
-              <a:t> Application Server V6.1 </a:t>
+              <a:t>WebSphere Application Server V6.1 </a:t>
             </a:r>
             <a:r>
               <a:rPr lang="en-US" sz="2000" dirty="0" smtClean="0"/>
-              <a:t>for Linux on x86Series, 32-bit Support (C87QXML)</a:t>
+              <a:t>for Linux on x86Series, 32-bit Support (C87QXML</a:t>
+            </a:r>
+            <a:r>
+              <a:rPr lang="en-US" sz="2000" dirty="0" smtClean="0"/>
+              <a:t>)</a:t>
             </a:r>
           </a:p>
           <a:p>
@@ -7304,12 +7516,32 @@
               <a:t>Part: </a:t>
             </a:r>
             <a:r>
-              <a:rPr lang="en-US" sz="2000" dirty="0" err="1" smtClean="0"/>
-              <a:t>WebSphere</a:t>
+              <a:rPr lang="en-US" sz="2000" b="1" dirty="0" smtClean="0"/>
+              <a:t>WebSphere Application Server V6.1 </a:t>
             </a:r>
             <a:r>
               <a:rPr lang="en-US" sz="2000" dirty="0" smtClean="0"/>
-              <a:t> Application Server V6.1 Supplements Application Client, </a:t>
+              <a:t>for</a:t>
+            </a:r>
+            <a:r>
+              <a:rPr lang="en-US" sz="2000" dirty="0" smtClean="0"/>
+              <a:t> Windows on </a:t>
+            </a:r>
+            <a:r>
+              <a:rPr lang="en-US" sz="2000" dirty="0" smtClean="0"/>
+              <a:t>x86Series, 32-bit Support (</a:t>
+            </a:r>
+            <a:r>
+              <a:rPr lang="en-US" sz="2000" dirty="0" smtClean="0"/>
+              <a:t>C87QTML)</a:t>
+            </a:r>
+            <a:endParaRPr lang="en-US" sz="2000" dirty="0" smtClean="0"/>
+          </a:p>
+          <a:p>
+            <a:pPr lvl="2"/>
+            <a:r>
+              <a:rPr lang="en-US" sz="2000" dirty="0" smtClean="0"/>
+              <a:t>Part: WebSphere Application Server V6.1 Supplements Application Client, </a:t>
             </a:r>
             <a:r>
               <a:rPr lang="en-US" sz="2000" b="1" dirty="0" smtClean="0"/>
@@ -7327,19 +7559,7 @@
               <a:rPr lang="en-US" sz="2000" dirty="0" smtClean="0"/>
               <a:t>, Installation Factory, Migration Tool, IBM Support Assistant and Update Installer for Linux on x86Series, 32-bit Support Multilingual (C87PSML)</a:t>
             </a:r>
-          </a:p>
-          <a:p>
-            <a:r>
-              <a:rPr lang="en-US" sz="2800" dirty="0" smtClean="0"/>
-              <a:t>Part Information (in detail)</a:t>
-            </a:r>
-          </a:p>
-          <a:p>
-            <a:pPr lvl="1"/>
-            <a:r>
-              <a:rPr lang="en-US" sz="2400" dirty="0" smtClean="0"/>
-              <a:t>http://www-01.ibm.com/support/docview.wss?rs=180&amp;uid=swg27007743</a:t>
-            </a:r>
+            <a:endParaRPr lang="en-US" sz="2000" dirty="0" smtClean="0"/>
           </a:p>
           <a:p>
             <a:pPr lvl="2"/>
@@ -7362,8 +7582,8 @@
 </p:sld>
 </file>
 
-<file path=ppt/slides/slide4.xml><?xml version="1.0" encoding="utf-8"?>
-<p:sld xmlns:a="http://schemas.openxmlformats.org/drawingml/2006/main" xmlns:r="http://schemas.openxmlformats.org/officeDocument/2006/relationships" xmlns:p="http://schemas.openxmlformats.org/presentationml/2006/main">
+<file path=ppt/slides/slide30.xml><?xml version="1.0" encoding="utf-8"?>
+<p:sld xmlns:a="http://schemas.openxmlformats.org/drawingml/2006/main" xmlns:r="http://schemas.openxmlformats.org/officeDocument/2006/relationships" xmlns:mc="http://schemas.openxmlformats.org/markup-compatibility/2006" xmlns:mv="urn:schemas-microsoft-com:mac:vml" xmlns:p="http://schemas.openxmlformats.org/presentationml/2006/main" mc:Ignorable="mv" mc:PreserveAttributes="mv:*">
   <p:cSld>
     <p:spTree>
       <p:nvGrpSpPr>
@@ -7394,100 +7614,35 @@
           <a:bodyPr/>
           <a:lstStyle/>
           <a:p>
+            <a:endParaRPr lang="en-US"/>
+          </a:p>
+        </p:txBody>
+      </p:sp>
+      <p:sp>
+        <p:nvSpPr>
+          <p:cNvPr id="3" name="Content Placeholder 2"/>
+          <p:cNvSpPr>
+            <a:spLocks noGrp="1"/>
+          </p:cNvSpPr>
+          <p:nvPr>
+            <p:ph idx="1"/>
+          </p:nvPr>
+        </p:nvSpPr>
+        <p:spPr/>
+        <p:txBody>
+          <a:bodyPr/>
+          <a:lstStyle/>
+          <a:p>
             <a:r>
               <a:rPr lang="en-US" dirty="0" smtClean="0"/>
-              <a:t>IBM Academic Initiative (Cont’d)</a:t>
-            </a:r>
-            <a:endParaRPr lang="en-US" dirty="0"/>
-          </a:p>
-        </p:txBody>
-      </p:sp>
-      <p:sp>
-        <p:nvSpPr>
-          <p:cNvPr id="3" name="Content Placeholder 2"/>
-          <p:cNvSpPr>
-            <a:spLocks noGrp="1"/>
-          </p:cNvSpPr>
-          <p:nvPr>
-            <p:ph idx="1"/>
-          </p:nvPr>
-        </p:nvSpPr>
-        <p:spPr/>
-        <p:txBody>
-          <a:bodyPr>
-            <a:normAutofit lnSpcReduction="10000"/>
-          </a:bodyPr>
-          <a:lstStyle/>
-          <a:p>
-            <a:pPr marL="342900" lvl="1" indent="-342900">
-              <a:buFont typeface="Wingdings" pitchFamily="2" charset="2"/>
-              <a:buChar char="§"/>
-            </a:pPr>
+              <a:t>After profiling, the server is down</a:t>
+            </a:r>
+          </a:p>
+          <a:p>
             <a:r>
               <a:rPr lang="en-US" dirty="0" smtClean="0"/>
-              <a:t>Query: “Rational Performance Tester V8.0”</a:t>
-            </a:r>
-          </a:p>
-          <a:p>
-            <a:pPr lvl="1"/>
-            <a:r>
-              <a:rPr lang="en-US" sz="2400" dirty="0" smtClean="0"/>
-              <a:t>IBM Rational Performance Tester V8.0 Multiplatform Multilingual </a:t>
-            </a:r>
-            <a:r>
-              <a:rPr lang="en-US" sz="2400" dirty="0" err="1" smtClean="0"/>
-              <a:t>eAssembly</a:t>
-            </a:r>
-            <a:r>
-              <a:rPr lang="en-US" sz="2400" dirty="0" smtClean="0"/>
-              <a:t> (Core) (CR7VNML) </a:t>
-            </a:r>
-            <a:r>
-              <a:rPr lang="en-US" sz="2400" dirty="0" smtClean="0">
-                <a:solidFill>
-                  <a:srgbClr val="00B0F0"/>
-                </a:solidFill>
-              </a:rPr>
-              <a:t>&lt;- RPT Agent (Link Error?)</a:t>
-            </a:r>
-          </a:p>
-          <a:p>
-            <a:pPr lvl="1"/>
-            <a:r>
-              <a:rPr lang="en-US" sz="2400" dirty="0" smtClean="0"/>
-              <a:t>IBM Rational Performance Tester V8.0 for z/OS Multiplatform Multilingual </a:t>
-            </a:r>
-            <a:r>
-              <a:rPr lang="en-US" sz="2400" dirty="0" err="1" smtClean="0"/>
-              <a:t>eAssembly</a:t>
-            </a:r>
-            <a:r>
-              <a:rPr lang="en-US" sz="2400" dirty="0" smtClean="0"/>
-              <a:t> (Core) (CR7XFML) &lt;- </a:t>
-            </a:r>
-            <a:r>
-              <a:rPr lang="en-US" sz="2400" dirty="0" smtClean="0">
-                <a:solidFill>
-                  <a:srgbClr val="00B0F0"/>
-                </a:solidFill>
-              </a:rPr>
-              <a:t>RPT (Link Error?)</a:t>
-            </a:r>
-          </a:p>
-          <a:p>
-            <a:r>
-              <a:rPr lang="en-US" dirty="0" smtClean="0"/>
-              <a:t>Part Information (in detail)</a:t>
-            </a:r>
-          </a:p>
-          <a:p>
-            <a:pPr lvl="1"/>
-            <a:r>
-              <a:rPr lang="en-US" dirty="0" smtClean="0"/>
-              <a:t>http://www-01.ibm.com/support/docview.wss?rs=180&amp;uid=swg27007743</a:t>
-            </a:r>
-          </a:p>
-          <a:p>
+              <a:t>Trace data seems to be not enough</a:t>
+            </a:r>
             <a:endParaRPr lang="en-US" dirty="0"/>
           </a:p>
         </p:txBody>
@@ -7497,18 +7652,11 @@
   <p:clrMapOvr>
     <a:masterClrMapping/>
   </p:clrMapOvr>
-  <p:timing>
-    <p:tnLst>
-      <p:par>
-        <p:cTn id="1" dur="indefinite" restart="never" nodeType="tmRoot"/>
-      </p:par>
-    </p:tnLst>
-  </p:timing>
 </p:sld>
 </file>
 
-<file path=ppt/slides/slide5.xml><?xml version="1.0" encoding="utf-8"?>
-<p:sld xmlns:a="http://schemas.openxmlformats.org/drawingml/2006/main" xmlns:r="http://schemas.openxmlformats.org/officeDocument/2006/relationships" xmlns:p="http://schemas.openxmlformats.org/presentationml/2006/main">
+<file path=ppt/slides/slide4.xml><?xml version="1.0" encoding="utf-8"?>
+<p:sld xmlns:a="http://schemas.openxmlformats.org/drawingml/2006/main" xmlns:r="http://schemas.openxmlformats.org/officeDocument/2006/relationships" xmlns:mc="http://schemas.openxmlformats.org/markup-compatibility/2006" xmlns:mv="urn:schemas-microsoft-com:mac:vml" xmlns:p="http://schemas.openxmlformats.org/presentationml/2006/main" mc:Ignorable="mv" mc:PreserveAttributes="mv:*">
   <p:cSld>
     <p:spTree>
       <p:nvGrpSpPr>
@@ -7540,12 +7688,12 @@
           <a:lstStyle/>
           <a:p>
             <a:r>
-              <a:rPr lang="en-US" dirty="0" err="1" smtClean="0"/>
-              <a:t>WebSphere</a:t>
-            </a:r>
-            <a:r>
               <a:rPr lang="en-US" dirty="0" smtClean="0"/>
-              <a:t> Application Server v6.1</a:t>
+              <a:t>IBM Academic </a:t>
+            </a:r>
+            <a:r>
+              <a:rPr lang="en-US" dirty="0" smtClean="0"/>
+              <a:t>Initiative (Cont’d)</a:t>
             </a:r>
             <a:endParaRPr lang="en-US" dirty="0"/>
           </a:p>
@@ -7553,12 +7701,69 @@
       </p:sp>
       <p:sp>
         <p:nvSpPr>
-          <p:cNvPr id="5" name="Text Placeholder 4"/>
-          <p:cNvSpPr>
-            <a:spLocks noGrp="1"/>
-          </p:cNvSpPr>
-          <p:nvPr>
-            <p:ph type="body" idx="1"/>
+          <p:cNvPr id="3" name="Content Placeholder 2"/>
+          <p:cNvSpPr>
+            <a:spLocks noGrp="1"/>
+          </p:cNvSpPr>
+          <p:nvPr>
+            <p:ph idx="1"/>
+          </p:nvPr>
+        </p:nvSpPr>
+        <p:spPr/>
+        <p:txBody>
+          <a:bodyPr/>
+          <a:lstStyle/>
+          <a:p>
+            <a:r>
+              <a:rPr lang="en-US" sz="2800" dirty="0" smtClean="0"/>
+              <a:t>Part Information (in detail)</a:t>
+            </a:r>
+          </a:p>
+          <a:p>
+            <a:pPr lvl="1"/>
+            <a:r>
+              <a:rPr lang="en-US" sz="2400" dirty="0" smtClean="0"/>
+              <a:t>http://www-01.ibm.com/support/docview.wss?rs=180&amp;uid=swg27007743</a:t>
+            </a:r>
+          </a:p>
+          <a:p>
+            <a:endParaRPr lang="en-US" dirty="0"/>
+          </a:p>
+        </p:txBody>
+      </p:sp>
+    </p:spTree>
+  </p:cSld>
+  <p:clrMapOvr>
+    <a:masterClrMapping/>
+  </p:clrMapOvr>
+</p:sld>
+</file>
+
+<file path=ppt/slides/slide5.xml><?xml version="1.0" encoding="utf-8"?>
+<p:sld xmlns:a="http://schemas.openxmlformats.org/drawingml/2006/main" xmlns:r="http://schemas.openxmlformats.org/officeDocument/2006/relationships" xmlns:mc="http://schemas.openxmlformats.org/markup-compatibility/2006" xmlns:mv="urn:schemas-microsoft-com:mac:vml" xmlns:p="http://schemas.openxmlformats.org/presentationml/2006/main" mc:Ignorable="mv" mc:PreserveAttributes="mv:*">
+  <p:cSld>
+    <p:spTree>
+      <p:nvGrpSpPr>
+        <p:cNvPr id="1" name=""/>
+        <p:cNvGrpSpPr/>
+        <p:nvPr/>
+      </p:nvGrpSpPr>
+      <p:grpSpPr>
+        <a:xfrm>
+          <a:off x="0" y="0"/>
+          <a:ext cx="0" cy="0"/>
+          <a:chOff x="0" y="0"/>
+          <a:chExt cx="0" cy="0"/>
+        </a:xfrm>
+      </p:grpSpPr>
+      <p:sp>
+        <p:nvSpPr>
+          <p:cNvPr id="2" name="Title 1"/>
+          <p:cNvSpPr>
+            <a:spLocks noGrp="1"/>
+          </p:cNvSpPr>
+          <p:nvPr>
+            <p:ph type="title"/>
           </p:nvPr>
         </p:nvSpPr>
         <p:spPr/>
@@ -7568,8 +7773,110 @@
           <a:p>
             <a:r>
               <a:rPr lang="en-US" dirty="0" smtClean="0"/>
-              <a:t>Installation and Configuration on the Server side</a:t>
-            </a:r>
+              <a:t>IBM Academic Initiative (Cont’d)</a:t>
+            </a:r>
+            <a:endParaRPr lang="en-US" dirty="0"/>
+          </a:p>
+        </p:txBody>
+      </p:sp>
+      <p:sp>
+        <p:nvSpPr>
+          <p:cNvPr id="3" name="Content Placeholder 2"/>
+          <p:cNvSpPr>
+            <a:spLocks noGrp="1"/>
+          </p:cNvSpPr>
+          <p:nvPr>
+            <p:ph idx="1"/>
+          </p:nvPr>
+        </p:nvSpPr>
+        <p:spPr/>
+        <p:txBody>
+          <a:bodyPr>
+            <a:normAutofit/>
+          </a:bodyPr>
+          <a:lstStyle/>
+          <a:p>
+            <a:pPr marL="342900" lvl="1" indent="-342900">
+              <a:buFont typeface="Wingdings" pitchFamily="2" charset="2"/>
+              <a:buChar char="§"/>
+            </a:pPr>
+            <a:r>
+              <a:rPr lang="en-US" dirty="0" smtClean="0"/>
+              <a:t>Query: “Rational Performance Tester V8.0”</a:t>
+            </a:r>
+          </a:p>
+          <a:p>
+            <a:pPr lvl="1"/>
+            <a:r>
+              <a:rPr lang="en-US" sz="2400" dirty="0" smtClean="0"/>
+              <a:t>IBM Rational Performance Tester V8.0 Multiplatform Multilingual </a:t>
+            </a:r>
+            <a:r>
+              <a:rPr lang="en-US" sz="2400" dirty="0" err="1" smtClean="0"/>
+              <a:t>eAssembly</a:t>
+            </a:r>
+            <a:r>
+              <a:rPr lang="en-US" sz="2400" dirty="0" smtClean="0"/>
+              <a:t> (Core) (CR7VNML)</a:t>
+            </a:r>
+            <a:r>
+              <a:rPr lang="en-US" sz="2400" dirty="0" smtClean="0"/>
+              <a:t> </a:t>
+            </a:r>
+            <a:r>
+              <a:rPr lang="en-US" sz="2400" dirty="0" smtClean="0">
+                <a:solidFill>
+                  <a:srgbClr val="00B0F0"/>
+                </a:solidFill>
+              </a:rPr>
+              <a:t>&lt;</a:t>
+            </a:r>
+            <a:r>
+              <a:rPr lang="en-US" sz="2400" dirty="0" smtClean="0">
+                <a:solidFill>
+                  <a:srgbClr val="00B0F0"/>
+                </a:solidFill>
+              </a:rPr>
+              <a:t>- RPT Agent (Link Error?)</a:t>
+            </a:r>
+          </a:p>
+          <a:p>
+            <a:pPr lvl="1"/>
+            <a:r>
+              <a:rPr lang="en-US" sz="2400" dirty="0" smtClean="0"/>
+              <a:t>IBM Rational Performance Tester V8.0 for z/OS Multiplatform Multilingual </a:t>
+            </a:r>
+            <a:r>
+              <a:rPr lang="en-US" sz="2400" dirty="0" err="1" smtClean="0"/>
+              <a:t>eAssembly</a:t>
+            </a:r>
+            <a:r>
+              <a:rPr lang="en-US" sz="2400" dirty="0" smtClean="0"/>
+              <a:t> (Core) (CR7XFML) &lt;- </a:t>
+            </a:r>
+            <a:r>
+              <a:rPr lang="en-US" sz="2400" dirty="0" smtClean="0">
+                <a:solidFill>
+                  <a:srgbClr val="00B0F0"/>
+                </a:solidFill>
+              </a:rPr>
+              <a:t>RPT (Link Error?)</a:t>
+            </a:r>
+          </a:p>
+          <a:p>
+            <a:r>
+              <a:rPr lang="en-US" dirty="0" smtClean="0"/>
+              <a:t>Part Information (in detail)</a:t>
+            </a:r>
+          </a:p>
+          <a:p>
+            <a:pPr lvl="1"/>
+            <a:r>
+              <a:rPr lang="en-US" dirty="0" smtClean="0"/>
+              <a:t>http://www-01.ibm.com/support/docview.wss?rs=180&amp;uid=swg27007743</a:t>
+            </a:r>
+          </a:p>
+          <a:p>
             <a:endParaRPr lang="en-US" dirty="0"/>
           </a:p>
         </p:txBody>
@@ -7590,7 +7897,89 @@
 </file>
 
 <file path=ppt/slides/slide6.xml><?xml version="1.0" encoding="utf-8"?>
-<p:sld xmlns:a="http://schemas.openxmlformats.org/drawingml/2006/main" xmlns:r="http://schemas.openxmlformats.org/officeDocument/2006/relationships" xmlns:p="http://schemas.openxmlformats.org/presentationml/2006/main">
+<p:sld xmlns:a="http://schemas.openxmlformats.org/drawingml/2006/main" xmlns:r="http://schemas.openxmlformats.org/officeDocument/2006/relationships" xmlns:mc="http://schemas.openxmlformats.org/markup-compatibility/2006" xmlns:mv="urn:schemas-microsoft-com:mac:vml" xmlns:p="http://schemas.openxmlformats.org/presentationml/2006/main" mc:Ignorable="mv" mc:PreserveAttributes="mv:*">
+  <p:cSld>
+    <p:spTree>
+      <p:nvGrpSpPr>
+        <p:cNvPr id="1" name=""/>
+        <p:cNvGrpSpPr/>
+        <p:nvPr/>
+      </p:nvGrpSpPr>
+      <p:grpSpPr>
+        <a:xfrm>
+          <a:off x="0" y="0"/>
+          <a:ext cx="0" cy="0"/>
+          <a:chOff x="0" y="0"/>
+          <a:chExt cx="0" cy="0"/>
+        </a:xfrm>
+      </p:grpSpPr>
+      <p:sp>
+        <p:nvSpPr>
+          <p:cNvPr id="2" name="Title 1"/>
+          <p:cNvSpPr>
+            <a:spLocks noGrp="1"/>
+          </p:cNvSpPr>
+          <p:nvPr>
+            <p:ph type="title"/>
+          </p:nvPr>
+        </p:nvSpPr>
+        <p:spPr/>
+        <p:txBody>
+          <a:bodyPr/>
+          <a:lstStyle/>
+          <a:p>
+            <a:r>
+              <a:rPr lang="en-US" dirty="0" err="1" smtClean="0"/>
+              <a:t>WebSphere</a:t>
+            </a:r>
+            <a:r>
+              <a:rPr lang="en-US" dirty="0" smtClean="0"/>
+              <a:t> Application Server v6.1</a:t>
+            </a:r>
+            <a:endParaRPr lang="en-US" dirty="0"/>
+          </a:p>
+        </p:txBody>
+      </p:sp>
+      <p:sp>
+        <p:nvSpPr>
+          <p:cNvPr id="5" name="Text Placeholder 4"/>
+          <p:cNvSpPr>
+            <a:spLocks noGrp="1"/>
+          </p:cNvSpPr>
+          <p:nvPr>
+            <p:ph type="body" idx="1"/>
+          </p:nvPr>
+        </p:nvSpPr>
+        <p:spPr/>
+        <p:txBody>
+          <a:bodyPr/>
+          <a:lstStyle/>
+          <a:p>
+            <a:r>
+              <a:rPr lang="en-US" dirty="0" smtClean="0"/>
+              <a:t>Installation and Configuration on the Server side</a:t>
+            </a:r>
+            <a:endParaRPr lang="en-US" dirty="0"/>
+          </a:p>
+        </p:txBody>
+      </p:sp>
+    </p:spTree>
+  </p:cSld>
+  <p:clrMapOvr>
+    <a:masterClrMapping/>
+  </p:clrMapOvr>
+  <p:timing>
+    <p:tnLst>
+      <p:par>
+        <p:cTn id="1" dur="indefinite" restart="never" nodeType="tmRoot"/>
+      </p:par>
+    </p:tnLst>
+  </p:timing>
+</p:sld>
+</file>
+
+<file path=ppt/slides/slide7.xml><?xml version="1.0" encoding="utf-8"?>
+<p:sld xmlns:a="http://schemas.openxmlformats.org/drawingml/2006/main" xmlns:r="http://schemas.openxmlformats.org/officeDocument/2006/relationships" xmlns:mc="http://schemas.openxmlformats.org/markup-compatibility/2006" xmlns:mv="urn:schemas-microsoft-com:mac:vml" xmlns:p="http://schemas.openxmlformats.org/presentationml/2006/main" mc:Ignorable="mv" mc:PreserveAttributes="mv:*">
   <p:cSld>
     <p:spTree>
       <p:nvGrpSpPr>
@@ -7749,8 +8138,8 @@
 </p:sld>
 </file>
 
-<file path=ppt/slides/slide7.xml><?xml version="1.0" encoding="utf-8"?>
-<p:sld xmlns:a="http://schemas.openxmlformats.org/drawingml/2006/main" xmlns:r="http://schemas.openxmlformats.org/officeDocument/2006/relationships" xmlns:p="http://schemas.openxmlformats.org/presentationml/2006/main">
+<file path=ppt/slides/slide8.xml><?xml version="1.0" encoding="utf-8"?>
+<p:sld xmlns:a="http://schemas.openxmlformats.org/drawingml/2006/main" xmlns:r="http://schemas.openxmlformats.org/officeDocument/2006/relationships" xmlns:mc="http://schemas.openxmlformats.org/markup-compatibility/2006" xmlns:mv="urn:schemas-microsoft-com:mac:vml" xmlns:p="http://schemas.openxmlformats.org/presentationml/2006/main" mc:Ignorable="mv" mc:PreserveAttributes="mv:*">
   <p:cSld>
     <p:spTree>
       <p:nvGrpSpPr>
@@ -7915,8 +8304,8 @@
 </p:sld>
 </file>
 
-<file path=ppt/slides/slide8.xml><?xml version="1.0" encoding="utf-8"?>
-<p:sld xmlns:a="http://schemas.openxmlformats.org/drawingml/2006/main" xmlns:r="http://schemas.openxmlformats.org/officeDocument/2006/relationships" xmlns:p="http://schemas.openxmlformats.org/presentationml/2006/main">
+<file path=ppt/slides/slide9.xml><?xml version="1.0" encoding="utf-8"?>
+<p:sld xmlns:a="http://schemas.openxmlformats.org/drawingml/2006/main" xmlns:r="http://schemas.openxmlformats.org/officeDocument/2006/relationships" xmlns:mc="http://schemas.openxmlformats.org/markup-compatibility/2006" xmlns:mv="urn:schemas-microsoft-com:mac:vml" xmlns:p="http://schemas.openxmlformats.org/presentationml/2006/main" mc:Ignorable="mv" mc:PreserveAttributes="mv:*">
   <p:cSld>
     <p:spTree>
       <p:nvGrpSpPr>
@@ -8015,201 +8404,6 @@
         <p:spPr>
           <a:xfrm>
             <a:off x="5167312" y="5438775"/>
-            <a:ext cx="1143000" cy="304800"/>
-          </a:xfrm>
-          <a:prstGeom prst="roundRect">
-            <a:avLst>
-              <a:gd name="adj" fmla="val 21467"/>
-            </a:avLst>
-          </a:prstGeom>
-          <a:noFill/>
-          <a:ln w="38100">
-            <a:solidFill>
-              <a:srgbClr val="FF0000"/>
-            </a:solidFill>
-          </a:ln>
-        </p:spPr>
-        <p:style>
-          <a:lnRef idx="2">
-            <a:schemeClr val="accent1">
-              <a:shade val="50000"/>
-            </a:schemeClr>
-          </a:lnRef>
-          <a:fillRef idx="1">
-            <a:schemeClr val="accent1"/>
-          </a:fillRef>
-          <a:effectRef idx="0">
-            <a:schemeClr val="accent1"/>
-          </a:effectRef>
-          <a:fontRef idx="minor">
-            <a:schemeClr val="lt1"/>
-          </a:fontRef>
-        </p:style>
-        <p:txBody>
-          <a:bodyPr rtlCol="0" anchor="ctr"/>
-          <a:lstStyle/>
-          <a:p>
-            <a:pPr algn="ctr"/>
-            <a:endParaRPr lang="en-US"/>
-          </a:p>
-        </p:txBody>
-      </p:sp>
-    </p:spTree>
-  </p:cSld>
-  <p:clrMapOvr>
-    <a:masterClrMapping/>
-  </p:clrMapOvr>
-</p:sld>
-</file>
-
-<file path=ppt/slides/slide9.xml><?xml version="1.0" encoding="utf-8"?>
-<p:sld xmlns:a="http://schemas.openxmlformats.org/drawingml/2006/main" xmlns:r="http://schemas.openxmlformats.org/officeDocument/2006/relationships" xmlns:p="http://schemas.openxmlformats.org/presentationml/2006/main">
-  <p:cSld>
-    <p:spTree>
-      <p:nvGrpSpPr>
-        <p:cNvPr id="1" name=""/>
-        <p:cNvGrpSpPr/>
-        <p:nvPr/>
-      </p:nvGrpSpPr>
-      <p:grpSpPr>
-        <a:xfrm>
-          <a:off x="0" y="0"/>
-          <a:ext cx="0" cy="0"/>
-          <a:chOff x="0" y="0"/>
-          <a:chExt cx="0" cy="0"/>
-        </a:xfrm>
-      </p:grpSpPr>
-      <p:sp>
-        <p:nvSpPr>
-          <p:cNvPr id="2" name="Title 1"/>
-          <p:cNvSpPr>
-            <a:spLocks noGrp="1"/>
-          </p:cNvSpPr>
-          <p:nvPr>
-            <p:ph type="title"/>
-          </p:nvPr>
-        </p:nvSpPr>
-        <p:spPr/>
-        <p:txBody>
-          <a:bodyPr/>
-          <a:lstStyle/>
-          <a:p>
-            <a:r>
-              <a:rPr lang="en-US" dirty="0" smtClean="0"/>
-              <a:t>WSAS Installation (Cont’d)</a:t>
-            </a:r>
-            <a:endParaRPr lang="en-US" dirty="0"/>
-          </a:p>
-        </p:txBody>
-      </p:sp>
-      <p:sp>
-        <p:nvSpPr>
-          <p:cNvPr id="3" name="Content Placeholder 2"/>
-          <p:cNvSpPr>
-            <a:spLocks noGrp="1"/>
-          </p:cNvSpPr>
-          <p:nvPr>
-            <p:ph idx="1"/>
-          </p:nvPr>
-        </p:nvSpPr>
-        <p:spPr/>
-        <p:txBody>
-          <a:bodyPr/>
-          <a:lstStyle/>
-          <a:p>
-            <a:endParaRPr lang="en-US"/>
-          </a:p>
-        </p:txBody>
-      </p:sp>
-      <p:pic>
-        <p:nvPicPr>
-          <p:cNvPr id="8194" name="Picture 2"/>
-          <p:cNvPicPr>
-            <a:picLocks noChangeAspect="1" noChangeArrowheads="1"/>
-          </p:cNvPicPr>
-          <p:nvPr/>
-        </p:nvPicPr>
-        <p:blipFill>
-          <a:blip r:embed="rId2" cstate="print"/>
-          <a:srcRect/>
-          <a:stretch>
-            <a:fillRect/>
-          </a:stretch>
-        </p:blipFill>
-        <p:spPr bwMode="auto">
-          <a:xfrm>
-            <a:off x="1524000" y="1676400"/>
-            <a:ext cx="6067425" cy="4171950"/>
-          </a:xfrm>
-          <a:prstGeom prst="rect">
-            <a:avLst/>
-          </a:prstGeom>
-          <a:noFill/>
-          <a:ln w="9525">
-            <a:noFill/>
-            <a:miter lim="800000"/>
-            <a:headEnd/>
-            <a:tailEnd/>
-          </a:ln>
-        </p:spPr>
-      </p:pic>
-      <p:sp>
-        <p:nvSpPr>
-          <p:cNvPr id="5" name="Rounded Rectangle 4"/>
-          <p:cNvSpPr/>
-          <p:nvPr/>
-        </p:nvSpPr>
-        <p:spPr>
-          <a:xfrm>
-            <a:off x="3033712" y="4371975"/>
-            <a:ext cx="2743200" cy="228600"/>
-          </a:xfrm>
-          <a:prstGeom prst="roundRect">
-            <a:avLst>
-              <a:gd name="adj" fmla="val 21467"/>
-            </a:avLst>
-          </a:prstGeom>
-          <a:noFill/>
-          <a:ln w="38100">
-            <a:solidFill>
-              <a:srgbClr val="FF0000"/>
-            </a:solidFill>
-          </a:ln>
-        </p:spPr>
-        <p:style>
-          <a:lnRef idx="2">
-            <a:schemeClr val="accent1">
-              <a:shade val="50000"/>
-            </a:schemeClr>
-          </a:lnRef>
-          <a:fillRef idx="1">
-            <a:schemeClr val="accent1"/>
-          </a:fillRef>
-          <a:effectRef idx="0">
-            <a:schemeClr val="accent1"/>
-          </a:effectRef>
-          <a:fontRef idx="minor">
-            <a:schemeClr val="lt1"/>
-          </a:fontRef>
-        </p:style>
-        <p:txBody>
-          <a:bodyPr rtlCol="0" anchor="ctr"/>
-          <a:lstStyle/>
-          <a:p>
-            <a:pPr algn="ctr"/>
-            <a:endParaRPr lang="en-US"/>
-          </a:p>
-        </p:txBody>
-      </p:sp>
-      <p:sp>
-        <p:nvSpPr>
-          <p:cNvPr id="6" name="Rounded Rectangle 5"/>
-          <p:cNvSpPr/>
-          <p:nvPr/>
-        </p:nvSpPr>
-        <p:spPr>
-          <a:xfrm>
-            <a:off x="5257800" y="5410200"/>
             <a:ext cx="1143000" cy="304800"/>
           </a:xfrm>
           <a:prstGeom prst="roundRect">

--- a/papers/DRCPA/docs/PerfTest - Setup (WSAS).pptx
+++ b/papers/DRCPA/docs/PerfTest - Setup (WSAS).pptx
@@ -1,6 +1,6 @@
 
 <file path=ppt/presentation.xml><?xml version="1.0" encoding="utf-8"?>
-<p:presentation xmlns:a="http://schemas.openxmlformats.org/drawingml/2006/main" xmlns:r="http://schemas.openxmlformats.org/officeDocument/2006/relationships" xmlns:mc="http://schemas.openxmlformats.org/markup-compatibility/2006" xmlns:mv="urn:schemas-microsoft-com:mac:vml" xmlns:p="http://schemas.openxmlformats.org/presentationml/2006/main" mc:Ignorable="mv" mc:PreserveAttributes="mv:*" saveSubsetFonts="1">
+<p:presentation xmlns:a="http://schemas.openxmlformats.org/drawingml/2006/main" xmlns:r="http://schemas.openxmlformats.org/officeDocument/2006/relationships" xmlns:p="http://schemas.openxmlformats.org/presentationml/2006/main" saveSubsetFonts="1">
   <p:sldMasterIdLst>
     <p:sldMasterId id="2147483648" r:id="rId1"/>
   </p:sldMasterIdLst>
@@ -137,7 +137,7 @@
 </file>
 
 <file path=ppt/slideLayouts/slideLayout1.xml><?xml version="1.0" encoding="utf-8"?>
-<p:sldLayout xmlns:a="http://schemas.openxmlformats.org/drawingml/2006/main" xmlns:r="http://schemas.openxmlformats.org/officeDocument/2006/relationships" xmlns:mc="http://schemas.openxmlformats.org/markup-compatibility/2006" xmlns:mv="urn:schemas-microsoft-com:mac:vml" xmlns:p="http://schemas.openxmlformats.org/presentationml/2006/main" mc:Ignorable="mv" mc:PreserveAttributes="mv:*" type="title" preserve="1">
+<p:sldLayout xmlns:a="http://schemas.openxmlformats.org/drawingml/2006/main" xmlns:r="http://schemas.openxmlformats.org/officeDocument/2006/relationships" xmlns:p="http://schemas.openxmlformats.org/presentationml/2006/main" type="title" preserve="1">
   <p:cSld name="Title Slide">
     <p:bg>
       <p:bgRef idx="1002">
@@ -323,7 +323,7 @@
             <a:fld id="{C60591B3-B4ED-4C31-8AEF-63EEC6A32F51}" type="datetimeFigureOut">
               <a:rPr lang="en-US" smtClean="0"/>
               <a:pPr/>
-              <a:t>9/22/09</a:t>
+              <a:t>10/8/2009</a:t>
             </a:fld>
             <a:endParaRPr lang="en-US"/>
           </a:p>
@@ -381,7 +381,7 @@
 </file>
 
 <file path=ppt/slideLayouts/slideLayout10.xml><?xml version="1.0" encoding="utf-8"?>
-<p:sldLayout xmlns:a="http://schemas.openxmlformats.org/drawingml/2006/main" xmlns:r="http://schemas.openxmlformats.org/officeDocument/2006/relationships" xmlns:mc="http://schemas.openxmlformats.org/markup-compatibility/2006" xmlns:mv="urn:schemas-microsoft-com:mac:vml" xmlns:p="http://schemas.openxmlformats.org/presentationml/2006/main" mc:Ignorable="mv" mc:PreserveAttributes="mv:*" type="vertTx" preserve="1">
+<p:sldLayout xmlns:a="http://schemas.openxmlformats.org/drawingml/2006/main" xmlns:r="http://schemas.openxmlformats.org/officeDocument/2006/relationships" xmlns:p="http://schemas.openxmlformats.org/presentationml/2006/main" type="vertTx" preserve="1">
   <p:cSld name="Title and Vertical Text">
     <p:spTree>
       <p:nvGrpSpPr>
@@ -490,7 +490,7 @@
             <a:fld id="{C60591B3-B4ED-4C31-8AEF-63EEC6A32F51}" type="datetimeFigureOut">
               <a:rPr lang="en-US" smtClean="0"/>
               <a:pPr/>
-              <a:t>9/22/09</a:t>
+              <a:t>10/8/2009</a:t>
             </a:fld>
             <a:endParaRPr lang="en-US"/>
           </a:p>
@@ -548,7 +548,7 @@
 </file>
 
 <file path=ppt/slideLayouts/slideLayout11.xml><?xml version="1.0" encoding="utf-8"?>
-<p:sldLayout xmlns:a="http://schemas.openxmlformats.org/drawingml/2006/main" xmlns:r="http://schemas.openxmlformats.org/officeDocument/2006/relationships" xmlns:mc="http://schemas.openxmlformats.org/markup-compatibility/2006" xmlns:mv="urn:schemas-microsoft-com:mac:vml" xmlns:p="http://schemas.openxmlformats.org/presentationml/2006/main" mc:Ignorable="mv" mc:PreserveAttributes="mv:*" type="vertTitleAndTx" preserve="1">
+<p:sldLayout xmlns:a="http://schemas.openxmlformats.org/drawingml/2006/main" xmlns:r="http://schemas.openxmlformats.org/officeDocument/2006/relationships" xmlns:p="http://schemas.openxmlformats.org/presentationml/2006/main" type="vertTitleAndTx" preserve="1">
   <p:cSld name="Vertical Title and Text">
     <p:spTree>
       <p:nvGrpSpPr>
@@ -667,7 +667,7 @@
             <a:fld id="{C60591B3-B4ED-4C31-8AEF-63EEC6A32F51}" type="datetimeFigureOut">
               <a:rPr lang="en-US" smtClean="0"/>
               <a:pPr/>
-              <a:t>9/22/09</a:t>
+              <a:t>10/8/2009</a:t>
             </a:fld>
             <a:endParaRPr lang="en-US"/>
           </a:p>
@@ -725,7 +725,7 @@
 </file>
 
 <file path=ppt/slideLayouts/slideLayout2.xml><?xml version="1.0" encoding="utf-8"?>
-<p:sldLayout xmlns:a="http://schemas.openxmlformats.org/drawingml/2006/main" xmlns:r="http://schemas.openxmlformats.org/officeDocument/2006/relationships" xmlns:mc="http://schemas.openxmlformats.org/markup-compatibility/2006" xmlns:mv="urn:schemas-microsoft-com:mac:vml" xmlns:p="http://schemas.openxmlformats.org/presentationml/2006/main" mc:Ignorable="mv" mc:PreserveAttributes="mv:*" type="obj" preserve="1">
+<p:sldLayout xmlns:a="http://schemas.openxmlformats.org/drawingml/2006/main" xmlns:r="http://schemas.openxmlformats.org/officeDocument/2006/relationships" xmlns:p="http://schemas.openxmlformats.org/presentationml/2006/main" type="obj" preserve="1">
   <p:cSld name="Title and Content">
     <p:spTree>
       <p:nvGrpSpPr>
@@ -834,7 +834,7 @@
             <a:fld id="{C60591B3-B4ED-4C31-8AEF-63EEC6A32F51}" type="datetimeFigureOut">
               <a:rPr lang="en-US" smtClean="0"/>
               <a:pPr/>
-              <a:t>9/22/09</a:t>
+              <a:t>10/8/2009</a:t>
             </a:fld>
             <a:endParaRPr lang="en-US"/>
           </a:p>
@@ -892,7 +892,7 @@
 </file>
 
 <file path=ppt/slideLayouts/slideLayout3.xml><?xml version="1.0" encoding="utf-8"?>
-<p:sldLayout xmlns:a="http://schemas.openxmlformats.org/drawingml/2006/main" xmlns:r="http://schemas.openxmlformats.org/officeDocument/2006/relationships" xmlns:mc="http://schemas.openxmlformats.org/markup-compatibility/2006" xmlns:mv="urn:schemas-microsoft-com:mac:vml" xmlns:p="http://schemas.openxmlformats.org/presentationml/2006/main" mc:Ignorable="mv" mc:PreserveAttributes="mv:*" type="secHead" preserve="1">
+<p:sldLayout xmlns:a="http://schemas.openxmlformats.org/drawingml/2006/main" xmlns:r="http://schemas.openxmlformats.org/officeDocument/2006/relationships" xmlns:p="http://schemas.openxmlformats.org/presentationml/2006/main" type="secHead" preserve="1">
   <p:cSld name="Section Header">
     <p:bg>
       <p:bgRef idx="1002">
@@ -1082,7 +1082,7 @@
             <a:fld id="{C60591B3-B4ED-4C31-8AEF-63EEC6A32F51}" type="datetimeFigureOut">
               <a:rPr lang="en-US" smtClean="0"/>
               <a:pPr/>
-              <a:t>9/22/09</a:t>
+              <a:t>10/8/2009</a:t>
             </a:fld>
             <a:endParaRPr lang="en-US"/>
           </a:p>
@@ -1140,7 +1140,7 @@
 </file>
 
 <file path=ppt/slideLayouts/slideLayout4.xml><?xml version="1.0" encoding="utf-8"?>
-<p:sldLayout xmlns:a="http://schemas.openxmlformats.org/drawingml/2006/main" xmlns:r="http://schemas.openxmlformats.org/officeDocument/2006/relationships" xmlns:mc="http://schemas.openxmlformats.org/markup-compatibility/2006" xmlns:mv="urn:schemas-microsoft-com:mac:vml" xmlns:p="http://schemas.openxmlformats.org/presentationml/2006/main" mc:Ignorable="mv" mc:PreserveAttributes="mv:*" type="twoObj" preserve="1">
+<p:sldLayout xmlns:a="http://schemas.openxmlformats.org/drawingml/2006/main" xmlns:r="http://schemas.openxmlformats.org/officeDocument/2006/relationships" xmlns:p="http://schemas.openxmlformats.org/presentationml/2006/main" type="twoObj" preserve="1">
   <p:cSld name="Two Content">
     <p:spTree>
       <p:nvGrpSpPr>
@@ -1367,7 +1367,7 @@
             <a:fld id="{C60591B3-B4ED-4C31-8AEF-63EEC6A32F51}" type="datetimeFigureOut">
               <a:rPr lang="en-US" smtClean="0"/>
               <a:pPr/>
-              <a:t>9/22/09</a:t>
+              <a:t>10/8/2009</a:t>
             </a:fld>
             <a:endParaRPr lang="en-US"/>
           </a:p>
@@ -1425,7 +1425,7 @@
 </file>
 
 <file path=ppt/slideLayouts/slideLayout5.xml><?xml version="1.0" encoding="utf-8"?>
-<p:sldLayout xmlns:a="http://schemas.openxmlformats.org/drawingml/2006/main" xmlns:r="http://schemas.openxmlformats.org/officeDocument/2006/relationships" xmlns:mc="http://schemas.openxmlformats.org/markup-compatibility/2006" xmlns:mv="urn:schemas-microsoft-com:mac:vml" xmlns:p="http://schemas.openxmlformats.org/presentationml/2006/main" mc:Ignorable="mv" mc:PreserveAttributes="mv:*" type="twoTxTwoObj" preserve="1">
+<p:sldLayout xmlns:a="http://schemas.openxmlformats.org/drawingml/2006/main" xmlns:r="http://schemas.openxmlformats.org/officeDocument/2006/relationships" xmlns:p="http://schemas.openxmlformats.org/presentationml/2006/main" type="twoTxTwoObj" preserve="1">
   <p:cSld name="Comparison">
     <p:spTree>
       <p:nvGrpSpPr>
@@ -1786,7 +1786,7 @@
             <a:fld id="{C60591B3-B4ED-4C31-8AEF-63EEC6A32F51}" type="datetimeFigureOut">
               <a:rPr lang="en-US" smtClean="0"/>
               <a:pPr/>
-              <a:t>9/22/09</a:t>
+              <a:t>10/8/2009</a:t>
             </a:fld>
             <a:endParaRPr lang="en-US"/>
           </a:p>
@@ -1844,7 +1844,7 @@
 </file>
 
 <file path=ppt/slideLayouts/slideLayout6.xml><?xml version="1.0" encoding="utf-8"?>
-<p:sldLayout xmlns:a="http://schemas.openxmlformats.org/drawingml/2006/main" xmlns:r="http://schemas.openxmlformats.org/officeDocument/2006/relationships" xmlns:mc="http://schemas.openxmlformats.org/markup-compatibility/2006" xmlns:mv="urn:schemas-microsoft-com:mac:vml" xmlns:p="http://schemas.openxmlformats.org/presentationml/2006/main" mc:Ignorable="mv" mc:PreserveAttributes="mv:*" type="titleOnly" preserve="1">
+<p:sldLayout xmlns:a="http://schemas.openxmlformats.org/drawingml/2006/main" xmlns:r="http://schemas.openxmlformats.org/officeDocument/2006/relationships" xmlns:p="http://schemas.openxmlformats.org/presentationml/2006/main" type="titleOnly" preserve="1">
   <p:cSld name="Title Only">
     <p:spTree>
       <p:nvGrpSpPr>
@@ -1901,7 +1901,7 @@
             <a:fld id="{C60591B3-B4ED-4C31-8AEF-63EEC6A32F51}" type="datetimeFigureOut">
               <a:rPr lang="en-US" smtClean="0"/>
               <a:pPr/>
-              <a:t>9/22/09</a:t>
+              <a:t>10/8/2009</a:t>
             </a:fld>
             <a:endParaRPr lang="en-US"/>
           </a:p>
@@ -1959,7 +1959,7 @@
 </file>
 
 <file path=ppt/slideLayouts/slideLayout7.xml><?xml version="1.0" encoding="utf-8"?>
-<p:sldLayout xmlns:a="http://schemas.openxmlformats.org/drawingml/2006/main" xmlns:r="http://schemas.openxmlformats.org/officeDocument/2006/relationships" xmlns:mc="http://schemas.openxmlformats.org/markup-compatibility/2006" xmlns:mv="urn:schemas-microsoft-com:mac:vml" xmlns:p="http://schemas.openxmlformats.org/presentationml/2006/main" mc:Ignorable="mv" mc:PreserveAttributes="mv:*" type="blank" preserve="1">
+<p:sldLayout xmlns:a="http://schemas.openxmlformats.org/drawingml/2006/main" xmlns:r="http://schemas.openxmlformats.org/officeDocument/2006/relationships" xmlns:p="http://schemas.openxmlformats.org/presentationml/2006/main" type="blank" preserve="1">
   <p:cSld name="Blank">
     <p:spTree>
       <p:nvGrpSpPr>
@@ -1993,7 +1993,7 @@
             <a:fld id="{C60591B3-B4ED-4C31-8AEF-63EEC6A32F51}" type="datetimeFigureOut">
               <a:rPr lang="en-US" smtClean="0"/>
               <a:pPr/>
-              <a:t>9/22/09</a:t>
+              <a:t>10/8/2009</a:t>
             </a:fld>
             <a:endParaRPr lang="en-US"/>
           </a:p>
@@ -2051,7 +2051,7 @@
 </file>
 
 <file path=ppt/slideLayouts/slideLayout8.xml><?xml version="1.0" encoding="utf-8"?>
-<p:sldLayout xmlns:a="http://schemas.openxmlformats.org/drawingml/2006/main" xmlns:r="http://schemas.openxmlformats.org/officeDocument/2006/relationships" xmlns:mc="http://schemas.openxmlformats.org/markup-compatibility/2006" xmlns:mv="urn:schemas-microsoft-com:mac:vml" xmlns:p="http://schemas.openxmlformats.org/presentationml/2006/main" mc:Ignorable="mv" mc:PreserveAttributes="mv:*" type="objTx" preserve="1">
+<p:sldLayout xmlns:a="http://schemas.openxmlformats.org/drawingml/2006/main" xmlns:r="http://schemas.openxmlformats.org/officeDocument/2006/relationships" xmlns:p="http://schemas.openxmlformats.org/presentationml/2006/main" type="objTx" preserve="1">
   <p:cSld name="Content with Caption">
     <p:spTree>
       <p:nvGrpSpPr>
@@ -2267,7 +2267,7 @@
             <a:fld id="{C60591B3-B4ED-4C31-8AEF-63EEC6A32F51}" type="datetimeFigureOut">
               <a:rPr lang="en-US" smtClean="0"/>
               <a:pPr/>
-              <a:t>9/22/09</a:t>
+              <a:t>10/8/2009</a:t>
             </a:fld>
             <a:endParaRPr lang="en-US"/>
           </a:p>
@@ -2325,7 +2325,7 @@
 </file>
 
 <file path=ppt/slideLayouts/slideLayout9.xml><?xml version="1.0" encoding="utf-8"?>
-<p:sldLayout xmlns:a="http://schemas.openxmlformats.org/drawingml/2006/main" xmlns:r="http://schemas.openxmlformats.org/officeDocument/2006/relationships" xmlns:mc="http://schemas.openxmlformats.org/markup-compatibility/2006" xmlns:mv="urn:schemas-microsoft-com:mac:vml" xmlns:p="http://schemas.openxmlformats.org/presentationml/2006/main" mc:Ignorable="mv" mc:PreserveAttributes="mv:*" type="picTx" preserve="1">
+<p:sldLayout xmlns:a="http://schemas.openxmlformats.org/drawingml/2006/main" xmlns:r="http://schemas.openxmlformats.org/officeDocument/2006/relationships" xmlns:p="http://schemas.openxmlformats.org/presentationml/2006/main" type="picTx" preserve="1">
   <p:cSld name="Picture with Caption">
     <p:spTree>
       <p:nvGrpSpPr>
@@ -2517,7 +2517,7 @@
             <a:fld id="{C60591B3-B4ED-4C31-8AEF-63EEC6A32F51}" type="datetimeFigureOut">
               <a:rPr lang="en-US" smtClean="0"/>
               <a:pPr/>
-              <a:t>9/22/09</a:t>
+              <a:t>10/8/2009</a:t>
             </a:fld>
             <a:endParaRPr lang="en-US"/>
           </a:p>
@@ -2575,7 +2575,7 @@
 </file>
 
 <file path=ppt/slideMasters/slideMaster1.xml><?xml version="1.0" encoding="utf-8"?>
-<p:sldMaster xmlns:a="http://schemas.openxmlformats.org/drawingml/2006/main" xmlns:r="http://schemas.openxmlformats.org/officeDocument/2006/relationships" xmlns:mc="http://schemas.openxmlformats.org/markup-compatibility/2006" xmlns:mv="urn:schemas-microsoft-com:mac:vml" xmlns:p="http://schemas.openxmlformats.org/presentationml/2006/main" mc:Ignorable="mv" mc:PreserveAttributes="mv:*">
+<p:sldMaster xmlns:a="http://schemas.openxmlformats.org/drawingml/2006/main" xmlns:r="http://schemas.openxmlformats.org/officeDocument/2006/relationships" xmlns:p="http://schemas.openxmlformats.org/presentationml/2006/main">
   <p:cSld>
     <p:bg>
       <p:bgRef idx="1001">
@@ -2727,7 +2727,7 @@
             <a:fld id="{C60591B3-B4ED-4C31-8AEF-63EEC6A32F51}" type="datetimeFigureOut">
               <a:rPr lang="en-US" smtClean="0"/>
               <a:pPr/>
-              <a:t>9/22/09</a:t>
+              <a:t>10/8/2009</a:t>
             </a:fld>
             <a:endParaRPr lang="en-US"/>
           </a:p>
@@ -3082,7 +3082,7 @@
 </file>
 
 <file path=ppt/slides/slide1.xml><?xml version="1.0" encoding="utf-8"?>
-<p:sld xmlns:a="http://schemas.openxmlformats.org/drawingml/2006/main" xmlns:r="http://schemas.openxmlformats.org/officeDocument/2006/relationships" xmlns:mc="http://schemas.openxmlformats.org/markup-compatibility/2006" xmlns:mv="urn:schemas-microsoft-com:mac:vml" xmlns:p="http://schemas.openxmlformats.org/presentationml/2006/main" mc:Ignorable="mv" mc:PreserveAttributes="mv:*">
+<p:sld xmlns:a="http://schemas.openxmlformats.org/drawingml/2006/main" xmlns:r="http://schemas.openxmlformats.org/officeDocument/2006/relationships" xmlns:p="http://schemas.openxmlformats.org/presentationml/2006/main">
   <p:cSld>
     <p:spTree>
       <p:nvGrpSpPr>
@@ -3193,16 +3193,12 @@
           <a:p>
             <a:r>
               <a:rPr lang="en-US" dirty="0" smtClean="0"/>
-              <a:t>Last Updated: Sep.</a:t>
-            </a:r>
-            <a:r>
-              <a:rPr lang="en-US" dirty="0" smtClean="0"/>
-              <a:t> 22, </a:t>
-            </a:r>
-            <a:r>
-              <a:rPr lang="en-US" dirty="0" smtClean="0"/>
-              <a:t>2009</a:t>
-            </a:r>
+              <a:t>Last Updated: </a:t>
+            </a:r>
+            <a:fld id="{567FE169-757B-4A62-844F-4F79D495C347}" type="datetime1">
+              <a:rPr lang="en-US" smtClean="0"/>
+              <a:t>10/8/2009</a:t>
+            </a:fld>
             <a:endParaRPr lang="en-US" dirty="0"/>
           </a:p>
         </p:txBody>
@@ -3216,7 +3212,7 @@
 </file>
 
 <file path=ppt/slides/slide10.xml><?xml version="1.0" encoding="utf-8"?>
-<p:sld xmlns:a="http://schemas.openxmlformats.org/drawingml/2006/main" xmlns:r="http://schemas.openxmlformats.org/officeDocument/2006/relationships" xmlns:mc="http://schemas.openxmlformats.org/markup-compatibility/2006" xmlns:mv="urn:schemas-microsoft-com:mac:vml" xmlns:p="http://schemas.openxmlformats.org/presentationml/2006/main" mc:Ignorable="mv" mc:PreserveAttributes="mv:*">
+<p:sld xmlns:a="http://schemas.openxmlformats.org/drawingml/2006/main" xmlns:r="http://schemas.openxmlformats.org/officeDocument/2006/relationships" xmlns:p="http://schemas.openxmlformats.org/presentationml/2006/main">
   <p:cSld>
     <p:spTree>
       <p:nvGrpSpPr>
@@ -3411,7 +3407,7 @@
 </file>
 
 <file path=ppt/slides/slide11.xml><?xml version="1.0" encoding="utf-8"?>
-<p:sld xmlns:a="http://schemas.openxmlformats.org/drawingml/2006/main" xmlns:r="http://schemas.openxmlformats.org/officeDocument/2006/relationships" xmlns:mc="http://schemas.openxmlformats.org/markup-compatibility/2006" xmlns:mv="urn:schemas-microsoft-com:mac:vml" xmlns:p="http://schemas.openxmlformats.org/presentationml/2006/main" mc:Ignorable="mv" mc:PreserveAttributes="mv:*">
+<p:sld xmlns:a="http://schemas.openxmlformats.org/drawingml/2006/main" xmlns:r="http://schemas.openxmlformats.org/officeDocument/2006/relationships" xmlns:p="http://schemas.openxmlformats.org/presentationml/2006/main">
   <p:cSld>
     <p:spTree>
       <p:nvGrpSpPr>
@@ -3606,7 +3602,7 @@
 </file>
 
 <file path=ppt/slides/slide12.xml><?xml version="1.0" encoding="utf-8"?>
-<p:sld xmlns:a="http://schemas.openxmlformats.org/drawingml/2006/main" xmlns:r="http://schemas.openxmlformats.org/officeDocument/2006/relationships" xmlns:mc="http://schemas.openxmlformats.org/markup-compatibility/2006" xmlns:mv="urn:schemas-microsoft-com:mac:vml" xmlns:p="http://schemas.openxmlformats.org/presentationml/2006/main" mc:Ignorable="mv" mc:PreserveAttributes="mv:*">
+<p:sld xmlns:a="http://schemas.openxmlformats.org/drawingml/2006/main" xmlns:r="http://schemas.openxmlformats.org/officeDocument/2006/relationships" xmlns:p="http://schemas.openxmlformats.org/presentationml/2006/main">
   <p:cSld>
     <p:spTree>
       <p:nvGrpSpPr>
@@ -3801,7 +3797,7 @@
 </file>
 
 <file path=ppt/slides/slide13.xml><?xml version="1.0" encoding="utf-8"?>
-<p:sld xmlns:a="http://schemas.openxmlformats.org/drawingml/2006/main" xmlns:r="http://schemas.openxmlformats.org/officeDocument/2006/relationships" xmlns:mc="http://schemas.openxmlformats.org/markup-compatibility/2006" xmlns:mv="urn:schemas-microsoft-com:mac:vml" xmlns:p="http://schemas.openxmlformats.org/presentationml/2006/main" mc:Ignorable="mv" mc:PreserveAttributes="mv:*">
+<p:sld xmlns:a="http://schemas.openxmlformats.org/drawingml/2006/main" xmlns:r="http://schemas.openxmlformats.org/officeDocument/2006/relationships" xmlns:p="http://schemas.openxmlformats.org/presentationml/2006/main">
   <p:cSld>
     <p:spTree>
       <p:nvGrpSpPr>
@@ -4302,7 +4298,7 @@
 </file>
 
 <file path=ppt/slides/slide14.xml><?xml version="1.0" encoding="utf-8"?>
-<p:sld xmlns:a="http://schemas.openxmlformats.org/drawingml/2006/main" xmlns:r="http://schemas.openxmlformats.org/officeDocument/2006/relationships" xmlns:mc="http://schemas.openxmlformats.org/markup-compatibility/2006" xmlns:mv="urn:schemas-microsoft-com:mac:vml" xmlns:p="http://schemas.openxmlformats.org/presentationml/2006/main" mc:Ignorable="mv" mc:PreserveAttributes="mv:*">
+<p:sld xmlns:a="http://schemas.openxmlformats.org/drawingml/2006/main" xmlns:r="http://schemas.openxmlformats.org/officeDocument/2006/relationships" xmlns:p="http://schemas.openxmlformats.org/presentationml/2006/main">
   <p:cSld>
     <p:spTree>
       <p:nvGrpSpPr>
@@ -4401,7 +4397,7 @@
 </file>
 
 <file path=ppt/slides/slide15.xml><?xml version="1.0" encoding="utf-8"?>
-<p:sld xmlns:a="http://schemas.openxmlformats.org/drawingml/2006/main" xmlns:r="http://schemas.openxmlformats.org/officeDocument/2006/relationships" xmlns:mc="http://schemas.openxmlformats.org/markup-compatibility/2006" xmlns:mv="urn:schemas-microsoft-com:mac:vml" xmlns:p="http://schemas.openxmlformats.org/presentationml/2006/main" mc:Ignorable="mv" mc:PreserveAttributes="mv:*">
+<p:sld xmlns:a="http://schemas.openxmlformats.org/drawingml/2006/main" xmlns:r="http://schemas.openxmlformats.org/officeDocument/2006/relationships" xmlns:p="http://schemas.openxmlformats.org/presentationml/2006/main">
   <p:cSld>
     <p:spTree>
       <p:nvGrpSpPr>
@@ -4596,7 +4592,7 @@
 </file>
 
 <file path=ppt/slides/slide16.xml><?xml version="1.0" encoding="utf-8"?>
-<p:sld xmlns:a="http://schemas.openxmlformats.org/drawingml/2006/main" xmlns:r="http://schemas.openxmlformats.org/officeDocument/2006/relationships" xmlns:mc="http://schemas.openxmlformats.org/markup-compatibility/2006" xmlns:mv="urn:schemas-microsoft-com:mac:vml" xmlns:p="http://schemas.openxmlformats.org/presentationml/2006/main" mc:Ignorable="mv" mc:PreserveAttributes="mv:*">
+<p:sld xmlns:a="http://schemas.openxmlformats.org/drawingml/2006/main" xmlns:r="http://schemas.openxmlformats.org/officeDocument/2006/relationships" xmlns:p="http://schemas.openxmlformats.org/presentationml/2006/main">
   <p:cSld>
     <p:spTree>
       <p:nvGrpSpPr>
@@ -4743,7 +4739,7 @@
 </file>
 
 <file path=ppt/slides/slide17.xml><?xml version="1.0" encoding="utf-8"?>
-<p:sld xmlns:a="http://schemas.openxmlformats.org/drawingml/2006/main" xmlns:r="http://schemas.openxmlformats.org/officeDocument/2006/relationships" xmlns:mc="http://schemas.openxmlformats.org/markup-compatibility/2006" xmlns:mv="urn:schemas-microsoft-com:mac:vml" xmlns:p="http://schemas.openxmlformats.org/presentationml/2006/main" mc:Ignorable="mv" mc:PreserveAttributes="mv:*">
+<p:sld xmlns:a="http://schemas.openxmlformats.org/drawingml/2006/main" xmlns:r="http://schemas.openxmlformats.org/officeDocument/2006/relationships" xmlns:p="http://schemas.openxmlformats.org/presentationml/2006/main">
   <p:cSld>
     <p:spTree>
       <p:nvGrpSpPr>
@@ -4938,7 +4934,7 @@
 </file>
 
 <file path=ppt/slides/slide18.xml><?xml version="1.0" encoding="utf-8"?>
-<p:sld xmlns:a="http://schemas.openxmlformats.org/drawingml/2006/main" xmlns:r="http://schemas.openxmlformats.org/officeDocument/2006/relationships" xmlns:mc="http://schemas.openxmlformats.org/markup-compatibility/2006" xmlns:mv="urn:schemas-microsoft-com:mac:vml" xmlns:p="http://schemas.openxmlformats.org/presentationml/2006/main" mc:Ignorable="mv" mc:PreserveAttributes="mv:*">
+<p:sld xmlns:a="http://schemas.openxmlformats.org/drawingml/2006/main" xmlns:r="http://schemas.openxmlformats.org/officeDocument/2006/relationships" xmlns:p="http://schemas.openxmlformats.org/presentationml/2006/main">
   <p:cSld>
     <p:spTree>
       <p:nvGrpSpPr>
@@ -5085,7 +5081,7 @@
 </file>
 
 <file path=ppt/slides/slide19.xml><?xml version="1.0" encoding="utf-8"?>
-<p:sld xmlns:a="http://schemas.openxmlformats.org/drawingml/2006/main" xmlns:r="http://schemas.openxmlformats.org/officeDocument/2006/relationships" xmlns:mc="http://schemas.openxmlformats.org/markup-compatibility/2006" xmlns:mv="urn:schemas-microsoft-com:mac:vml" xmlns:p="http://schemas.openxmlformats.org/presentationml/2006/main" mc:Ignorable="mv" mc:PreserveAttributes="mv:*">
+<p:sld xmlns:a="http://schemas.openxmlformats.org/drawingml/2006/main" xmlns:r="http://schemas.openxmlformats.org/officeDocument/2006/relationships" xmlns:p="http://schemas.openxmlformats.org/presentationml/2006/main">
   <p:cSld>
     <p:spTree>
       <p:nvGrpSpPr>
@@ -5201,7 +5197,7 @@
 </file>
 
 <file path=ppt/slides/slide2.xml><?xml version="1.0" encoding="utf-8"?>
-<p:sld xmlns:a="http://schemas.openxmlformats.org/drawingml/2006/main" xmlns:r="http://schemas.openxmlformats.org/officeDocument/2006/relationships" xmlns:mc="http://schemas.openxmlformats.org/markup-compatibility/2006" xmlns:mv="urn:schemas-microsoft-com:mac:vml" xmlns:p="http://schemas.openxmlformats.org/presentationml/2006/main" mc:Ignorable="mv" mc:PreserveAttributes="mv:*">
+<p:sld xmlns:a="http://schemas.openxmlformats.org/drawingml/2006/main" xmlns:r="http://schemas.openxmlformats.org/officeDocument/2006/relationships" xmlns:p="http://schemas.openxmlformats.org/presentationml/2006/main">
   <p:cSld>
     <p:spTree>
       <p:nvGrpSpPr>
@@ -5287,21 +5283,8 @@
             </a:pPr>
             <a:r>
               <a:rPr lang="en-US" dirty="0" smtClean="0"/>
-              <a:t>Rational Performance Tester</a:t>
-            </a:r>
-            <a:r>
-              <a:rPr lang="en-US" dirty="0" smtClean="0"/>
-              <a:t> (</a:t>
-            </a:r>
-            <a:r>
-              <a:rPr lang="en-US" dirty="0" smtClean="0"/>
-              <a:t>RPT)</a:t>
-            </a:r>
-            <a:r>
-              <a:rPr lang="en-US" dirty="0" smtClean="0"/>
-              <a:t> Agent v8.0</a:t>
-            </a:r>
-            <a:endParaRPr lang="en-US" dirty="0" smtClean="0"/>
+              <a:t>Rational Performance Tester (RPT) Agent v8.0</a:t>
+            </a:r>
           </a:p>
           <a:p>
             <a:pPr marL="514350" indent="-514350">
@@ -5332,7 +5315,6 @@
               <a:rPr lang="en-US" dirty="0" smtClean="0"/>
               <a:t>RPT Agent (with DCI) v8.0</a:t>
             </a:r>
-            <a:endParaRPr lang="en-US" dirty="0" smtClean="0"/>
           </a:p>
           <a:p>
             <a:pPr marL="514350" indent="-514350">
@@ -5372,7 +5354,7 @@
 </file>
 
 <file path=ppt/slides/slide20.xml><?xml version="1.0" encoding="utf-8"?>
-<p:sld xmlns:a="http://schemas.openxmlformats.org/drawingml/2006/main" xmlns:r="http://schemas.openxmlformats.org/officeDocument/2006/relationships" xmlns:mc="http://schemas.openxmlformats.org/markup-compatibility/2006" xmlns:mv="urn:schemas-microsoft-com:mac:vml" xmlns:p="http://schemas.openxmlformats.org/presentationml/2006/main" mc:Ignorable="mv" mc:PreserveAttributes="mv:*">
+<p:sld xmlns:a="http://schemas.openxmlformats.org/drawingml/2006/main" xmlns:r="http://schemas.openxmlformats.org/officeDocument/2006/relationships" xmlns:p="http://schemas.openxmlformats.org/presentationml/2006/main">
   <p:cSld>
     <p:spTree>
       <p:nvGrpSpPr>
@@ -5726,7 +5708,7 @@
 </file>
 
 <file path=ppt/slides/slide21.xml><?xml version="1.0" encoding="utf-8"?>
-<p:sld xmlns:a="http://schemas.openxmlformats.org/drawingml/2006/main" xmlns:r="http://schemas.openxmlformats.org/officeDocument/2006/relationships" xmlns:mc="http://schemas.openxmlformats.org/markup-compatibility/2006" xmlns:mv="urn:schemas-microsoft-com:mac:vml" xmlns:p="http://schemas.openxmlformats.org/presentationml/2006/main" mc:Ignorable="mv" mc:PreserveAttributes="mv:*">
+<p:sld xmlns:a="http://schemas.openxmlformats.org/drawingml/2006/main" xmlns:r="http://schemas.openxmlformats.org/officeDocument/2006/relationships" xmlns:p="http://schemas.openxmlformats.org/presentationml/2006/main">
   <p:cSld>
     <p:spTree>
       <p:nvGrpSpPr>
@@ -5966,7 +5948,7 @@
 </file>
 
 <file path=ppt/slides/slide22.xml><?xml version="1.0" encoding="utf-8"?>
-<p:sld xmlns:a="http://schemas.openxmlformats.org/drawingml/2006/main" xmlns:r="http://schemas.openxmlformats.org/officeDocument/2006/relationships" xmlns:mc="http://schemas.openxmlformats.org/markup-compatibility/2006" xmlns:mv="urn:schemas-microsoft-com:mac:vml" xmlns:p="http://schemas.openxmlformats.org/presentationml/2006/main" mc:Ignorable="mv" mc:PreserveAttributes="mv:*">
+<p:sld xmlns:a="http://schemas.openxmlformats.org/drawingml/2006/main" xmlns:r="http://schemas.openxmlformats.org/officeDocument/2006/relationships" xmlns:p="http://schemas.openxmlformats.org/presentationml/2006/main">
   <p:cSld>
     <p:spTree>
       <p:nvGrpSpPr>
@@ -6231,7 +6213,7 @@
 </file>
 
 <file path=ppt/slides/slide23.xml><?xml version="1.0" encoding="utf-8"?>
-<p:sld xmlns:a="http://schemas.openxmlformats.org/drawingml/2006/main" xmlns:r="http://schemas.openxmlformats.org/officeDocument/2006/relationships" xmlns:mc="http://schemas.openxmlformats.org/markup-compatibility/2006" xmlns:mv="urn:schemas-microsoft-com:mac:vml" xmlns:p="http://schemas.openxmlformats.org/presentationml/2006/main" mc:Ignorable="mv" mc:PreserveAttributes="mv:*">
+<p:sld xmlns:a="http://schemas.openxmlformats.org/drawingml/2006/main" xmlns:r="http://schemas.openxmlformats.org/officeDocument/2006/relationships" xmlns:p="http://schemas.openxmlformats.org/presentationml/2006/main">
   <p:cSld>
     <p:spTree>
       <p:nvGrpSpPr>
@@ -6496,7 +6478,7 @@
 </file>
 
 <file path=ppt/slides/slide24.xml><?xml version="1.0" encoding="utf-8"?>
-<p:sld xmlns:a="http://schemas.openxmlformats.org/drawingml/2006/main" xmlns:r="http://schemas.openxmlformats.org/officeDocument/2006/relationships" xmlns:mc="http://schemas.openxmlformats.org/markup-compatibility/2006" xmlns:mv="urn:schemas-microsoft-com:mac:vml" xmlns:p="http://schemas.openxmlformats.org/presentationml/2006/main" mc:Ignorable="mv" mc:PreserveAttributes="mv:*">
+<p:sld xmlns:a="http://schemas.openxmlformats.org/drawingml/2006/main" xmlns:r="http://schemas.openxmlformats.org/officeDocument/2006/relationships" xmlns:p="http://schemas.openxmlformats.org/presentationml/2006/main">
   <p:cSld>
     <p:spTree>
       <p:nvGrpSpPr>
@@ -6710,7 +6692,7 @@
 </file>
 
 <file path=ppt/slides/slide25.xml><?xml version="1.0" encoding="utf-8"?>
-<p:sld xmlns:a="http://schemas.openxmlformats.org/drawingml/2006/main" xmlns:r="http://schemas.openxmlformats.org/officeDocument/2006/relationships" xmlns:mc="http://schemas.openxmlformats.org/markup-compatibility/2006" xmlns:mv="urn:schemas-microsoft-com:mac:vml" xmlns:p="http://schemas.openxmlformats.org/presentationml/2006/main" mc:Ignorable="mv" mc:PreserveAttributes="mv:*">
+<p:sld xmlns:a="http://schemas.openxmlformats.org/drawingml/2006/main" xmlns:r="http://schemas.openxmlformats.org/officeDocument/2006/relationships" xmlns:p="http://schemas.openxmlformats.org/presentationml/2006/main">
   <p:cSld>
     <p:spTree>
       <p:nvGrpSpPr>
@@ -6811,7 +6793,7 @@
 </file>
 
 <file path=ppt/slides/slide26.xml><?xml version="1.0" encoding="utf-8"?>
-<p:sld xmlns:a="http://schemas.openxmlformats.org/drawingml/2006/main" xmlns:r="http://schemas.openxmlformats.org/officeDocument/2006/relationships" xmlns:mc="http://schemas.openxmlformats.org/markup-compatibility/2006" xmlns:mv="urn:schemas-microsoft-com:mac:vml" xmlns:p="http://schemas.openxmlformats.org/presentationml/2006/main" mc:Ignorable="mv" mc:PreserveAttributes="mv:*">
+<p:sld xmlns:a="http://schemas.openxmlformats.org/drawingml/2006/main" xmlns:r="http://schemas.openxmlformats.org/officeDocument/2006/relationships" xmlns:p="http://schemas.openxmlformats.org/presentationml/2006/main">
   <p:cSld>
     <p:spTree>
       <p:nvGrpSpPr>
@@ -7019,7 +7001,7 @@
 </file>
 
 <file path=ppt/slides/slide27.xml><?xml version="1.0" encoding="utf-8"?>
-<p:sld xmlns:a="http://schemas.openxmlformats.org/drawingml/2006/main" xmlns:r="http://schemas.openxmlformats.org/officeDocument/2006/relationships" xmlns:mc="http://schemas.openxmlformats.org/markup-compatibility/2006" xmlns:mv="urn:schemas-microsoft-com:mac:vml" xmlns:p="http://schemas.openxmlformats.org/presentationml/2006/main" mc:Ignorable="mv" mc:PreserveAttributes="mv:*">
+<p:sld xmlns:a="http://schemas.openxmlformats.org/drawingml/2006/main" xmlns:r="http://schemas.openxmlformats.org/officeDocument/2006/relationships" xmlns:p="http://schemas.openxmlformats.org/presentationml/2006/main">
   <p:cSld>
     <p:spTree>
       <p:nvGrpSpPr>
@@ -7187,7 +7169,7 @@
 </file>
 
 <file path=ppt/slides/slide28.xml><?xml version="1.0" encoding="utf-8"?>
-<p:sld xmlns:a="http://schemas.openxmlformats.org/drawingml/2006/main" xmlns:r="http://schemas.openxmlformats.org/officeDocument/2006/relationships" xmlns:mc="http://schemas.openxmlformats.org/markup-compatibility/2006" xmlns:mv="urn:schemas-microsoft-com:mac:vml" xmlns:p="http://schemas.openxmlformats.org/presentationml/2006/main" mc:Ignorable="mv" mc:PreserveAttributes="mv:*">
+<p:sld xmlns:a="http://schemas.openxmlformats.org/drawingml/2006/main" xmlns:r="http://schemas.openxmlformats.org/officeDocument/2006/relationships" xmlns:p="http://schemas.openxmlformats.org/presentationml/2006/main">
   <p:cSld>
     <p:spTree>
       <p:nvGrpSpPr>
@@ -7254,7 +7236,7 @@
 </file>
 
 <file path=ppt/slides/slide29.xml><?xml version="1.0" encoding="utf-8"?>
-<p:sld xmlns:a="http://schemas.openxmlformats.org/drawingml/2006/main" xmlns:r="http://schemas.openxmlformats.org/officeDocument/2006/relationships" xmlns:mc="http://schemas.openxmlformats.org/markup-compatibility/2006" xmlns:mv="urn:schemas-microsoft-com:mac:vml" xmlns:p="http://schemas.openxmlformats.org/presentationml/2006/main" mc:Ignorable="mv" mc:PreserveAttributes="mv:*">
+<p:sld xmlns:a="http://schemas.openxmlformats.org/drawingml/2006/main" xmlns:r="http://schemas.openxmlformats.org/officeDocument/2006/relationships" xmlns:p="http://schemas.openxmlformats.org/presentationml/2006/main">
   <p:cSld>
     <p:spTree>
       <p:nvGrpSpPr>
@@ -7398,7 +7380,7 @@
 </file>
 
 <file path=ppt/slides/slide3.xml><?xml version="1.0" encoding="utf-8"?>
-<p:sld xmlns:a="http://schemas.openxmlformats.org/drawingml/2006/main" xmlns:r="http://schemas.openxmlformats.org/officeDocument/2006/relationships" xmlns:mc="http://schemas.openxmlformats.org/markup-compatibility/2006" xmlns:mv="urn:schemas-microsoft-com:mac:vml" xmlns:p="http://schemas.openxmlformats.org/presentationml/2006/main" mc:Ignorable="mv" mc:PreserveAttributes="mv:*">
+<p:sld xmlns:a="http://schemas.openxmlformats.org/drawingml/2006/main" xmlns:r="http://schemas.openxmlformats.org/officeDocument/2006/relationships" xmlns:p="http://schemas.openxmlformats.org/presentationml/2006/main">
   <p:cSld>
     <p:spTree>
       <p:nvGrpSpPr>
@@ -7502,11 +7484,7 @@
             </a:r>
             <a:r>
               <a:rPr lang="en-US" sz="2000" dirty="0" smtClean="0"/>
-              <a:t>for Linux on x86Series, 32-bit Support (C87QXML</a:t>
-            </a:r>
-            <a:r>
-              <a:rPr lang="en-US" sz="2000" dirty="0" smtClean="0"/>
-              <a:t>)</a:t>
+              <a:t>for Linux on x86Series, 32-bit Support (C87QXML)</a:t>
             </a:r>
           </a:p>
           <a:p>
@@ -7521,21 +7499,8 @@
             </a:r>
             <a:r>
               <a:rPr lang="en-US" sz="2000" dirty="0" smtClean="0"/>
-              <a:t>for</a:t>
-            </a:r>
-            <a:r>
-              <a:rPr lang="en-US" sz="2000" dirty="0" smtClean="0"/>
-              <a:t> Windows on </a:t>
-            </a:r>
-            <a:r>
-              <a:rPr lang="en-US" sz="2000" dirty="0" smtClean="0"/>
-              <a:t>x86Series, 32-bit Support (</a:t>
-            </a:r>
-            <a:r>
-              <a:rPr lang="en-US" sz="2000" dirty="0" smtClean="0"/>
-              <a:t>C87QTML)</a:t>
-            </a:r>
-            <a:endParaRPr lang="en-US" sz="2000" dirty="0" smtClean="0"/>
+              <a:t>for Windows on x86Series, 32-bit Support (C87QTML)</a:t>
+            </a:r>
           </a:p>
           <a:p>
             <a:pPr lvl="2"/>
@@ -7559,7 +7524,6 @@
               <a:rPr lang="en-US" sz="2000" dirty="0" smtClean="0"/>
               <a:t>, Installation Factory, Migration Tool, IBM Support Assistant and Update Installer for Linux on x86Series, 32-bit Support Multilingual (C87PSML)</a:t>
             </a:r>
-            <a:endParaRPr lang="en-US" sz="2000" dirty="0" smtClean="0"/>
           </a:p>
           <a:p>
             <a:pPr lvl="2"/>
@@ -7583,7 +7547,7 @@
 </file>
 
 <file path=ppt/slides/slide30.xml><?xml version="1.0" encoding="utf-8"?>
-<p:sld xmlns:a="http://schemas.openxmlformats.org/drawingml/2006/main" xmlns:r="http://schemas.openxmlformats.org/officeDocument/2006/relationships" xmlns:mc="http://schemas.openxmlformats.org/markup-compatibility/2006" xmlns:mv="urn:schemas-microsoft-com:mac:vml" xmlns:p="http://schemas.openxmlformats.org/presentationml/2006/main" mc:Ignorable="mv" mc:PreserveAttributes="mv:*">
+<p:sld xmlns:a="http://schemas.openxmlformats.org/drawingml/2006/main" xmlns:r="http://schemas.openxmlformats.org/officeDocument/2006/relationships" xmlns:p="http://schemas.openxmlformats.org/presentationml/2006/main">
   <p:cSld>
     <p:spTree>
       <p:nvGrpSpPr>
@@ -7656,7 +7620,7 @@
 </file>
 
 <file path=ppt/slides/slide4.xml><?xml version="1.0" encoding="utf-8"?>
-<p:sld xmlns:a="http://schemas.openxmlformats.org/drawingml/2006/main" xmlns:r="http://schemas.openxmlformats.org/officeDocument/2006/relationships" xmlns:mc="http://schemas.openxmlformats.org/markup-compatibility/2006" xmlns:mv="urn:schemas-microsoft-com:mac:vml" xmlns:p="http://schemas.openxmlformats.org/presentationml/2006/main" mc:Ignorable="mv" mc:PreserveAttributes="mv:*">
+<p:sld xmlns:a="http://schemas.openxmlformats.org/drawingml/2006/main" xmlns:r="http://schemas.openxmlformats.org/officeDocument/2006/relationships" xmlns:p="http://schemas.openxmlformats.org/presentationml/2006/main">
   <p:cSld>
     <p:spTree>
       <p:nvGrpSpPr>
@@ -7689,11 +7653,7 @@
           <a:p>
             <a:r>
               <a:rPr lang="en-US" dirty="0" smtClean="0"/>
-              <a:t>IBM Academic </a:t>
-            </a:r>
-            <a:r>
-              <a:rPr lang="en-US" dirty="0" smtClean="0"/>
-              <a:t>Initiative (Cont’d)</a:t>
+              <a:t>IBM Academic Initiative (Cont’d)</a:t>
             </a:r>
             <a:endParaRPr lang="en-US" dirty="0"/>
           </a:p>
@@ -7740,7 +7700,7 @@
 </file>
 
 <file path=ppt/slides/slide5.xml><?xml version="1.0" encoding="utf-8"?>
-<p:sld xmlns:a="http://schemas.openxmlformats.org/drawingml/2006/main" xmlns:r="http://schemas.openxmlformats.org/officeDocument/2006/relationships" xmlns:mc="http://schemas.openxmlformats.org/markup-compatibility/2006" xmlns:mv="urn:schemas-microsoft-com:mac:vml" xmlns:p="http://schemas.openxmlformats.org/presentationml/2006/main" mc:Ignorable="mv" mc:PreserveAttributes="mv:*">
+<p:sld xmlns:a="http://schemas.openxmlformats.org/drawingml/2006/main" xmlns:r="http://schemas.openxmlformats.org/officeDocument/2006/relationships" xmlns:p="http://schemas.openxmlformats.org/presentationml/2006/main">
   <p:cSld>
     <p:spTree>
       <p:nvGrpSpPr>
@@ -7792,7 +7752,7 @@
         <p:spPr/>
         <p:txBody>
           <a:bodyPr>
-            <a:normAutofit/>
+            <a:normAutofit lnSpcReduction="10000"/>
           </a:bodyPr>
           <a:lstStyle/>
           <a:p>
@@ -7817,11 +7777,7 @@
             </a:r>
             <a:r>
               <a:rPr lang="en-US" sz="2400" dirty="0" smtClean="0"/>
-              <a:t> (Core) (CR7VNML)</a:t>
-            </a:r>
-            <a:r>
-              <a:rPr lang="en-US" sz="2400" dirty="0" smtClean="0"/>
-              <a:t> </a:t>
+              <a:t> (Core) (CR7VNML) </a:t>
             </a:r>
             <a:r>
               <a:rPr lang="en-US" sz="2400" dirty="0" smtClean="0">
@@ -7829,15 +7785,7 @@
                   <a:srgbClr val="00B0F0"/>
                 </a:solidFill>
               </a:rPr>
-              <a:t>&lt;</a:t>
-            </a:r>
-            <a:r>
-              <a:rPr lang="en-US" sz="2400" dirty="0" smtClean="0">
-                <a:solidFill>
-                  <a:srgbClr val="00B0F0"/>
-                </a:solidFill>
-              </a:rPr>
-              <a:t>- RPT Agent (Link Error?)</a:t>
+              <a:t>&lt;- RPT Agent (Link Error?)</a:t>
             </a:r>
           </a:p>
           <a:p>
@@ -7897,7 +7845,7 @@
 </file>
 
 <file path=ppt/slides/slide6.xml><?xml version="1.0" encoding="utf-8"?>
-<p:sld xmlns:a="http://schemas.openxmlformats.org/drawingml/2006/main" xmlns:r="http://schemas.openxmlformats.org/officeDocument/2006/relationships" xmlns:mc="http://schemas.openxmlformats.org/markup-compatibility/2006" xmlns:mv="urn:schemas-microsoft-com:mac:vml" xmlns:p="http://schemas.openxmlformats.org/presentationml/2006/main" mc:Ignorable="mv" mc:PreserveAttributes="mv:*">
+<p:sld xmlns:a="http://schemas.openxmlformats.org/drawingml/2006/main" xmlns:r="http://schemas.openxmlformats.org/officeDocument/2006/relationships" xmlns:p="http://schemas.openxmlformats.org/presentationml/2006/main">
   <p:cSld>
     <p:spTree>
       <p:nvGrpSpPr>
@@ -7979,7 +7927,7 @@
 </file>
 
 <file path=ppt/slides/slide7.xml><?xml version="1.0" encoding="utf-8"?>
-<p:sld xmlns:a="http://schemas.openxmlformats.org/drawingml/2006/main" xmlns:r="http://schemas.openxmlformats.org/officeDocument/2006/relationships" xmlns:mc="http://schemas.openxmlformats.org/markup-compatibility/2006" xmlns:mv="urn:schemas-microsoft-com:mac:vml" xmlns:p="http://schemas.openxmlformats.org/presentationml/2006/main" mc:Ignorable="mv" mc:PreserveAttributes="mv:*">
+<p:sld xmlns:a="http://schemas.openxmlformats.org/drawingml/2006/main" xmlns:r="http://schemas.openxmlformats.org/officeDocument/2006/relationships" xmlns:p="http://schemas.openxmlformats.org/presentationml/2006/main">
   <p:cSld>
     <p:spTree>
       <p:nvGrpSpPr>
@@ -8139,7 +8087,7 @@
 </file>
 
 <file path=ppt/slides/slide8.xml><?xml version="1.0" encoding="utf-8"?>
-<p:sld xmlns:a="http://schemas.openxmlformats.org/drawingml/2006/main" xmlns:r="http://schemas.openxmlformats.org/officeDocument/2006/relationships" xmlns:mc="http://schemas.openxmlformats.org/markup-compatibility/2006" xmlns:mv="urn:schemas-microsoft-com:mac:vml" xmlns:p="http://schemas.openxmlformats.org/presentationml/2006/main" mc:Ignorable="mv" mc:PreserveAttributes="mv:*">
+<p:sld xmlns:a="http://schemas.openxmlformats.org/drawingml/2006/main" xmlns:r="http://schemas.openxmlformats.org/officeDocument/2006/relationships" xmlns:p="http://schemas.openxmlformats.org/presentationml/2006/main">
   <p:cSld>
     <p:spTree>
       <p:nvGrpSpPr>
@@ -8305,7 +8253,7 @@
 </file>
 
 <file path=ppt/slides/slide9.xml><?xml version="1.0" encoding="utf-8"?>
-<p:sld xmlns:a="http://schemas.openxmlformats.org/drawingml/2006/main" xmlns:r="http://schemas.openxmlformats.org/officeDocument/2006/relationships" xmlns:mc="http://schemas.openxmlformats.org/markup-compatibility/2006" xmlns:mv="urn:schemas-microsoft-com:mac:vml" xmlns:p="http://schemas.openxmlformats.org/presentationml/2006/main" mc:Ignorable="mv" mc:PreserveAttributes="mv:*">
+<p:sld xmlns:a="http://schemas.openxmlformats.org/drawingml/2006/main" xmlns:r="http://schemas.openxmlformats.org/officeDocument/2006/relationships" xmlns:p="http://schemas.openxmlformats.org/presentationml/2006/main">
   <p:cSld>
     <p:spTree>
       <p:nvGrpSpPr>
